--- a/figures/figure_components/figure2.pptx
+++ b/figures/figure_components/figure2.pptx
@@ -7,7 +7,7 @@
   <p:sldIdLst>
     <p:sldId id="256" r:id="rId2"/>
   </p:sldIdLst>
-  <p:sldSz cx="12192000" cy="4114800"/>
+  <p:sldSz cx="12192000" cy="6629400"/>
   <p:notesSz cx="6858000" cy="9144000"/>
   <p:defaultTextStyle>
     <a:defPPr>
@@ -104,11 +104,6 @@
       </a:defRPr>
     </a:lvl9pPr>
   </p:defaultTextStyle>
-  <p:extLst>
-    <p:ext uri="{EFAFB233-063F-42B5-8137-9DF3F51BA10A}">
-      <p15:sldGuideLst xmlns:p15="http://schemas.microsoft.com/office/powerpoint/2012/main"/>
-    </p:ext>
-  </p:extLst>
 </p:presentation>
 </file>
 
@@ -141,15 +136,15 @@
         </p:nvSpPr>
         <p:spPr>
           <a:xfrm>
-            <a:off x="1524000" y="673418"/>
-            <a:ext cx="9144000" cy="1432560"/>
+            <a:off x="1524000" y="1084951"/>
+            <a:ext cx="9144000" cy="2308013"/>
           </a:xfrm>
         </p:spPr>
         <p:txBody>
           <a:bodyPr anchor="b"/>
           <a:lstStyle>
             <a:lvl1pPr algn="ctr">
-              <a:defRPr sz="3600"/>
+              <a:defRPr sz="5800"/>
             </a:lvl1pPr>
           </a:lstStyle>
           <a:p>
@@ -173,8 +168,8 @@
         </p:nvSpPr>
         <p:spPr>
           <a:xfrm>
-            <a:off x="1524000" y="2161223"/>
-            <a:ext cx="9144000" cy="993457"/>
+            <a:off x="1524000" y="3481970"/>
+            <a:ext cx="9144000" cy="1600570"/>
           </a:xfrm>
         </p:spPr>
         <p:txBody>
@@ -182,39 +177,39 @@
           <a:lstStyle>
             <a:lvl1pPr marL="0" indent="0" algn="ctr">
               <a:buNone/>
-              <a:defRPr sz="1440"/>
+              <a:defRPr sz="2320"/>
             </a:lvl1pPr>
-            <a:lvl2pPr marL="274320" indent="0" algn="ctr">
-              <a:buNone/>
-              <a:defRPr sz="1200"/>
+            <a:lvl2pPr marL="441975" indent="0" algn="ctr">
+              <a:buNone/>
+              <a:defRPr sz="1933"/>
             </a:lvl2pPr>
-            <a:lvl3pPr marL="548640" indent="0" algn="ctr">
-              <a:buNone/>
-              <a:defRPr sz="1080"/>
+            <a:lvl3pPr marL="883950" indent="0" algn="ctr">
+              <a:buNone/>
+              <a:defRPr sz="1740"/>
             </a:lvl3pPr>
-            <a:lvl4pPr marL="822960" indent="0" algn="ctr">
-              <a:buNone/>
-              <a:defRPr sz="960"/>
+            <a:lvl4pPr marL="1325926" indent="0" algn="ctr">
+              <a:buNone/>
+              <a:defRPr sz="1547"/>
             </a:lvl4pPr>
-            <a:lvl5pPr marL="1097280" indent="0" algn="ctr">
-              <a:buNone/>
-              <a:defRPr sz="960"/>
+            <a:lvl5pPr marL="1767901" indent="0" algn="ctr">
+              <a:buNone/>
+              <a:defRPr sz="1547"/>
             </a:lvl5pPr>
-            <a:lvl6pPr marL="1371600" indent="0" algn="ctr">
-              <a:buNone/>
-              <a:defRPr sz="960"/>
+            <a:lvl6pPr marL="2209876" indent="0" algn="ctr">
+              <a:buNone/>
+              <a:defRPr sz="1547"/>
             </a:lvl6pPr>
-            <a:lvl7pPr marL="1645920" indent="0" algn="ctr">
-              <a:buNone/>
-              <a:defRPr sz="960"/>
+            <a:lvl7pPr marL="2651851" indent="0" algn="ctr">
+              <a:buNone/>
+              <a:defRPr sz="1547"/>
             </a:lvl7pPr>
-            <a:lvl8pPr marL="1920240" indent="0" algn="ctr">
-              <a:buNone/>
-              <a:defRPr sz="960"/>
+            <a:lvl8pPr marL="3093827" indent="0" algn="ctr">
+              <a:buNone/>
+              <a:defRPr sz="1547"/>
             </a:lvl8pPr>
-            <a:lvl9pPr marL="2194560" indent="0" algn="ctr">
-              <a:buNone/>
-              <a:defRPr sz="960"/>
+            <a:lvl9pPr marL="3535802" indent="0" algn="ctr">
+              <a:buNone/>
+              <a:defRPr sz="1547"/>
             </a:lvl9pPr>
           </a:lstStyle>
           <a:p>
@@ -241,9 +236,9 @@
           <a:bodyPr/>
           <a:lstStyle/>
           <a:p>
-            <a:fld id="{368CC5CE-77A5-F648-895D-B56A6D348C68}" type="datetimeFigureOut">
+            <a:fld id="{58749126-4A29-7841-A2CD-BCBFE668F1B2}" type="datetimeFigureOut">
               <a:rPr lang="en-US" smtClean="0"/>
-              <a:t>10/9/20</a:t>
+              <a:t>9/30/20</a:t>
             </a:fld>
             <a:endParaRPr lang="en-US"/>
           </a:p>
@@ -283,7 +278,7 @@
           <a:bodyPr/>
           <a:lstStyle/>
           <a:p>
-            <a:fld id="{D340D7BD-3C35-8544-921E-E944BCC48069}" type="slidenum">
+            <a:fld id="{7B5027D2-4F26-8245-9719-1C4CDD60CB74}" type="slidenum">
               <a:rPr lang="en-US" smtClean="0"/>
               <a:t>‹#›</a:t>
             </a:fld>
@@ -294,7 +289,7 @@
     </p:spTree>
     <p:extLst>
       <p:ext uri="{BB962C8B-B14F-4D97-AF65-F5344CB8AC3E}">
-        <p14:creationId xmlns:p14="http://schemas.microsoft.com/office/powerpoint/2010/main" val="2966634033"/>
+        <p14:creationId xmlns:p14="http://schemas.microsoft.com/office/powerpoint/2010/main" val="243427947"/>
       </p:ext>
     </p:extLst>
   </p:cSld>
@@ -411,9 +406,9 @@
           <a:bodyPr/>
           <a:lstStyle/>
           <a:p>
-            <a:fld id="{368CC5CE-77A5-F648-895D-B56A6D348C68}" type="datetimeFigureOut">
+            <a:fld id="{58749126-4A29-7841-A2CD-BCBFE668F1B2}" type="datetimeFigureOut">
               <a:rPr lang="en-US" smtClean="0"/>
-              <a:t>10/9/20</a:t>
+              <a:t>9/30/20</a:t>
             </a:fld>
             <a:endParaRPr lang="en-US"/>
           </a:p>
@@ -453,7 +448,7 @@
           <a:bodyPr/>
           <a:lstStyle/>
           <a:p>
-            <a:fld id="{D340D7BD-3C35-8544-921E-E944BCC48069}" type="slidenum">
+            <a:fld id="{7B5027D2-4F26-8245-9719-1C4CDD60CB74}" type="slidenum">
               <a:rPr lang="en-US" smtClean="0"/>
               <a:t>‹#›</a:t>
             </a:fld>
@@ -464,7 +459,7 @@
     </p:spTree>
     <p:extLst>
       <p:ext uri="{BB962C8B-B14F-4D97-AF65-F5344CB8AC3E}">
-        <p14:creationId xmlns:p14="http://schemas.microsoft.com/office/powerpoint/2010/main" val="2714213385"/>
+        <p14:creationId xmlns:p14="http://schemas.microsoft.com/office/powerpoint/2010/main" val="1319574698"/>
       </p:ext>
     </p:extLst>
   </p:cSld>
@@ -503,8 +498,8 @@
         </p:nvSpPr>
         <p:spPr>
           <a:xfrm>
-            <a:off x="8724900" y="219075"/>
-            <a:ext cx="2628900" cy="3487103"/>
+            <a:off x="8724900" y="352954"/>
+            <a:ext cx="2628900" cy="5618110"/>
           </a:xfrm>
         </p:spPr>
         <p:txBody>
@@ -531,8 +526,8 @@
         </p:nvSpPr>
         <p:spPr>
           <a:xfrm>
-            <a:off x="838200" y="219075"/>
-            <a:ext cx="7734300" cy="3487103"/>
+            <a:off x="838200" y="352954"/>
+            <a:ext cx="7734300" cy="5618110"/>
           </a:xfrm>
         </p:spPr>
         <p:txBody>
@@ -591,9 +586,9 @@
           <a:bodyPr/>
           <a:lstStyle/>
           <a:p>
-            <a:fld id="{368CC5CE-77A5-F648-895D-B56A6D348C68}" type="datetimeFigureOut">
+            <a:fld id="{58749126-4A29-7841-A2CD-BCBFE668F1B2}" type="datetimeFigureOut">
               <a:rPr lang="en-US" smtClean="0"/>
-              <a:t>10/9/20</a:t>
+              <a:t>9/30/20</a:t>
             </a:fld>
             <a:endParaRPr lang="en-US"/>
           </a:p>
@@ -633,7 +628,7 @@
           <a:bodyPr/>
           <a:lstStyle/>
           <a:p>
-            <a:fld id="{D340D7BD-3C35-8544-921E-E944BCC48069}" type="slidenum">
+            <a:fld id="{7B5027D2-4F26-8245-9719-1C4CDD60CB74}" type="slidenum">
               <a:rPr lang="en-US" smtClean="0"/>
               <a:t>‹#›</a:t>
             </a:fld>
@@ -644,7 +639,7 @@
     </p:spTree>
     <p:extLst>
       <p:ext uri="{BB962C8B-B14F-4D97-AF65-F5344CB8AC3E}">
-        <p14:creationId xmlns:p14="http://schemas.microsoft.com/office/powerpoint/2010/main" val="4102248087"/>
+        <p14:creationId xmlns:p14="http://schemas.microsoft.com/office/powerpoint/2010/main" val="83780902"/>
       </p:ext>
     </p:extLst>
   </p:cSld>
@@ -761,9 +756,9 @@
           <a:bodyPr/>
           <a:lstStyle/>
           <a:p>
-            <a:fld id="{368CC5CE-77A5-F648-895D-B56A6D348C68}" type="datetimeFigureOut">
+            <a:fld id="{58749126-4A29-7841-A2CD-BCBFE668F1B2}" type="datetimeFigureOut">
               <a:rPr lang="en-US" smtClean="0"/>
-              <a:t>10/9/20</a:t>
+              <a:t>9/30/20</a:t>
             </a:fld>
             <a:endParaRPr lang="en-US"/>
           </a:p>
@@ -803,7 +798,7 @@
           <a:bodyPr/>
           <a:lstStyle/>
           <a:p>
-            <a:fld id="{D340D7BD-3C35-8544-921E-E944BCC48069}" type="slidenum">
+            <a:fld id="{7B5027D2-4F26-8245-9719-1C4CDD60CB74}" type="slidenum">
               <a:rPr lang="en-US" smtClean="0"/>
               <a:t>‹#›</a:t>
             </a:fld>
@@ -814,7 +809,7 @@
     </p:spTree>
     <p:extLst>
       <p:ext uri="{BB962C8B-B14F-4D97-AF65-F5344CB8AC3E}">
-        <p14:creationId xmlns:p14="http://schemas.microsoft.com/office/powerpoint/2010/main" val="885637508"/>
+        <p14:creationId xmlns:p14="http://schemas.microsoft.com/office/powerpoint/2010/main" val="464410527"/>
       </p:ext>
     </p:extLst>
   </p:cSld>
@@ -853,15 +848,15 @@
         </p:nvSpPr>
         <p:spPr>
           <a:xfrm>
-            <a:off x="831850" y="1025843"/>
-            <a:ext cx="10515600" cy="1711642"/>
+            <a:off x="831850" y="1652747"/>
+            <a:ext cx="10515600" cy="2757646"/>
           </a:xfrm>
         </p:spPr>
         <p:txBody>
           <a:bodyPr anchor="b"/>
           <a:lstStyle>
             <a:lvl1pPr>
-              <a:defRPr sz="3600"/>
+              <a:defRPr sz="5800"/>
             </a:lvl1pPr>
           </a:lstStyle>
           <a:p>
@@ -885,8 +880,8 @@
         </p:nvSpPr>
         <p:spPr>
           <a:xfrm>
-            <a:off x="831850" y="2753678"/>
-            <a:ext cx="10515600" cy="900112"/>
+            <a:off x="831850" y="4436481"/>
+            <a:ext cx="10515600" cy="1450181"/>
           </a:xfrm>
         </p:spPr>
         <p:txBody>
@@ -894,7 +889,7 @@
           <a:lstStyle>
             <a:lvl1pPr marL="0" indent="0">
               <a:buNone/>
-              <a:defRPr sz="1440">
+              <a:defRPr sz="2320">
                 <a:solidFill>
                   <a:schemeClr val="tx1">
                     <a:tint val="75000"/>
@@ -902,9 +897,9 @@
                 </a:solidFill>
               </a:defRPr>
             </a:lvl1pPr>
-            <a:lvl2pPr marL="274320" indent="0">
-              <a:buNone/>
-              <a:defRPr sz="1200">
+            <a:lvl2pPr marL="441975" indent="0">
+              <a:buNone/>
+              <a:defRPr sz="1933">
                 <a:solidFill>
                   <a:schemeClr val="tx1">
                     <a:tint val="75000"/>
@@ -912,9 +907,9 @@
                 </a:solidFill>
               </a:defRPr>
             </a:lvl2pPr>
-            <a:lvl3pPr marL="548640" indent="0">
-              <a:buNone/>
-              <a:defRPr sz="1080">
+            <a:lvl3pPr marL="883950" indent="0">
+              <a:buNone/>
+              <a:defRPr sz="1740">
                 <a:solidFill>
                   <a:schemeClr val="tx1">
                     <a:tint val="75000"/>
@@ -922,9 +917,9 @@
                 </a:solidFill>
               </a:defRPr>
             </a:lvl3pPr>
-            <a:lvl4pPr marL="822960" indent="0">
-              <a:buNone/>
-              <a:defRPr sz="960">
+            <a:lvl4pPr marL="1325926" indent="0">
+              <a:buNone/>
+              <a:defRPr sz="1547">
                 <a:solidFill>
                   <a:schemeClr val="tx1">
                     <a:tint val="75000"/>
@@ -932,9 +927,9 @@
                 </a:solidFill>
               </a:defRPr>
             </a:lvl4pPr>
-            <a:lvl5pPr marL="1097280" indent="0">
-              <a:buNone/>
-              <a:defRPr sz="960">
+            <a:lvl5pPr marL="1767901" indent="0">
+              <a:buNone/>
+              <a:defRPr sz="1547">
                 <a:solidFill>
                   <a:schemeClr val="tx1">
                     <a:tint val="75000"/>
@@ -942,9 +937,9 @@
                 </a:solidFill>
               </a:defRPr>
             </a:lvl5pPr>
-            <a:lvl6pPr marL="1371600" indent="0">
-              <a:buNone/>
-              <a:defRPr sz="960">
+            <a:lvl6pPr marL="2209876" indent="0">
+              <a:buNone/>
+              <a:defRPr sz="1547">
                 <a:solidFill>
                   <a:schemeClr val="tx1">
                     <a:tint val="75000"/>
@@ -952,9 +947,9 @@
                 </a:solidFill>
               </a:defRPr>
             </a:lvl6pPr>
-            <a:lvl7pPr marL="1645920" indent="0">
-              <a:buNone/>
-              <a:defRPr sz="960">
+            <a:lvl7pPr marL="2651851" indent="0">
+              <a:buNone/>
+              <a:defRPr sz="1547">
                 <a:solidFill>
                   <a:schemeClr val="tx1">
                     <a:tint val="75000"/>
@@ -962,9 +957,9 @@
                 </a:solidFill>
               </a:defRPr>
             </a:lvl7pPr>
-            <a:lvl8pPr marL="1920240" indent="0">
-              <a:buNone/>
-              <a:defRPr sz="960">
+            <a:lvl8pPr marL="3093827" indent="0">
+              <a:buNone/>
+              <a:defRPr sz="1547">
                 <a:solidFill>
                   <a:schemeClr val="tx1">
                     <a:tint val="75000"/>
@@ -972,9 +967,9 @@
                 </a:solidFill>
               </a:defRPr>
             </a:lvl8pPr>
-            <a:lvl9pPr marL="2194560" indent="0">
-              <a:buNone/>
-              <a:defRPr sz="960">
+            <a:lvl9pPr marL="3535802" indent="0">
+              <a:buNone/>
+              <a:defRPr sz="1547">
                 <a:solidFill>
                   <a:schemeClr val="tx1">
                     <a:tint val="75000"/>
@@ -1007,9 +1002,9 @@
           <a:bodyPr/>
           <a:lstStyle/>
           <a:p>
-            <a:fld id="{368CC5CE-77A5-F648-895D-B56A6D348C68}" type="datetimeFigureOut">
+            <a:fld id="{58749126-4A29-7841-A2CD-BCBFE668F1B2}" type="datetimeFigureOut">
               <a:rPr lang="en-US" smtClean="0"/>
-              <a:t>10/9/20</a:t>
+              <a:t>9/30/20</a:t>
             </a:fld>
             <a:endParaRPr lang="en-US"/>
           </a:p>
@@ -1049,7 +1044,7 @@
           <a:bodyPr/>
           <a:lstStyle/>
           <a:p>
-            <a:fld id="{D340D7BD-3C35-8544-921E-E944BCC48069}" type="slidenum">
+            <a:fld id="{7B5027D2-4F26-8245-9719-1C4CDD60CB74}" type="slidenum">
               <a:rPr lang="en-US" smtClean="0"/>
               <a:t>‹#›</a:t>
             </a:fld>
@@ -1060,7 +1055,7 @@
     </p:spTree>
     <p:extLst>
       <p:ext uri="{BB962C8B-B14F-4D97-AF65-F5344CB8AC3E}">
-        <p14:creationId xmlns:p14="http://schemas.microsoft.com/office/powerpoint/2010/main" val="2996308924"/>
+        <p14:creationId xmlns:p14="http://schemas.microsoft.com/office/powerpoint/2010/main" val="4240031659"/>
       </p:ext>
     </p:extLst>
   </p:cSld>
@@ -1122,8 +1117,8 @@
         </p:nvSpPr>
         <p:spPr>
           <a:xfrm>
-            <a:off x="838200" y="1095375"/>
-            <a:ext cx="5181600" cy="2610803"/>
+            <a:off x="838200" y="1764771"/>
+            <a:ext cx="5181600" cy="4206293"/>
           </a:xfrm>
         </p:spPr>
         <p:txBody>
@@ -1179,8 +1174,8 @@
         </p:nvSpPr>
         <p:spPr>
           <a:xfrm>
-            <a:off x="6172200" y="1095375"/>
-            <a:ext cx="5181600" cy="2610803"/>
+            <a:off x="6172200" y="1764771"/>
+            <a:ext cx="5181600" cy="4206293"/>
           </a:xfrm>
         </p:spPr>
         <p:txBody>
@@ -1239,9 +1234,9 @@
           <a:bodyPr/>
           <a:lstStyle/>
           <a:p>
-            <a:fld id="{368CC5CE-77A5-F648-895D-B56A6D348C68}" type="datetimeFigureOut">
+            <a:fld id="{58749126-4A29-7841-A2CD-BCBFE668F1B2}" type="datetimeFigureOut">
               <a:rPr lang="en-US" smtClean="0"/>
-              <a:t>10/9/20</a:t>
+              <a:t>9/30/20</a:t>
             </a:fld>
             <a:endParaRPr lang="en-US"/>
           </a:p>
@@ -1281,7 +1276,7 @@
           <a:bodyPr/>
           <a:lstStyle/>
           <a:p>
-            <a:fld id="{D340D7BD-3C35-8544-921E-E944BCC48069}" type="slidenum">
+            <a:fld id="{7B5027D2-4F26-8245-9719-1C4CDD60CB74}" type="slidenum">
               <a:rPr lang="en-US" smtClean="0"/>
               <a:t>‹#›</a:t>
             </a:fld>
@@ -1292,7 +1287,7 @@
     </p:spTree>
     <p:extLst>
       <p:ext uri="{BB962C8B-B14F-4D97-AF65-F5344CB8AC3E}">
-        <p14:creationId xmlns:p14="http://schemas.microsoft.com/office/powerpoint/2010/main" val="3486745916"/>
+        <p14:creationId xmlns:p14="http://schemas.microsoft.com/office/powerpoint/2010/main" val="3948098449"/>
       </p:ext>
     </p:extLst>
   </p:cSld>
@@ -1331,8 +1326,8 @@
         </p:nvSpPr>
         <p:spPr>
           <a:xfrm>
-            <a:off x="839788" y="219075"/>
-            <a:ext cx="10515600" cy="795338"/>
+            <a:off x="839788" y="352954"/>
+            <a:ext cx="10515600" cy="1281378"/>
           </a:xfrm>
         </p:spPr>
         <p:txBody>
@@ -1359,8 +1354,8 @@
         </p:nvSpPr>
         <p:spPr>
           <a:xfrm>
-            <a:off x="839789" y="1008698"/>
-            <a:ext cx="5157787" cy="494347"/>
+            <a:off x="839789" y="1625124"/>
+            <a:ext cx="5157787" cy="796448"/>
           </a:xfrm>
         </p:spPr>
         <p:txBody>
@@ -1368,39 +1363,39 @@
           <a:lstStyle>
             <a:lvl1pPr marL="0" indent="0">
               <a:buNone/>
-              <a:defRPr sz="1440" b="1"/>
+              <a:defRPr sz="2320" b="1"/>
             </a:lvl1pPr>
-            <a:lvl2pPr marL="274320" indent="0">
-              <a:buNone/>
-              <a:defRPr sz="1200" b="1"/>
+            <a:lvl2pPr marL="441975" indent="0">
+              <a:buNone/>
+              <a:defRPr sz="1933" b="1"/>
             </a:lvl2pPr>
-            <a:lvl3pPr marL="548640" indent="0">
-              <a:buNone/>
-              <a:defRPr sz="1080" b="1"/>
+            <a:lvl3pPr marL="883950" indent="0">
+              <a:buNone/>
+              <a:defRPr sz="1740" b="1"/>
             </a:lvl3pPr>
-            <a:lvl4pPr marL="822960" indent="0">
-              <a:buNone/>
-              <a:defRPr sz="960" b="1"/>
+            <a:lvl4pPr marL="1325926" indent="0">
+              <a:buNone/>
+              <a:defRPr sz="1547" b="1"/>
             </a:lvl4pPr>
-            <a:lvl5pPr marL="1097280" indent="0">
-              <a:buNone/>
-              <a:defRPr sz="960" b="1"/>
+            <a:lvl5pPr marL="1767901" indent="0">
+              <a:buNone/>
+              <a:defRPr sz="1547" b="1"/>
             </a:lvl5pPr>
-            <a:lvl6pPr marL="1371600" indent="0">
-              <a:buNone/>
-              <a:defRPr sz="960" b="1"/>
+            <a:lvl6pPr marL="2209876" indent="0">
+              <a:buNone/>
+              <a:defRPr sz="1547" b="1"/>
             </a:lvl6pPr>
-            <a:lvl7pPr marL="1645920" indent="0">
-              <a:buNone/>
-              <a:defRPr sz="960" b="1"/>
+            <a:lvl7pPr marL="2651851" indent="0">
+              <a:buNone/>
+              <a:defRPr sz="1547" b="1"/>
             </a:lvl7pPr>
-            <a:lvl8pPr marL="1920240" indent="0">
-              <a:buNone/>
-              <a:defRPr sz="960" b="1"/>
+            <a:lvl8pPr marL="3093827" indent="0">
+              <a:buNone/>
+              <a:defRPr sz="1547" b="1"/>
             </a:lvl8pPr>
-            <a:lvl9pPr marL="2194560" indent="0">
-              <a:buNone/>
-              <a:defRPr sz="960" b="1"/>
+            <a:lvl9pPr marL="3535802" indent="0">
+              <a:buNone/>
+              <a:defRPr sz="1547" b="1"/>
             </a:lvl9pPr>
           </a:lstStyle>
           <a:p>
@@ -1424,8 +1419,8 @@
         </p:nvSpPr>
         <p:spPr>
           <a:xfrm>
-            <a:off x="839789" y="1503045"/>
-            <a:ext cx="5157787" cy="2210753"/>
+            <a:off x="839789" y="2421573"/>
+            <a:ext cx="5157787" cy="3561768"/>
           </a:xfrm>
         </p:spPr>
         <p:txBody>
@@ -1481,8 +1476,8 @@
         </p:nvSpPr>
         <p:spPr>
           <a:xfrm>
-            <a:off x="6172200" y="1008698"/>
-            <a:ext cx="5183188" cy="494347"/>
+            <a:off x="6172200" y="1625124"/>
+            <a:ext cx="5183188" cy="796448"/>
           </a:xfrm>
         </p:spPr>
         <p:txBody>
@@ -1490,39 +1485,39 @@
           <a:lstStyle>
             <a:lvl1pPr marL="0" indent="0">
               <a:buNone/>
-              <a:defRPr sz="1440" b="1"/>
+              <a:defRPr sz="2320" b="1"/>
             </a:lvl1pPr>
-            <a:lvl2pPr marL="274320" indent="0">
-              <a:buNone/>
-              <a:defRPr sz="1200" b="1"/>
+            <a:lvl2pPr marL="441975" indent="0">
+              <a:buNone/>
+              <a:defRPr sz="1933" b="1"/>
             </a:lvl2pPr>
-            <a:lvl3pPr marL="548640" indent="0">
-              <a:buNone/>
-              <a:defRPr sz="1080" b="1"/>
+            <a:lvl3pPr marL="883950" indent="0">
+              <a:buNone/>
+              <a:defRPr sz="1740" b="1"/>
             </a:lvl3pPr>
-            <a:lvl4pPr marL="822960" indent="0">
-              <a:buNone/>
-              <a:defRPr sz="960" b="1"/>
+            <a:lvl4pPr marL="1325926" indent="0">
+              <a:buNone/>
+              <a:defRPr sz="1547" b="1"/>
             </a:lvl4pPr>
-            <a:lvl5pPr marL="1097280" indent="0">
-              <a:buNone/>
-              <a:defRPr sz="960" b="1"/>
+            <a:lvl5pPr marL="1767901" indent="0">
+              <a:buNone/>
+              <a:defRPr sz="1547" b="1"/>
             </a:lvl5pPr>
-            <a:lvl6pPr marL="1371600" indent="0">
-              <a:buNone/>
-              <a:defRPr sz="960" b="1"/>
+            <a:lvl6pPr marL="2209876" indent="0">
+              <a:buNone/>
+              <a:defRPr sz="1547" b="1"/>
             </a:lvl6pPr>
-            <a:lvl7pPr marL="1645920" indent="0">
-              <a:buNone/>
-              <a:defRPr sz="960" b="1"/>
+            <a:lvl7pPr marL="2651851" indent="0">
+              <a:buNone/>
+              <a:defRPr sz="1547" b="1"/>
             </a:lvl7pPr>
-            <a:lvl8pPr marL="1920240" indent="0">
-              <a:buNone/>
-              <a:defRPr sz="960" b="1"/>
+            <a:lvl8pPr marL="3093827" indent="0">
+              <a:buNone/>
+              <a:defRPr sz="1547" b="1"/>
             </a:lvl8pPr>
-            <a:lvl9pPr marL="2194560" indent="0">
-              <a:buNone/>
-              <a:defRPr sz="960" b="1"/>
+            <a:lvl9pPr marL="3535802" indent="0">
+              <a:buNone/>
+              <a:defRPr sz="1547" b="1"/>
             </a:lvl9pPr>
           </a:lstStyle>
           <a:p>
@@ -1546,8 +1541,8 @@
         </p:nvSpPr>
         <p:spPr>
           <a:xfrm>
-            <a:off x="6172200" y="1503045"/>
-            <a:ext cx="5183188" cy="2210753"/>
+            <a:off x="6172200" y="2421573"/>
+            <a:ext cx="5183188" cy="3561768"/>
           </a:xfrm>
         </p:spPr>
         <p:txBody>
@@ -1606,9 +1601,9 @@
           <a:bodyPr/>
           <a:lstStyle/>
           <a:p>
-            <a:fld id="{368CC5CE-77A5-F648-895D-B56A6D348C68}" type="datetimeFigureOut">
+            <a:fld id="{58749126-4A29-7841-A2CD-BCBFE668F1B2}" type="datetimeFigureOut">
               <a:rPr lang="en-US" smtClean="0"/>
-              <a:t>10/9/20</a:t>
+              <a:t>9/30/20</a:t>
             </a:fld>
             <a:endParaRPr lang="en-US"/>
           </a:p>
@@ -1648,7 +1643,7 @@
           <a:bodyPr/>
           <a:lstStyle/>
           <a:p>
-            <a:fld id="{D340D7BD-3C35-8544-921E-E944BCC48069}" type="slidenum">
+            <a:fld id="{7B5027D2-4F26-8245-9719-1C4CDD60CB74}" type="slidenum">
               <a:rPr lang="en-US" smtClean="0"/>
               <a:t>‹#›</a:t>
             </a:fld>
@@ -1659,7 +1654,7 @@
     </p:spTree>
     <p:extLst>
       <p:ext uri="{BB962C8B-B14F-4D97-AF65-F5344CB8AC3E}">
-        <p14:creationId xmlns:p14="http://schemas.microsoft.com/office/powerpoint/2010/main" val="3004945378"/>
+        <p14:creationId xmlns:p14="http://schemas.microsoft.com/office/powerpoint/2010/main" val="1384143006"/>
       </p:ext>
     </p:extLst>
   </p:cSld>
@@ -1724,9 +1719,9 @@
           <a:bodyPr/>
           <a:lstStyle/>
           <a:p>
-            <a:fld id="{368CC5CE-77A5-F648-895D-B56A6D348C68}" type="datetimeFigureOut">
+            <a:fld id="{58749126-4A29-7841-A2CD-BCBFE668F1B2}" type="datetimeFigureOut">
               <a:rPr lang="en-US" smtClean="0"/>
-              <a:t>10/9/20</a:t>
+              <a:t>9/30/20</a:t>
             </a:fld>
             <a:endParaRPr lang="en-US"/>
           </a:p>
@@ -1766,7 +1761,7 @@
           <a:bodyPr/>
           <a:lstStyle/>
           <a:p>
-            <a:fld id="{D340D7BD-3C35-8544-921E-E944BCC48069}" type="slidenum">
+            <a:fld id="{7B5027D2-4F26-8245-9719-1C4CDD60CB74}" type="slidenum">
               <a:rPr lang="en-US" smtClean="0"/>
               <a:t>‹#›</a:t>
             </a:fld>
@@ -1777,7 +1772,7 @@
     </p:spTree>
     <p:extLst>
       <p:ext uri="{BB962C8B-B14F-4D97-AF65-F5344CB8AC3E}">
-        <p14:creationId xmlns:p14="http://schemas.microsoft.com/office/powerpoint/2010/main" val="2346782423"/>
+        <p14:creationId xmlns:p14="http://schemas.microsoft.com/office/powerpoint/2010/main" val="1607604892"/>
       </p:ext>
     </p:extLst>
   </p:cSld>
@@ -1819,9 +1814,9 @@
           <a:bodyPr/>
           <a:lstStyle/>
           <a:p>
-            <a:fld id="{368CC5CE-77A5-F648-895D-B56A6D348C68}" type="datetimeFigureOut">
+            <a:fld id="{58749126-4A29-7841-A2CD-BCBFE668F1B2}" type="datetimeFigureOut">
               <a:rPr lang="en-US" smtClean="0"/>
-              <a:t>10/9/20</a:t>
+              <a:t>9/30/20</a:t>
             </a:fld>
             <a:endParaRPr lang="en-US"/>
           </a:p>
@@ -1861,7 +1856,7 @@
           <a:bodyPr/>
           <a:lstStyle/>
           <a:p>
-            <a:fld id="{D340D7BD-3C35-8544-921E-E944BCC48069}" type="slidenum">
+            <a:fld id="{7B5027D2-4F26-8245-9719-1C4CDD60CB74}" type="slidenum">
               <a:rPr lang="en-US" smtClean="0"/>
               <a:t>‹#›</a:t>
             </a:fld>
@@ -1872,7 +1867,7 @@
     </p:spTree>
     <p:extLst>
       <p:ext uri="{BB962C8B-B14F-4D97-AF65-F5344CB8AC3E}">
-        <p14:creationId xmlns:p14="http://schemas.microsoft.com/office/powerpoint/2010/main" val="2581380954"/>
+        <p14:creationId xmlns:p14="http://schemas.microsoft.com/office/powerpoint/2010/main" val="4222784569"/>
       </p:ext>
     </p:extLst>
   </p:cSld>
@@ -1911,15 +1906,15 @@
         </p:nvSpPr>
         <p:spPr>
           <a:xfrm>
-            <a:off x="839789" y="274320"/>
-            <a:ext cx="3932237" cy="960120"/>
+            <a:off x="839789" y="441960"/>
+            <a:ext cx="3932237" cy="1546860"/>
           </a:xfrm>
         </p:spPr>
         <p:txBody>
           <a:bodyPr anchor="b"/>
           <a:lstStyle>
             <a:lvl1pPr>
-              <a:defRPr sz="1920"/>
+              <a:defRPr sz="3093"/>
             </a:lvl1pPr>
           </a:lstStyle>
           <a:p>
@@ -1943,39 +1938,39 @@
         </p:nvSpPr>
         <p:spPr>
           <a:xfrm>
-            <a:off x="5183188" y="592455"/>
-            <a:ext cx="6172200" cy="2924175"/>
+            <a:off x="5183188" y="954511"/>
+            <a:ext cx="6172200" cy="4711171"/>
           </a:xfrm>
         </p:spPr>
         <p:txBody>
           <a:bodyPr/>
           <a:lstStyle>
             <a:lvl1pPr>
-              <a:defRPr sz="1920"/>
+              <a:defRPr sz="3093"/>
             </a:lvl1pPr>
             <a:lvl2pPr>
-              <a:defRPr sz="1680"/>
+              <a:defRPr sz="2707"/>
             </a:lvl2pPr>
             <a:lvl3pPr>
-              <a:defRPr sz="1440"/>
+              <a:defRPr sz="2320"/>
             </a:lvl3pPr>
             <a:lvl4pPr>
-              <a:defRPr sz="1200"/>
+              <a:defRPr sz="1933"/>
             </a:lvl4pPr>
             <a:lvl5pPr>
-              <a:defRPr sz="1200"/>
+              <a:defRPr sz="1933"/>
             </a:lvl5pPr>
             <a:lvl6pPr>
-              <a:defRPr sz="1200"/>
+              <a:defRPr sz="1933"/>
             </a:lvl6pPr>
             <a:lvl7pPr>
-              <a:defRPr sz="1200"/>
+              <a:defRPr sz="1933"/>
             </a:lvl7pPr>
             <a:lvl8pPr>
-              <a:defRPr sz="1200"/>
+              <a:defRPr sz="1933"/>
             </a:lvl8pPr>
             <a:lvl9pPr>
-              <a:defRPr sz="1200"/>
+              <a:defRPr sz="1933"/>
             </a:lvl9pPr>
           </a:lstStyle>
           <a:p>
@@ -2028,8 +2023,8 @@
         </p:nvSpPr>
         <p:spPr>
           <a:xfrm>
-            <a:off x="839789" y="1234440"/>
-            <a:ext cx="3932237" cy="2286953"/>
+            <a:off x="839789" y="1988820"/>
+            <a:ext cx="3932237" cy="3684535"/>
           </a:xfrm>
         </p:spPr>
         <p:txBody>
@@ -2037,39 +2032,39 @@
           <a:lstStyle>
             <a:lvl1pPr marL="0" indent="0">
               <a:buNone/>
-              <a:defRPr sz="960"/>
+              <a:defRPr sz="1547"/>
             </a:lvl1pPr>
-            <a:lvl2pPr marL="274320" indent="0">
-              <a:buNone/>
-              <a:defRPr sz="840"/>
+            <a:lvl2pPr marL="441975" indent="0">
+              <a:buNone/>
+              <a:defRPr sz="1353"/>
             </a:lvl2pPr>
-            <a:lvl3pPr marL="548640" indent="0">
-              <a:buNone/>
-              <a:defRPr sz="720"/>
+            <a:lvl3pPr marL="883950" indent="0">
+              <a:buNone/>
+              <a:defRPr sz="1160"/>
             </a:lvl3pPr>
-            <a:lvl4pPr marL="822960" indent="0">
-              <a:buNone/>
-              <a:defRPr sz="600"/>
+            <a:lvl4pPr marL="1325926" indent="0">
+              <a:buNone/>
+              <a:defRPr sz="967"/>
             </a:lvl4pPr>
-            <a:lvl5pPr marL="1097280" indent="0">
-              <a:buNone/>
-              <a:defRPr sz="600"/>
+            <a:lvl5pPr marL="1767901" indent="0">
+              <a:buNone/>
+              <a:defRPr sz="967"/>
             </a:lvl5pPr>
-            <a:lvl6pPr marL="1371600" indent="0">
-              <a:buNone/>
-              <a:defRPr sz="600"/>
+            <a:lvl6pPr marL="2209876" indent="0">
+              <a:buNone/>
+              <a:defRPr sz="967"/>
             </a:lvl6pPr>
-            <a:lvl7pPr marL="1645920" indent="0">
-              <a:buNone/>
-              <a:defRPr sz="600"/>
+            <a:lvl7pPr marL="2651851" indent="0">
+              <a:buNone/>
+              <a:defRPr sz="967"/>
             </a:lvl7pPr>
-            <a:lvl8pPr marL="1920240" indent="0">
-              <a:buNone/>
-              <a:defRPr sz="600"/>
+            <a:lvl8pPr marL="3093827" indent="0">
+              <a:buNone/>
+              <a:defRPr sz="967"/>
             </a:lvl8pPr>
-            <a:lvl9pPr marL="2194560" indent="0">
-              <a:buNone/>
-              <a:defRPr sz="600"/>
+            <a:lvl9pPr marL="3535802" indent="0">
+              <a:buNone/>
+              <a:defRPr sz="967"/>
             </a:lvl9pPr>
           </a:lstStyle>
           <a:p>
@@ -2096,9 +2091,9 @@
           <a:bodyPr/>
           <a:lstStyle/>
           <a:p>
-            <a:fld id="{368CC5CE-77A5-F648-895D-B56A6D348C68}" type="datetimeFigureOut">
+            <a:fld id="{58749126-4A29-7841-A2CD-BCBFE668F1B2}" type="datetimeFigureOut">
               <a:rPr lang="en-US" smtClean="0"/>
-              <a:t>10/9/20</a:t>
+              <a:t>9/30/20</a:t>
             </a:fld>
             <a:endParaRPr lang="en-US"/>
           </a:p>
@@ -2138,7 +2133,7 @@
           <a:bodyPr/>
           <a:lstStyle/>
           <a:p>
-            <a:fld id="{D340D7BD-3C35-8544-921E-E944BCC48069}" type="slidenum">
+            <a:fld id="{7B5027D2-4F26-8245-9719-1C4CDD60CB74}" type="slidenum">
               <a:rPr lang="en-US" smtClean="0"/>
               <a:t>‹#›</a:t>
             </a:fld>
@@ -2149,7 +2144,7 @@
     </p:spTree>
     <p:extLst>
       <p:ext uri="{BB962C8B-B14F-4D97-AF65-F5344CB8AC3E}">
-        <p14:creationId xmlns:p14="http://schemas.microsoft.com/office/powerpoint/2010/main" val="4183936168"/>
+        <p14:creationId xmlns:p14="http://schemas.microsoft.com/office/powerpoint/2010/main" val="122878214"/>
       </p:ext>
     </p:extLst>
   </p:cSld>
@@ -2188,15 +2183,15 @@
         </p:nvSpPr>
         <p:spPr>
           <a:xfrm>
-            <a:off x="839789" y="274320"/>
-            <a:ext cx="3932237" cy="960120"/>
+            <a:off x="839789" y="441960"/>
+            <a:ext cx="3932237" cy="1546860"/>
           </a:xfrm>
         </p:spPr>
         <p:txBody>
           <a:bodyPr anchor="b"/>
           <a:lstStyle>
             <a:lvl1pPr>
-              <a:defRPr sz="1920"/>
+              <a:defRPr sz="3093"/>
             </a:lvl1pPr>
           </a:lstStyle>
           <a:p>
@@ -2220,8 +2215,8 @@
         </p:nvSpPr>
         <p:spPr>
           <a:xfrm>
-            <a:off x="5183188" y="592455"/>
-            <a:ext cx="6172200" cy="2924175"/>
+            <a:off x="5183188" y="954511"/>
+            <a:ext cx="6172200" cy="4711171"/>
           </a:xfrm>
         </p:spPr>
         <p:txBody>
@@ -2229,39 +2224,39 @@
           <a:lstStyle>
             <a:lvl1pPr marL="0" indent="0">
               <a:buNone/>
-              <a:defRPr sz="1920"/>
+              <a:defRPr sz="3093"/>
             </a:lvl1pPr>
-            <a:lvl2pPr marL="274320" indent="0">
-              <a:buNone/>
-              <a:defRPr sz="1680"/>
+            <a:lvl2pPr marL="441975" indent="0">
+              <a:buNone/>
+              <a:defRPr sz="2707"/>
             </a:lvl2pPr>
-            <a:lvl3pPr marL="548640" indent="0">
-              <a:buNone/>
-              <a:defRPr sz="1440"/>
+            <a:lvl3pPr marL="883950" indent="0">
+              <a:buNone/>
+              <a:defRPr sz="2320"/>
             </a:lvl3pPr>
-            <a:lvl4pPr marL="822960" indent="0">
-              <a:buNone/>
-              <a:defRPr sz="1200"/>
+            <a:lvl4pPr marL="1325926" indent="0">
+              <a:buNone/>
+              <a:defRPr sz="1933"/>
             </a:lvl4pPr>
-            <a:lvl5pPr marL="1097280" indent="0">
-              <a:buNone/>
-              <a:defRPr sz="1200"/>
+            <a:lvl5pPr marL="1767901" indent="0">
+              <a:buNone/>
+              <a:defRPr sz="1933"/>
             </a:lvl5pPr>
-            <a:lvl6pPr marL="1371600" indent="0">
-              <a:buNone/>
-              <a:defRPr sz="1200"/>
+            <a:lvl6pPr marL="2209876" indent="0">
+              <a:buNone/>
+              <a:defRPr sz="1933"/>
             </a:lvl6pPr>
-            <a:lvl7pPr marL="1645920" indent="0">
-              <a:buNone/>
-              <a:defRPr sz="1200"/>
+            <a:lvl7pPr marL="2651851" indent="0">
+              <a:buNone/>
+              <a:defRPr sz="1933"/>
             </a:lvl7pPr>
-            <a:lvl8pPr marL="1920240" indent="0">
-              <a:buNone/>
-              <a:defRPr sz="1200"/>
+            <a:lvl8pPr marL="3093827" indent="0">
+              <a:buNone/>
+              <a:defRPr sz="1933"/>
             </a:lvl8pPr>
-            <a:lvl9pPr marL="2194560" indent="0">
-              <a:buNone/>
-              <a:defRPr sz="1200"/>
+            <a:lvl9pPr marL="3535802" indent="0">
+              <a:buNone/>
+              <a:defRPr sz="1933"/>
             </a:lvl9pPr>
           </a:lstStyle>
           <a:p>
@@ -2285,8 +2280,8 @@
         </p:nvSpPr>
         <p:spPr>
           <a:xfrm>
-            <a:off x="839789" y="1234440"/>
-            <a:ext cx="3932237" cy="2286953"/>
+            <a:off x="839789" y="1988820"/>
+            <a:ext cx="3932237" cy="3684535"/>
           </a:xfrm>
         </p:spPr>
         <p:txBody>
@@ -2294,39 +2289,39 @@
           <a:lstStyle>
             <a:lvl1pPr marL="0" indent="0">
               <a:buNone/>
-              <a:defRPr sz="960"/>
+              <a:defRPr sz="1547"/>
             </a:lvl1pPr>
-            <a:lvl2pPr marL="274320" indent="0">
-              <a:buNone/>
-              <a:defRPr sz="840"/>
+            <a:lvl2pPr marL="441975" indent="0">
+              <a:buNone/>
+              <a:defRPr sz="1353"/>
             </a:lvl2pPr>
-            <a:lvl3pPr marL="548640" indent="0">
-              <a:buNone/>
-              <a:defRPr sz="720"/>
+            <a:lvl3pPr marL="883950" indent="0">
+              <a:buNone/>
+              <a:defRPr sz="1160"/>
             </a:lvl3pPr>
-            <a:lvl4pPr marL="822960" indent="0">
-              <a:buNone/>
-              <a:defRPr sz="600"/>
+            <a:lvl4pPr marL="1325926" indent="0">
+              <a:buNone/>
+              <a:defRPr sz="967"/>
             </a:lvl4pPr>
-            <a:lvl5pPr marL="1097280" indent="0">
-              <a:buNone/>
-              <a:defRPr sz="600"/>
+            <a:lvl5pPr marL="1767901" indent="0">
+              <a:buNone/>
+              <a:defRPr sz="967"/>
             </a:lvl5pPr>
-            <a:lvl6pPr marL="1371600" indent="0">
-              <a:buNone/>
-              <a:defRPr sz="600"/>
+            <a:lvl6pPr marL="2209876" indent="0">
+              <a:buNone/>
+              <a:defRPr sz="967"/>
             </a:lvl6pPr>
-            <a:lvl7pPr marL="1645920" indent="0">
-              <a:buNone/>
-              <a:defRPr sz="600"/>
+            <a:lvl7pPr marL="2651851" indent="0">
+              <a:buNone/>
+              <a:defRPr sz="967"/>
             </a:lvl7pPr>
-            <a:lvl8pPr marL="1920240" indent="0">
-              <a:buNone/>
-              <a:defRPr sz="600"/>
+            <a:lvl8pPr marL="3093827" indent="0">
+              <a:buNone/>
+              <a:defRPr sz="967"/>
             </a:lvl8pPr>
-            <a:lvl9pPr marL="2194560" indent="0">
-              <a:buNone/>
-              <a:defRPr sz="600"/>
+            <a:lvl9pPr marL="3535802" indent="0">
+              <a:buNone/>
+              <a:defRPr sz="967"/>
             </a:lvl9pPr>
           </a:lstStyle>
           <a:p>
@@ -2353,9 +2348,9 @@
           <a:bodyPr/>
           <a:lstStyle/>
           <a:p>
-            <a:fld id="{368CC5CE-77A5-F648-895D-B56A6D348C68}" type="datetimeFigureOut">
+            <a:fld id="{58749126-4A29-7841-A2CD-BCBFE668F1B2}" type="datetimeFigureOut">
               <a:rPr lang="en-US" smtClean="0"/>
-              <a:t>10/9/20</a:t>
+              <a:t>9/30/20</a:t>
             </a:fld>
             <a:endParaRPr lang="en-US"/>
           </a:p>
@@ -2395,7 +2390,7 @@
           <a:bodyPr/>
           <a:lstStyle/>
           <a:p>
-            <a:fld id="{D340D7BD-3C35-8544-921E-E944BCC48069}" type="slidenum">
+            <a:fld id="{7B5027D2-4F26-8245-9719-1C4CDD60CB74}" type="slidenum">
               <a:rPr lang="en-US" smtClean="0"/>
               <a:t>‹#›</a:t>
             </a:fld>
@@ -2406,7 +2401,7 @@
     </p:spTree>
     <p:extLst>
       <p:ext uri="{BB962C8B-B14F-4D97-AF65-F5344CB8AC3E}">
-        <p14:creationId xmlns:p14="http://schemas.microsoft.com/office/powerpoint/2010/main" val="3334355533"/>
+        <p14:creationId xmlns:p14="http://schemas.microsoft.com/office/powerpoint/2010/main" val="1588334397"/>
       </p:ext>
     </p:extLst>
   </p:cSld>
@@ -2450,8 +2445,8 @@
         </p:nvSpPr>
         <p:spPr>
           <a:xfrm>
-            <a:off x="838200" y="219075"/>
-            <a:ext cx="10515600" cy="795338"/>
+            <a:off x="838200" y="352954"/>
+            <a:ext cx="10515600" cy="1281378"/>
           </a:xfrm>
           <a:prstGeom prst="rect">
             <a:avLst/>
@@ -2483,8 +2478,8 @@
         </p:nvSpPr>
         <p:spPr>
           <a:xfrm>
-            <a:off x="838200" y="1095375"/>
-            <a:ext cx="10515600" cy="2610803"/>
+            <a:off x="838200" y="1764771"/>
+            <a:ext cx="10515600" cy="4206293"/>
           </a:xfrm>
           <a:prstGeom prst="rect">
             <a:avLst/>
@@ -2545,8 +2540,8 @@
         </p:nvSpPr>
         <p:spPr>
           <a:xfrm>
-            <a:off x="838200" y="3813810"/>
-            <a:ext cx="2743200" cy="219075"/>
+            <a:off x="838200" y="6144472"/>
+            <a:ext cx="2743200" cy="352954"/>
           </a:xfrm>
           <a:prstGeom prst="rect">
             <a:avLst/>
@@ -2556,7 +2551,7 @@
           <a:bodyPr vert="horz" lIns="91440" tIns="45720" rIns="91440" bIns="45720" rtlCol="0" anchor="ctr"/>
           <a:lstStyle>
             <a:lvl1pPr algn="l">
-              <a:defRPr sz="720">
+              <a:defRPr sz="1160">
                 <a:solidFill>
                   <a:schemeClr val="tx1">
                     <a:tint val="75000"/>
@@ -2566,9 +2561,9 @@
             </a:lvl1pPr>
           </a:lstStyle>
           <a:p>
-            <a:fld id="{368CC5CE-77A5-F648-895D-B56A6D348C68}" type="datetimeFigureOut">
+            <a:fld id="{58749126-4A29-7841-A2CD-BCBFE668F1B2}" type="datetimeFigureOut">
               <a:rPr lang="en-US" smtClean="0"/>
-              <a:t>10/9/20</a:t>
+              <a:t>9/30/20</a:t>
             </a:fld>
             <a:endParaRPr lang="en-US"/>
           </a:p>
@@ -2586,8 +2581,8 @@
         </p:nvSpPr>
         <p:spPr>
           <a:xfrm>
-            <a:off x="4038600" y="3813810"/>
-            <a:ext cx="4114800" cy="219075"/>
+            <a:off x="4038600" y="6144472"/>
+            <a:ext cx="4114800" cy="352954"/>
           </a:xfrm>
           <a:prstGeom prst="rect">
             <a:avLst/>
@@ -2597,7 +2592,7 @@
           <a:bodyPr vert="horz" lIns="91440" tIns="45720" rIns="91440" bIns="45720" rtlCol="0" anchor="ctr"/>
           <a:lstStyle>
             <a:lvl1pPr algn="ctr">
-              <a:defRPr sz="720">
+              <a:defRPr sz="1160">
                 <a:solidFill>
                   <a:schemeClr val="tx1">
                     <a:tint val="75000"/>
@@ -2623,8 +2618,8 @@
         </p:nvSpPr>
         <p:spPr>
           <a:xfrm>
-            <a:off x="8610600" y="3813810"/>
-            <a:ext cx="2743200" cy="219075"/>
+            <a:off x="8610600" y="6144472"/>
+            <a:ext cx="2743200" cy="352954"/>
           </a:xfrm>
           <a:prstGeom prst="rect">
             <a:avLst/>
@@ -2634,7 +2629,7 @@
           <a:bodyPr vert="horz" lIns="91440" tIns="45720" rIns="91440" bIns="45720" rtlCol="0" anchor="ctr"/>
           <a:lstStyle>
             <a:lvl1pPr algn="r">
-              <a:defRPr sz="720">
+              <a:defRPr sz="1160">
                 <a:solidFill>
                   <a:schemeClr val="tx1">
                     <a:tint val="75000"/>
@@ -2644,7 +2639,7 @@
             </a:lvl1pPr>
           </a:lstStyle>
           <a:p>
-            <a:fld id="{D340D7BD-3C35-8544-921E-E944BCC48069}" type="slidenum">
+            <a:fld id="{7B5027D2-4F26-8245-9719-1C4CDD60CB74}" type="slidenum">
               <a:rPr lang="en-US" smtClean="0"/>
               <a:t>‹#›</a:t>
             </a:fld>
@@ -2655,7 +2650,7 @@
     </p:spTree>
     <p:extLst>
       <p:ext uri="{BB962C8B-B14F-4D97-AF65-F5344CB8AC3E}">
-        <p14:creationId xmlns:p14="http://schemas.microsoft.com/office/powerpoint/2010/main" val="3001738351"/>
+        <p14:creationId xmlns:p14="http://schemas.microsoft.com/office/powerpoint/2010/main" val="3190230614"/>
       </p:ext>
     </p:extLst>
   </p:cSld>
@@ -2675,7 +2670,7 @@
   </p:sldLayoutIdLst>
   <p:txStyles>
     <p:titleStyle>
-      <a:lvl1pPr algn="l" defTabSz="548640" rtl="0" eaLnBrk="1" latinLnBrk="0" hangingPunct="1">
+      <a:lvl1pPr algn="l" defTabSz="883950" rtl="0" eaLnBrk="1" latinLnBrk="0" hangingPunct="1">
         <a:lnSpc>
           <a:spcPct val="90000"/>
         </a:lnSpc>
@@ -2683,7 +2678,7 @@
           <a:spcPct val="0"/>
         </a:spcBef>
         <a:buNone/>
-        <a:defRPr sz="2640" kern="1200">
+        <a:defRPr sz="4253" kern="1200">
           <a:solidFill>
             <a:schemeClr val="tx1"/>
           </a:solidFill>
@@ -2694,16 +2689,16 @@
       </a:lvl1pPr>
     </p:titleStyle>
     <p:bodyStyle>
-      <a:lvl1pPr marL="137160" indent="-137160" algn="l" defTabSz="548640" rtl="0" eaLnBrk="1" latinLnBrk="0" hangingPunct="1">
+      <a:lvl1pPr marL="220988" indent="-220988" algn="l" defTabSz="883950" rtl="0" eaLnBrk="1" latinLnBrk="0" hangingPunct="1">
         <a:lnSpc>
           <a:spcPct val="90000"/>
         </a:lnSpc>
         <a:spcBef>
-          <a:spcPts val="600"/>
+          <a:spcPts val="967"/>
         </a:spcBef>
         <a:buFont typeface="Arial" panose="020B0604020202020204" pitchFamily="34" charset="0"/>
         <a:buChar char="•"/>
-        <a:defRPr sz="1680" kern="1200">
+        <a:defRPr sz="2707" kern="1200">
           <a:solidFill>
             <a:schemeClr val="tx1"/>
           </a:solidFill>
@@ -2712,16 +2707,16 @@
           <a:cs typeface="+mn-cs"/>
         </a:defRPr>
       </a:lvl1pPr>
-      <a:lvl2pPr marL="411480" indent="-137160" algn="l" defTabSz="548640" rtl="0" eaLnBrk="1" latinLnBrk="0" hangingPunct="1">
+      <a:lvl2pPr marL="662963" indent="-220988" algn="l" defTabSz="883950" rtl="0" eaLnBrk="1" latinLnBrk="0" hangingPunct="1">
         <a:lnSpc>
           <a:spcPct val="90000"/>
         </a:lnSpc>
         <a:spcBef>
-          <a:spcPts val="300"/>
+          <a:spcPts val="483"/>
         </a:spcBef>
         <a:buFont typeface="Arial" panose="020B0604020202020204" pitchFamily="34" charset="0"/>
         <a:buChar char="•"/>
-        <a:defRPr sz="1440" kern="1200">
+        <a:defRPr sz="2320" kern="1200">
           <a:solidFill>
             <a:schemeClr val="tx1"/>
           </a:solidFill>
@@ -2730,16 +2725,16 @@
           <a:cs typeface="+mn-cs"/>
         </a:defRPr>
       </a:lvl2pPr>
-      <a:lvl3pPr marL="685800" indent="-137160" algn="l" defTabSz="548640" rtl="0" eaLnBrk="1" latinLnBrk="0" hangingPunct="1">
+      <a:lvl3pPr marL="1104938" indent="-220988" algn="l" defTabSz="883950" rtl="0" eaLnBrk="1" latinLnBrk="0" hangingPunct="1">
         <a:lnSpc>
           <a:spcPct val="90000"/>
         </a:lnSpc>
         <a:spcBef>
-          <a:spcPts val="300"/>
+          <a:spcPts val="483"/>
         </a:spcBef>
         <a:buFont typeface="Arial" panose="020B0604020202020204" pitchFamily="34" charset="0"/>
         <a:buChar char="•"/>
-        <a:defRPr sz="1200" kern="1200">
+        <a:defRPr sz="1933" kern="1200">
           <a:solidFill>
             <a:schemeClr val="tx1"/>
           </a:solidFill>
@@ -2748,16 +2743,16 @@
           <a:cs typeface="+mn-cs"/>
         </a:defRPr>
       </a:lvl3pPr>
-      <a:lvl4pPr marL="960120" indent="-137160" algn="l" defTabSz="548640" rtl="0" eaLnBrk="1" latinLnBrk="0" hangingPunct="1">
+      <a:lvl4pPr marL="1546913" indent="-220988" algn="l" defTabSz="883950" rtl="0" eaLnBrk="1" latinLnBrk="0" hangingPunct="1">
         <a:lnSpc>
           <a:spcPct val="90000"/>
         </a:lnSpc>
         <a:spcBef>
-          <a:spcPts val="300"/>
+          <a:spcPts val="483"/>
         </a:spcBef>
         <a:buFont typeface="Arial" panose="020B0604020202020204" pitchFamily="34" charset="0"/>
         <a:buChar char="•"/>
-        <a:defRPr sz="1080" kern="1200">
+        <a:defRPr sz="1740" kern="1200">
           <a:solidFill>
             <a:schemeClr val="tx1"/>
           </a:solidFill>
@@ -2766,16 +2761,16 @@
           <a:cs typeface="+mn-cs"/>
         </a:defRPr>
       </a:lvl4pPr>
-      <a:lvl5pPr marL="1234440" indent="-137160" algn="l" defTabSz="548640" rtl="0" eaLnBrk="1" latinLnBrk="0" hangingPunct="1">
+      <a:lvl5pPr marL="1988889" indent="-220988" algn="l" defTabSz="883950" rtl="0" eaLnBrk="1" latinLnBrk="0" hangingPunct="1">
         <a:lnSpc>
           <a:spcPct val="90000"/>
         </a:lnSpc>
         <a:spcBef>
-          <a:spcPts val="300"/>
+          <a:spcPts val="483"/>
         </a:spcBef>
         <a:buFont typeface="Arial" panose="020B0604020202020204" pitchFamily="34" charset="0"/>
         <a:buChar char="•"/>
-        <a:defRPr sz="1080" kern="1200">
+        <a:defRPr sz="1740" kern="1200">
           <a:solidFill>
             <a:schemeClr val="tx1"/>
           </a:solidFill>
@@ -2784,16 +2779,16 @@
           <a:cs typeface="+mn-cs"/>
         </a:defRPr>
       </a:lvl5pPr>
-      <a:lvl6pPr marL="1508760" indent="-137160" algn="l" defTabSz="548640" rtl="0" eaLnBrk="1" latinLnBrk="0" hangingPunct="1">
+      <a:lvl6pPr marL="2430864" indent="-220988" algn="l" defTabSz="883950" rtl="0" eaLnBrk="1" latinLnBrk="0" hangingPunct="1">
         <a:lnSpc>
           <a:spcPct val="90000"/>
         </a:lnSpc>
         <a:spcBef>
-          <a:spcPts val="300"/>
+          <a:spcPts val="483"/>
         </a:spcBef>
         <a:buFont typeface="Arial" panose="020B0604020202020204" pitchFamily="34" charset="0"/>
         <a:buChar char="•"/>
-        <a:defRPr sz="1080" kern="1200">
+        <a:defRPr sz="1740" kern="1200">
           <a:solidFill>
             <a:schemeClr val="tx1"/>
           </a:solidFill>
@@ -2802,16 +2797,16 @@
           <a:cs typeface="+mn-cs"/>
         </a:defRPr>
       </a:lvl6pPr>
-      <a:lvl7pPr marL="1783080" indent="-137160" algn="l" defTabSz="548640" rtl="0" eaLnBrk="1" latinLnBrk="0" hangingPunct="1">
+      <a:lvl7pPr marL="2872839" indent="-220988" algn="l" defTabSz="883950" rtl="0" eaLnBrk="1" latinLnBrk="0" hangingPunct="1">
         <a:lnSpc>
           <a:spcPct val="90000"/>
         </a:lnSpc>
         <a:spcBef>
-          <a:spcPts val="300"/>
+          <a:spcPts val="483"/>
         </a:spcBef>
         <a:buFont typeface="Arial" panose="020B0604020202020204" pitchFamily="34" charset="0"/>
         <a:buChar char="•"/>
-        <a:defRPr sz="1080" kern="1200">
+        <a:defRPr sz="1740" kern="1200">
           <a:solidFill>
             <a:schemeClr val="tx1"/>
           </a:solidFill>
@@ -2820,16 +2815,16 @@
           <a:cs typeface="+mn-cs"/>
         </a:defRPr>
       </a:lvl7pPr>
-      <a:lvl8pPr marL="2057400" indent="-137160" algn="l" defTabSz="548640" rtl="0" eaLnBrk="1" latinLnBrk="0" hangingPunct="1">
+      <a:lvl8pPr marL="3314814" indent="-220988" algn="l" defTabSz="883950" rtl="0" eaLnBrk="1" latinLnBrk="0" hangingPunct="1">
         <a:lnSpc>
           <a:spcPct val="90000"/>
         </a:lnSpc>
         <a:spcBef>
-          <a:spcPts val="300"/>
+          <a:spcPts val="483"/>
         </a:spcBef>
         <a:buFont typeface="Arial" panose="020B0604020202020204" pitchFamily="34" charset="0"/>
         <a:buChar char="•"/>
-        <a:defRPr sz="1080" kern="1200">
+        <a:defRPr sz="1740" kern="1200">
           <a:solidFill>
             <a:schemeClr val="tx1"/>
           </a:solidFill>
@@ -2838,16 +2833,16 @@
           <a:cs typeface="+mn-cs"/>
         </a:defRPr>
       </a:lvl8pPr>
-      <a:lvl9pPr marL="2331720" indent="-137160" algn="l" defTabSz="548640" rtl="0" eaLnBrk="1" latinLnBrk="0" hangingPunct="1">
+      <a:lvl9pPr marL="3756790" indent="-220988" algn="l" defTabSz="883950" rtl="0" eaLnBrk="1" latinLnBrk="0" hangingPunct="1">
         <a:lnSpc>
           <a:spcPct val="90000"/>
         </a:lnSpc>
         <a:spcBef>
-          <a:spcPts val="300"/>
+          <a:spcPts val="483"/>
         </a:spcBef>
         <a:buFont typeface="Arial" panose="020B0604020202020204" pitchFamily="34" charset="0"/>
         <a:buChar char="•"/>
-        <a:defRPr sz="1080" kern="1200">
+        <a:defRPr sz="1740" kern="1200">
           <a:solidFill>
             <a:schemeClr val="tx1"/>
           </a:solidFill>
@@ -2861,8 +2856,8 @@
       <a:defPPr>
         <a:defRPr lang="en-US"/>
       </a:defPPr>
-      <a:lvl1pPr marL="0" algn="l" defTabSz="548640" rtl="0" eaLnBrk="1" latinLnBrk="0" hangingPunct="1">
-        <a:defRPr sz="1080" kern="1200">
+      <a:lvl1pPr marL="0" algn="l" defTabSz="883950" rtl="0" eaLnBrk="1" latinLnBrk="0" hangingPunct="1">
+        <a:defRPr sz="1740" kern="1200">
           <a:solidFill>
             <a:schemeClr val="tx1"/>
           </a:solidFill>
@@ -2871,8 +2866,8 @@
           <a:cs typeface="+mn-cs"/>
         </a:defRPr>
       </a:lvl1pPr>
-      <a:lvl2pPr marL="274320" algn="l" defTabSz="548640" rtl="0" eaLnBrk="1" latinLnBrk="0" hangingPunct="1">
-        <a:defRPr sz="1080" kern="1200">
+      <a:lvl2pPr marL="441975" algn="l" defTabSz="883950" rtl="0" eaLnBrk="1" latinLnBrk="0" hangingPunct="1">
+        <a:defRPr sz="1740" kern="1200">
           <a:solidFill>
             <a:schemeClr val="tx1"/>
           </a:solidFill>
@@ -2881,8 +2876,8 @@
           <a:cs typeface="+mn-cs"/>
         </a:defRPr>
       </a:lvl2pPr>
-      <a:lvl3pPr marL="548640" algn="l" defTabSz="548640" rtl="0" eaLnBrk="1" latinLnBrk="0" hangingPunct="1">
-        <a:defRPr sz="1080" kern="1200">
+      <a:lvl3pPr marL="883950" algn="l" defTabSz="883950" rtl="0" eaLnBrk="1" latinLnBrk="0" hangingPunct="1">
+        <a:defRPr sz="1740" kern="1200">
           <a:solidFill>
             <a:schemeClr val="tx1"/>
           </a:solidFill>
@@ -2891,8 +2886,8 @@
           <a:cs typeface="+mn-cs"/>
         </a:defRPr>
       </a:lvl3pPr>
-      <a:lvl4pPr marL="822960" algn="l" defTabSz="548640" rtl="0" eaLnBrk="1" latinLnBrk="0" hangingPunct="1">
-        <a:defRPr sz="1080" kern="1200">
+      <a:lvl4pPr marL="1325926" algn="l" defTabSz="883950" rtl="0" eaLnBrk="1" latinLnBrk="0" hangingPunct="1">
+        <a:defRPr sz="1740" kern="1200">
           <a:solidFill>
             <a:schemeClr val="tx1"/>
           </a:solidFill>
@@ -2901,8 +2896,8 @@
           <a:cs typeface="+mn-cs"/>
         </a:defRPr>
       </a:lvl4pPr>
-      <a:lvl5pPr marL="1097280" algn="l" defTabSz="548640" rtl="0" eaLnBrk="1" latinLnBrk="0" hangingPunct="1">
-        <a:defRPr sz="1080" kern="1200">
+      <a:lvl5pPr marL="1767901" algn="l" defTabSz="883950" rtl="0" eaLnBrk="1" latinLnBrk="0" hangingPunct="1">
+        <a:defRPr sz="1740" kern="1200">
           <a:solidFill>
             <a:schemeClr val="tx1"/>
           </a:solidFill>
@@ -2911,8 +2906,8 @@
           <a:cs typeface="+mn-cs"/>
         </a:defRPr>
       </a:lvl5pPr>
-      <a:lvl6pPr marL="1371600" algn="l" defTabSz="548640" rtl="0" eaLnBrk="1" latinLnBrk="0" hangingPunct="1">
-        <a:defRPr sz="1080" kern="1200">
+      <a:lvl6pPr marL="2209876" algn="l" defTabSz="883950" rtl="0" eaLnBrk="1" latinLnBrk="0" hangingPunct="1">
+        <a:defRPr sz="1740" kern="1200">
           <a:solidFill>
             <a:schemeClr val="tx1"/>
           </a:solidFill>
@@ -2921,8 +2916,8 @@
           <a:cs typeface="+mn-cs"/>
         </a:defRPr>
       </a:lvl6pPr>
-      <a:lvl7pPr marL="1645920" algn="l" defTabSz="548640" rtl="0" eaLnBrk="1" latinLnBrk="0" hangingPunct="1">
-        <a:defRPr sz="1080" kern="1200">
+      <a:lvl7pPr marL="2651851" algn="l" defTabSz="883950" rtl="0" eaLnBrk="1" latinLnBrk="0" hangingPunct="1">
+        <a:defRPr sz="1740" kern="1200">
           <a:solidFill>
             <a:schemeClr val="tx1"/>
           </a:solidFill>
@@ -2931,8 +2926,8 @@
           <a:cs typeface="+mn-cs"/>
         </a:defRPr>
       </a:lvl7pPr>
-      <a:lvl8pPr marL="1920240" algn="l" defTabSz="548640" rtl="0" eaLnBrk="1" latinLnBrk="0" hangingPunct="1">
-        <a:defRPr sz="1080" kern="1200">
+      <a:lvl8pPr marL="3093827" algn="l" defTabSz="883950" rtl="0" eaLnBrk="1" latinLnBrk="0" hangingPunct="1">
+        <a:defRPr sz="1740" kern="1200">
           <a:solidFill>
             <a:schemeClr val="tx1"/>
           </a:solidFill>
@@ -2941,8 +2936,8 @@
           <a:cs typeface="+mn-cs"/>
         </a:defRPr>
       </a:lvl8pPr>
-      <a:lvl9pPr marL="2194560" algn="l" defTabSz="548640" rtl="0" eaLnBrk="1" latinLnBrk="0" hangingPunct="1">
-        <a:defRPr sz="1080" kern="1200">
+      <a:lvl9pPr marL="3535802" algn="l" defTabSz="883950" rtl="0" eaLnBrk="1" latinLnBrk="0" hangingPunct="1">
+        <a:defRPr sz="1740" kern="1200">
           <a:solidFill>
             <a:schemeClr val="tx1"/>
           </a:solidFill>
@@ -2978,7 +2973,7 @@
           <p:cNvPr id="6" name="Picture 5">
             <a:extLst>
               <a:ext uri="{FF2B5EF4-FFF2-40B4-BE49-F238E27FC236}">
-                <a16:creationId xmlns:a16="http://schemas.microsoft.com/office/drawing/2014/main" id="{0CA18124-29D0-824D-B3B5-EAC00BC73C64}"/>
+                <a16:creationId xmlns:a16="http://schemas.microsoft.com/office/drawing/2014/main" id="{D7EF5387-F249-454F-878E-F91582F9D1AF}"/>
               </a:ext>
             </a:extLst>
           </p:cNvPr>
@@ -2989,13 +2984,13 @@
         </p:nvPicPr>
         <p:blipFill rotWithShape="1">
           <a:blip r:embed="rId2"/>
-          <a:srcRect r="15979" b="50027"/>
+          <a:srcRect t="929" b="4152"/>
           <a:stretch/>
         </p:blipFill>
         <p:spPr>
           <a:xfrm>
-            <a:off x="6277597" y="177267"/>
-            <a:ext cx="5867874" cy="1863047"/>
+            <a:off x="6993861" y="234168"/>
+            <a:ext cx="5050994" cy="2757539"/>
           </a:xfrm>
           <a:prstGeom prst="rect">
             <a:avLst/>
@@ -3004,39 +2999,10 @@
       </p:pic>
       <p:pic>
         <p:nvPicPr>
-          <p:cNvPr id="19" name="Picture 18">
+          <p:cNvPr id="7" name="Picture 6">
             <a:extLst>
               <a:ext uri="{FF2B5EF4-FFF2-40B4-BE49-F238E27FC236}">
-                <a16:creationId xmlns:a16="http://schemas.microsoft.com/office/drawing/2014/main" id="{C89C7A12-EB68-1A47-ABD5-665346F0FFD5}"/>
-              </a:ext>
-            </a:extLst>
-          </p:cNvPr>
-          <p:cNvPicPr>
-            <a:picLocks noChangeAspect="1"/>
-          </p:cNvPicPr>
-          <p:nvPr/>
-        </p:nvPicPr>
-        <p:blipFill rotWithShape="1">
-          <a:blip r:embed="rId2"/>
-          <a:srcRect l="1" t="50194" r="57437"/>
-          <a:stretch/>
-        </p:blipFill>
-        <p:spPr>
-          <a:xfrm>
-            <a:off x="9192229" y="2048586"/>
-            <a:ext cx="2972559" cy="1856833"/>
-          </a:xfrm>
-          <a:prstGeom prst="rect">
-            <a:avLst/>
-          </a:prstGeom>
-        </p:spPr>
-      </p:pic>
-      <p:pic>
-        <p:nvPicPr>
-          <p:cNvPr id="3" name="Picture 2">
-            <a:extLst>
-              <a:ext uri="{FF2B5EF4-FFF2-40B4-BE49-F238E27FC236}">
-                <a16:creationId xmlns:a16="http://schemas.microsoft.com/office/drawing/2014/main" id="{5EB189F0-2A17-BC48-8241-83850DE88612}"/>
+                <a16:creationId xmlns:a16="http://schemas.microsoft.com/office/drawing/2014/main" id="{E4485EF7-98B7-2649-BFDD-D3ACBB17BBA7}"/>
               </a:ext>
             </a:extLst>
           </p:cNvPr>
@@ -3047,13 +3013,13 @@
         </p:nvPicPr>
         <p:blipFill rotWithShape="1">
           <a:blip r:embed="rId3"/>
-          <a:srcRect r="15991"/>
+          <a:srcRect t="1236" b="3421"/>
           <a:stretch/>
         </p:blipFill>
         <p:spPr>
           <a:xfrm>
-            <a:off x="174956" y="177267"/>
-            <a:ext cx="5867085" cy="3728152"/>
+            <a:off x="6993861" y="3575260"/>
+            <a:ext cx="5101838" cy="2769888"/>
           </a:xfrm>
           <a:prstGeom prst="rect">
             <a:avLst/>
@@ -3065,7 +3031,7 @@
           <p:cNvPr id="8" name="Rectangle 7">
             <a:extLst>
               <a:ext uri="{FF2B5EF4-FFF2-40B4-BE49-F238E27FC236}">
-                <a16:creationId xmlns:a16="http://schemas.microsoft.com/office/drawing/2014/main" id="{680AB522-A694-4C45-84AE-3B09F7811FA9}"/>
+                <a16:creationId xmlns:a16="http://schemas.microsoft.com/office/drawing/2014/main" id="{58FFBE60-72A6-BD46-AA14-3E567F2C2026}"/>
               </a:ext>
             </a:extLst>
           </p:cNvPr>
@@ -3074,25 +3040,28 @@
         </p:nvSpPr>
         <p:spPr>
           <a:xfrm>
-            <a:off x="26878" y="63310"/>
-            <a:ext cx="389850" cy="461665"/>
+            <a:off x="7051696" y="1808355"/>
+            <a:ext cx="981102" cy="307777"/>
           </a:xfrm>
           <a:prstGeom prst="rect">
             <a:avLst/>
           </a:prstGeom>
         </p:spPr>
         <p:txBody>
-          <a:bodyPr wrap="none">
+          <a:bodyPr wrap="square">
             <a:spAutoFit/>
           </a:bodyPr>
           <a:lstStyle/>
           <a:p>
             <a:r>
-              <a:rPr lang="en-US" sz="2400" dirty="0">
+              <a:rPr lang="en-US" sz="1400" dirty="0">
+                <a:solidFill>
+                  <a:srgbClr val="CB4335"/>
+                </a:solidFill>
                 <a:latin typeface="Arial" panose="020B0604020202020204" pitchFamily="34" charset="0"/>
                 <a:cs typeface="Arial" panose="020B0604020202020204" pitchFamily="34" charset="0"/>
               </a:rPr>
-              <a:t>A</a:t>
+              <a:t>Lineage A</a:t>
             </a:r>
           </a:p>
         </p:txBody>
@@ -3102,7 +3071,7 @@
           <p:cNvPr id="9" name="Rectangle 8">
             <a:extLst>
               <a:ext uri="{FF2B5EF4-FFF2-40B4-BE49-F238E27FC236}">
-                <a16:creationId xmlns:a16="http://schemas.microsoft.com/office/drawing/2014/main" id="{626F7ABB-C281-384D-9F38-B4C0C893DE3F}"/>
+                <a16:creationId xmlns:a16="http://schemas.microsoft.com/office/drawing/2014/main" id="{292A57D7-B8F1-9146-AA79-1D20B37996B3}"/>
               </a:ext>
             </a:extLst>
           </p:cNvPr>
@@ -3111,15 +3080,135 @@
         </p:nvSpPr>
         <p:spPr>
           <a:xfrm>
-            <a:off x="6031124" y="63310"/>
-            <a:ext cx="389850" cy="461665"/>
+            <a:off x="7110815" y="2512074"/>
+            <a:ext cx="990977" cy="307777"/>
           </a:xfrm>
           <a:prstGeom prst="rect">
             <a:avLst/>
           </a:prstGeom>
         </p:spPr>
         <p:txBody>
-          <a:bodyPr wrap="none">
+          <a:bodyPr wrap="square">
+            <a:spAutoFit/>
+          </a:bodyPr>
+          <a:lstStyle/>
+          <a:p>
+            <a:r>
+              <a:rPr lang="en-US" sz="1400" dirty="0">
+                <a:solidFill>
+                  <a:srgbClr val="FF9A00"/>
+                </a:solidFill>
+                <a:latin typeface="Arial" panose="020B0604020202020204" pitchFamily="34" charset="0"/>
+                <a:cs typeface="Arial" panose="020B0604020202020204" pitchFamily="34" charset="0"/>
+              </a:rPr>
+              <a:t>Lineage B</a:t>
+            </a:r>
+          </a:p>
+        </p:txBody>
+      </p:sp>
+      <p:sp>
+        <p:nvSpPr>
+          <p:cNvPr id="10" name="Rectangle 9">
+            <a:extLst>
+              <a:ext uri="{FF2B5EF4-FFF2-40B4-BE49-F238E27FC236}">
+                <a16:creationId xmlns:a16="http://schemas.microsoft.com/office/drawing/2014/main" id="{1D7F6A59-3F7B-D047-83CF-9942B1B545C2}"/>
+              </a:ext>
+            </a:extLst>
+          </p:cNvPr>
+          <p:cNvSpPr/>
+          <p:nvPr/>
+        </p:nvSpPr>
+        <p:spPr>
+          <a:xfrm>
+            <a:off x="7104907" y="5140500"/>
+            <a:ext cx="981102" cy="307777"/>
+          </a:xfrm>
+          <a:prstGeom prst="rect">
+            <a:avLst/>
+          </a:prstGeom>
+        </p:spPr>
+        <p:txBody>
+          <a:bodyPr wrap="square">
+            <a:spAutoFit/>
+          </a:bodyPr>
+          <a:lstStyle/>
+          <a:p>
+            <a:r>
+              <a:rPr lang="en-US" sz="1400" dirty="0">
+                <a:solidFill>
+                  <a:srgbClr val="CB4335"/>
+                </a:solidFill>
+                <a:latin typeface="Arial" panose="020B0604020202020204" pitchFamily="34" charset="0"/>
+                <a:cs typeface="Arial" panose="020B0604020202020204" pitchFamily="34" charset="0"/>
+              </a:rPr>
+              <a:t>Lineage A</a:t>
+            </a:r>
+          </a:p>
+        </p:txBody>
+      </p:sp>
+      <p:sp>
+        <p:nvSpPr>
+          <p:cNvPr id="11" name="Rectangle 10">
+            <a:extLst>
+              <a:ext uri="{FF2B5EF4-FFF2-40B4-BE49-F238E27FC236}">
+                <a16:creationId xmlns:a16="http://schemas.microsoft.com/office/drawing/2014/main" id="{830E70EE-368D-F443-9176-E4CCC4F26915}"/>
+              </a:ext>
+            </a:extLst>
+          </p:cNvPr>
+          <p:cNvSpPr/>
+          <p:nvPr/>
+        </p:nvSpPr>
+        <p:spPr>
+          <a:xfrm>
+            <a:off x="7164026" y="5844219"/>
+            <a:ext cx="990977" cy="307777"/>
+          </a:xfrm>
+          <a:prstGeom prst="rect">
+            <a:avLst/>
+          </a:prstGeom>
+        </p:spPr>
+        <p:txBody>
+          <a:bodyPr wrap="square">
+            <a:spAutoFit/>
+          </a:bodyPr>
+          <a:lstStyle/>
+          <a:p>
+            <a:r>
+              <a:rPr lang="en-US" sz="1400" dirty="0">
+                <a:solidFill>
+                  <a:srgbClr val="FF9A00"/>
+                </a:solidFill>
+                <a:latin typeface="Arial" panose="020B0604020202020204" pitchFamily="34" charset="0"/>
+                <a:cs typeface="Arial" panose="020B0604020202020204" pitchFamily="34" charset="0"/>
+              </a:rPr>
+              <a:t>Lineage B</a:t>
+            </a:r>
+          </a:p>
+        </p:txBody>
+      </p:sp>
+      <p:sp>
+        <p:nvSpPr>
+          <p:cNvPr id="12" name="Rectangle 11">
+            <a:extLst>
+              <a:ext uri="{FF2B5EF4-FFF2-40B4-BE49-F238E27FC236}">
+                <a16:creationId xmlns:a16="http://schemas.microsoft.com/office/drawing/2014/main" id="{F617CFDF-2B24-3143-AB23-25F38E82EA5D}"/>
+              </a:ext>
+            </a:extLst>
+          </p:cNvPr>
+          <p:cNvSpPr/>
+          <p:nvPr/>
+        </p:nvSpPr>
+        <p:spPr>
+          <a:xfrm>
+            <a:off x="6663925" y="3064033"/>
+            <a:ext cx="407484" cy="461665"/>
+          </a:xfrm>
+          <a:prstGeom prst="rect">
+            <a:avLst/>
+          </a:prstGeom>
+        </p:spPr>
+        <p:txBody>
+          <a:bodyPr wrap="square">
             <a:spAutoFit/>
           </a:bodyPr>
           <a:lstStyle/>
@@ -3129,17 +3218,17 @@
                 <a:latin typeface="Arial" panose="020B0604020202020204" pitchFamily="34" charset="0"/>
                 <a:cs typeface="Arial" panose="020B0604020202020204" pitchFamily="34" charset="0"/>
               </a:rPr>
-              <a:t>B</a:t>
+              <a:t>C</a:t>
             </a:r>
           </a:p>
         </p:txBody>
       </p:sp>
       <p:grpSp>
         <p:nvGrpSpPr>
-          <p:cNvPr id="10" name="Group 9">
+          <p:cNvPr id="13" name="Group 12">
             <a:extLst>
               <a:ext uri="{FF2B5EF4-FFF2-40B4-BE49-F238E27FC236}">
-                <a16:creationId xmlns:a16="http://schemas.microsoft.com/office/drawing/2014/main" id="{2C9A54C6-478B-7E4D-93EA-E32C650B2129}"/>
+                <a16:creationId xmlns:a16="http://schemas.microsoft.com/office/drawing/2014/main" id="{C44EE892-F7F8-1940-B721-0E628B110E9D}"/>
               </a:ext>
             </a:extLst>
           </p:cNvPr>
@@ -3148,18 +3237,18 @@
         </p:nvGrpSpPr>
         <p:grpSpPr>
           <a:xfrm>
-            <a:off x="4519612" y="2561282"/>
-            <a:ext cx="3437419" cy="1046440"/>
-            <a:chOff x="3743310" y="5318825"/>
-            <a:chExt cx="3437419" cy="1046440"/>
+            <a:off x="7021157" y="161056"/>
+            <a:ext cx="2281394" cy="1015663"/>
+            <a:chOff x="9375577" y="796000"/>
+            <a:chExt cx="2281394" cy="1015663"/>
           </a:xfrm>
         </p:grpSpPr>
         <p:sp>
           <p:nvSpPr>
-            <p:cNvPr id="11" name="TextBox 10">
+            <p:cNvPr id="14" name="TextBox 13">
               <a:extLst>
                 <a:ext uri="{FF2B5EF4-FFF2-40B4-BE49-F238E27FC236}">
-                  <a16:creationId xmlns:a16="http://schemas.microsoft.com/office/drawing/2014/main" id="{840959F4-9992-C34C-9424-03DF2D245CBA}"/>
+                  <a16:creationId xmlns:a16="http://schemas.microsoft.com/office/drawing/2014/main" id="{52D3FF4F-9EDD-9E4F-8519-D746986F03A4}"/>
                 </a:ext>
               </a:extLst>
             </p:cNvPr>
@@ -3168,107 +3257,40 @@
           </p:nvSpPr>
           <p:spPr>
             <a:xfrm>
-              <a:off x="3743310" y="5318825"/>
-              <a:ext cx="3437419" cy="1046440"/>
+              <a:off x="9375577" y="796000"/>
+              <a:ext cx="2281394" cy="1015663"/>
             </a:xfrm>
             <a:prstGeom prst="rect">
               <a:avLst/>
             </a:prstGeom>
-            <a:noFill/>
-            <a:ln>
+            <a:solidFill>
+              <a:schemeClr val="bg1"/>
+            </a:solidFill>
+            <a:ln w="15875" cap="rnd">
               <a:solidFill>
-                <a:schemeClr val="tx1"/>
+                <a:srgbClr val="D6D6D6"/>
               </a:solidFill>
             </a:ln>
           </p:spPr>
           <p:txBody>
-            <a:bodyPr wrap="square" numCol="2" rtlCol="0">
+            <a:bodyPr wrap="none" rtlCol="0">
               <a:spAutoFit/>
             </a:bodyPr>
             <a:lstStyle/>
             <a:p>
               <a:r>
-                <a:rPr lang="en-US" sz="1400" dirty="0">
-                  <a:latin typeface="Arial" panose="020B0604020202020204" pitchFamily="34" charset="0"/>
-                  <a:cs typeface="Arial" panose="020B0604020202020204" pitchFamily="34" charset="0"/>
-                </a:rPr>
-                <a:t>Gene</a:t>
-              </a:r>
-            </a:p>
-            <a:p>
-              <a:r>
-                <a:rPr lang="en-US" sz="1200" dirty="0">
-                  <a:solidFill>
-                    <a:srgbClr val="009888"/>
-                  </a:solidFill>
-                  <a:latin typeface="Arial" panose="020B0604020202020204" pitchFamily="34" charset="0"/>
-                  <a:cs typeface="Arial" panose="020B0604020202020204" pitchFamily="34" charset="0"/>
-                </a:rPr>
-                <a:t>         Spike</a:t>
-              </a:r>
-            </a:p>
-            <a:p>
-              <a:r>
-                <a:rPr lang="en-US" sz="1200" dirty="0">
-                  <a:solidFill>
-                    <a:srgbClr val="FF9A00"/>
-                  </a:solidFill>
-                  <a:latin typeface="Arial" panose="020B0604020202020204" pitchFamily="34" charset="0"/>
-                  <a:cs typeface="Arial" panose="020B0604020202020204" pitchFamily="34" charset="0"/>
-                </a:rPr>
-                <a:t>         RdRp </a:t>
-              </a:r>
-            </a:p>
-            <a:p>
-              <a:r>
-                <a:rPr lang="en-US" sz="1200" dirty="0">
-                  <a:solidFill>
-                    <a:srgbClr val="87C735"/>
-                  </a:solidFill>
-                  <a:latin typeface="Arial" panose="020B0604020202020204" pitchFamily="34" charset="0"/>
-                  <a:cs typeface="Arial" panose="020B0604020202020204" pitchFamily="34" charset="0"/>
-                </a:rPr>
-                <a:t>         S1</a:t>
-              </a:r>
-            </a:p>
-            <a:p>
-              <a:r>
-                <a:rPr lang="en-US" sz="1200" dirty="0">
-                  <a:solidFill>
-                    <a:srgbClr val="2E86C1"/>
-                  </a:solidFill>
-                  <a:latin typeface="Arial" panose="020B0604020202020204" pitchFamily="34" charset="0"/>
-                  <a:cs typeface="Arial" panose="020B0604020202020204" pitchFamily="34" charset="0"/>
-                </a:rPr>
-                <a:t>         S2</a:t>
-              </a:r>
-            </a:p>
-            <a:p>
-              <a:r>
-                <a:rPr lang="en-US" sz="1400" dirty="0">
-                  <a:latin typeface="Arial" panose="020B0604020202020204" pitchFamily="34" charset="0"/>
-                  <a:cs typeface="Arial" panose="020B0604020202020204" pitchFamily="34" charset="0"/>
-                </a:rPr>
-                <a:t>Substitution</a:t>
-              </a:r>
-            </a:p>
-            <a:p>
-              <a:r>
-                <a:rPr lang="en-US" sz="1200" dirty="0">
-                  <a:solidFill>
-                    <a:srgbClr val="009888"/>
-                  </a:solidFill>
-                  <a:latin typeface="Arial" panose="020B0604020202020204" pitchFamily="34" charset="0"/>
-                  <a:cs typeface="Arial" panose="020B0604020202020204" pitchFamily="34" charset="0"/>
-                </a:rPr>
-                <a:t>         </a:t>
-              </a:r>
-              <a:r>
                 <a:rPr lang="en-US" sz="1200" dirty="0">
                   <a:latin typeface="Arial" panose="020B0604020202020204" pitchFamily="34" charset="0"/>
                   <a:cs typeface="Arial" panose="020B0604020202020204" pitchFamily="34" charset="0"/>
                 </a:rPr>
-                <a:t>synonymous</a:t>
+                <a:t>     </a:t>
+              </a:r>
+              <a:r>
+                <a:rPr lang="en-US" sz="1200" b="1" dirty="0">
+                  <a:latin typeface="Arial" panose="020B0604020202020204" pitchFamily="34" charset="0"/>
+                  <a:cs typeface="Arial" panose="020B0604020202020204" pitchFamily="34" charset="0"/>
+                </a:rPr>
+                <a:t>OC43 Spike 192 genotype</a:t>
               </a:r>
             </a:p>
             <a:p>
@@ -3277,267 +3299,1245 @@
                   <a:latin typeface="Arial" panose="020B0604020202020204" pitchFamily="34" charset="0"/>
                   <a:cs typeface="Arial" panose="020B0604020202020204" pitchFamily="34" charset="0"/>
                 </a:rPr>
-                <a:t>         nonsynonymous</a:t>
+                <a:t>     L</a:t>
               </a:r>
-              <a:endParaRPr lang="en-US" sz="1400" dirty="0">
-                <a:latin typeface="Arial" panose="020B0604020202020204" pitchFamily="34" charset="0"/>
-                <a:cs typeface="Arial" panose="020B0604020202020204" pitchFamily="34" charset="0"/>
-              </a:endParaRPr>
+            </a:p>
+            <a:p>
+              <a:r>
+                <a:rPr lang="en-US" sz="1200" dirty="0">
+                  <a:latin typeface="Arial" panose="020B0604020202020204" pitchFamily="34" charset="0"/>
+                  <a:cs typeface="Arial" panose="020B0604020202020204" pitchFamily="34" charset="0"/>
+                </a:rPr>
+                <a:t>     M</a:t>
+              </a:r>
+            </a:p>
+            <a:p>
+              <a:r>
+                <a:rPr lang="en-US" sz="1200" dirty="0">
+                  <a:latin typeface="Arial" panose="020B0604020202020204" pitchFamily="34" charset="0"/>
+                  <a:cs typeface="Arial" panose="020B0604020202020204" pitchFamily="34" charset="0"/>
+                </a:rPr>
+                <a:t>     S</a:t>
+              </a:r>
+            </a:p>
+            <a:p>
+              <a:r>
+                <a:rPr lang="en-US" sz="1200" dirty="0">
+                  <a:latin typeface="Arial" panose="020B0604020202020204" pitchFamily="34" charset="0"/>
+                  <a:cs typeface="Arial" panose="020B0604020202020204" pitchFamily="34" charset="0"/>
+                </a:rPr>
+                <a:t>     Y</a:t>
+              </a:r>
             </a:p>
           </p:txBody>
         </p:sp>
-        <p:cxnSp>
-          <p:nvCxnSpPr>
-            <p:cNvPr id="12" name="Straight Connector 11">
+        <p:sp>
+          <p:nvSpPr>
+            <p:cNvPr id="15" name="Oval 14">
               <a:extLst>
                 <a:ext uri="{FF2B5EF4-FFF2-40B4-BE49-F238E27FC236}">
-                  <a16:creationId xmlns:a16="http://schemas.microsoft.com/office/drawing/2014/main" id="{5C4E120F-7475-B246-99EA-247032F14FC8}"/>
+                  <a16:creationId xmlns:a16="http://schemas.microsoft.com/office/drawing/2014/main" id="{59E7E36B-F81D-9246-96B2-D9F870BB5AFE}"/>
                 </a:ext>
               </a:extLst>
             </p:cNvPr>
-            <p:cNvCxnSpPr/>
+            <p:cNvSpPr/>
             <p:nvPr/>
-          </p:nvCxnSpPr>
+          </p:nvSpPr>
           <p:spPr>
             <a:xfrm>
-              <a:off x="3885355" y="5671306"/>
-              <a:ext cx="274320" cy="0"/>
+              <a:off x="9478834" y="1022324"/>
+              <a:ext cx="146304" cy="146304"/>
             </a:xfrm>
-            <a:prstGeom prst="line">
+            <a:prstGeom prst="ellipse">
               <a:avLst/>
             </a:prstGeom>
-            <a:ln w="38100">
-              <a:solidFill>
-                <a:srgbClr val="009888"/>
-              </a:solidFill>
+            <a:solidFill>
+              <a:srgbClr val="6DC2B3"/>
+            </a:solidFill>
+            <a:ln>
+              <a:noFill/>
             </a:ln>
           </p:spPr>
           <p:style>
-            <a:lnRef idx="1">
-              <a:schemeClr val="accent1"/>
+            <a:lnRef idx="2">
+              <a:schemeClr val="accent1">
+                <a:shade val="50000"/>
+              </a:schemeClr>
             </a:lnRef>
-            <a:fillRef idx="0">
+            <a:fillRef idx="1">
               <a:schemeClr val="accent1"/>
             </a:fillRef>
             <a:effectRef idx="0">
               <a:schemeClr val="accent1"/>
             </a:effectRef>
             <a:fontRef idx="minor">
-              <a:schemeClr val="tx1"/>
+              <a:schemeClr val="lt1"/>
             </a:fontRef>
           </p:style>
-        </p:cxnSp>
-        <p:cxnSp>
-          <p:nvCxnSpPr>
-            <p:cNvPr id="13" name="Straight Connector 12">
+          <p:txBody>
+            <a:bodyPr rot="0" spcFirstLastPara="0" vertOverflow="overflow" horzOverflow="overflow" vert="horz" wrap="square" lIns="91440" tIns="45720" rIns="91440" bIns="45720" numCol="1" spcCol="0" rtlCol="0" fromWordArt="0" anchor="ctr" anchorCtr="0" forceAA="0" compatLnSpc="1">
+              <a:prstTxWarp prst="textNoShape">
+                <a:avLst/>
+              </a:prstTxWarp>
+              <a:noAutofit/>
+            </a:bodyPr>
+            <a:lstStyle/>
+            <a:p>
+              <a:pPr algn="ctr"/>
+              <a:endParaRPr lang="en-US"/>
+            </a:p>
+          </p:txBody>
+        </p:sp>
+        <p:sp>
+          <p:nvSpPr>
+            <p:cNvPr id="16" name="Oval 15">
               <a:extLst>
                 <a:ext uri="{FF2B5EF4-FFF2-40B4-BE49-F238E27FC236}">
-                  <a16:creationId xmlns:a16="http://schemas.microsoft.com/office/drawing/2014/main" id="{3A5F46E1-781B-1944-9598-DE318C2BCAD9}"/>
+                  <a16:creationId xmlns:a16="http://schemas.microsoft.com/office/drawing/2014/main" id="{58C96790-DF44-D24B-9CD5-5D1F0AE21A23}"/>
                 </a:ext>
               </a:extLst>
             </p:cNvPr>
-            <p:cNvCxnSpPr/>
+            <p:cNvSpPr/>
             <p:nvPr/>
-          </p:nvCxnSpPr>
+          </p:nvSpPr>
           <p:spPr>
             <a:xfrm>
-              <a:off x="3885355" y="5848866"/>
-              <a:ext cx="274320" cy="0"/>
+              <a:off x="9478834" y="1213705"/>
+              <a:ext cx="146304" cy="146304"/>
             </a:xfrm>
-            <a:prstGeom prst="line">
+            <a:prstGeom prst="ellipse">
               <a:avLst/>
             </a:prstGeom>
-            <a:ln w="38100">
-              <a:solidFill>
-                <a:srgbClr val="FF9A00"/>
-              </a:solidFill>
+            <a:solidFill>
+              <a:srgbClr val="F7C446"/>
+            </a:solidFill>
+            <a:ln>
+              <a:noFill/>
             </a:ln>
           </p:spPr>
           <p:style>
-            <a:lnRef idx="1">
-              <a:schemeClr val="accent1"/>
+            <a:lnRef idx="2">
+              <a:schemeClr val="accent1">
+                <a:shade val="50000"/>
+              </a:schemeClr>
             </a:lnRef>
-            <a:fillRef idx="0">
+            <a:fillRef idx="1">
               <a:schemeClr val="accent1"/>
             </a:fillRef>
             <a:effectRef idx="0">
               <a:schemeClr val="accent1"/>
             </a:effectRef>
             <a:fontRef idx="minor">
-              <a:schemeClr val="tx1"/>
+              <a:schemeClr val="lt1"/>
             </a:fontRef>
           </p:style>
-        </p:cxnSp>
-        <p:cxnSp>
-          <p:nvCxnSpPr>
-            <p:cNvPr id="14" name="Straight Connector 13">
+          <p:txBody>
+            <a:bodyPr rot="0" spcFirstLastPara="0" vertOverflow="overflow" horzOverflow="overflow" vert="horz" wrap="square" lIns="91440" tIns="45720" rIns="91440" bIns="45720" numCol="1" spcCol="0" rtlCol="0" fromWordArt="0" anchor="ctr" anchorCtr="0" forceAA="0" compatLnSpc="1">
+              <a:prstTxWarp prst="textNoShape">
+                <a:avLst/>
+              </a:prstTxWarp>
+              <a:noAutofit/>
+            </a:bodyPr>
+            <a:lstStyle/>
+            <a:p>
+              <a:pPr algn="ctr"/>
+              <a:endParaRPr lang="en-US"/>
+            </a:p>
+          </p:txBody>
+        </p:sp>
+        <p:sp>
+          <p:nvSpPr>
+            <p:cNvPr id="17" name="Oval 16">
               <a:extLst>
                 <a:ext uri="{FF2B5EF4-FFF2-40B4-BE49-F238E27FC236}">
-                  <a16:creationId xmlns:a16="http://schemas.microsoft.com/office/drawing/2014/main" id="{A2E40691-5045-4446-A6B6-CD674F469FBE}"/>
+                  <a16:creationId xmlns:a16="http://schemas.microsoft.com/office/drawing/2014/main" id="{E651CC2A-D900-A146-9E8D-7614788B63BC}"/>
                 </a:ext>
               </a:extLst>
             </p:cNvPr>
-            <p:cNvCxnSpPr/>
+            <p:cNvSpPr/>
             <p:nvPr/>
-          </p:nvCxnSpPr>
+          </p:nvSpPr>
           <p:spPr>
             <a:xfrm>
-              <a:off x="3885355" y="6029400"/>
-              <a:ext cx="274320" cy="0"/>
+              <a:off x="9478834" y="1405086"/>
+              <a:ext cx="146304" cy="146304"/>
             </a:xfrm>
-            <a:prstGeom prst="line">
+            <a:prstGeom prst="ellipse">
               <a:avLst/>
             </a:prstGeom>
-            <a:ln w="38100">
-              <a:solidFill>
-                <a:srgbClr val="87C735"/>
-              </a:solidFill>
+            <a:solidFill>
+              <a:srgbClr val="5BACD3"/>
+            </a:solidFill>
+            <a:ln>
+              <a:noFill/>
             </a:ln>
           </p:spPr>
           <p:style>
-            <a:lnRef idx="1">
-              <a:schemeClr val="accent1"/>
+            <a:lnRef idx="2">
+              <a:schemeClr val="accent1">
+                <a:shade val="50000"/>
+              </a:schemeClr>
             </a:lnRef>
-            <a:fillRef idx="0">
+            <a:fillRef idx="1">
               <a:schemeClr val="accent1"/>
             </a:fillRef>
             <a:effectRef idx="0">
               <a:schemeClr val="accent1"/>
             </a:effectRef>
             <a:fontRef idx="minor">
-              <a:schemeClr val="tx1"/>
+              <a:schemeClr val="lt1"/>
             </a:fontRef>
           </p:style>
-        </p:cxnSp>
-        <p:cxnSp>
-          <p:nvCxnSpPr>
-            <p:cNvPr id="15" name="Straight Connector 14">
+          <p:txBody>
+            <a:bodyPr rot="0" spcFirstLastPara="0" vertOverflow="overflow" horzOverflow="overflow" vert="horz" wrap="square" lIns="91440" tIns="45720" rIns="91440" bIns="45720" numCol="1" spcCol="0" rtlCol="0" fromWordArt="0" anchor="ctr" anchorCtr="0" forceAA="0" compatLnSpc="1">
+              <a:prstTxWarp prst="textNoShape">
+                <a:avLst/>
+              </a:prstTxWarp>
+              <a:noAutofit/>
+            </a:bodyPr>
+            <a:lstStyle/>
+            <a:p>
+              <a:pPr algn="ctr"/>
+              <a:endParaRPr lang="en-US"/>
+            </a:p>
+          </p:txBody>
+        </p:sp>
+        <p:sp>
+          <p:nvSpPr>
+            <p:cNvPr id="18" name="Oval 17">
               <a:extLst>
                 <a:ext uri="{FF2B5EF4-FFF2-40B4-BE49-F238E27FC236}">
-                  <a16:creationId xmlns:a16="http://schemas.microsoft.com/office/drawing/2014/main" id="{8AE6499D-F902-C642-B84A-9153B6046106}"/>
+                  <a16:creationId xmlns:a16="http://schemas.microsoft.com/office/drawing/2014/main" id="{D8FA9659-2716-BF42-BAA1-88DDD2A8B5AF}"/>
                 </a:ext>
               </a:extLst>
             </p:cNvPr>
-            <p:cNvCxnSpPr/>
+            <p:cNvSpPr/>
             <p:nvPr/>
-          </p:nvCxnSpPr>
+          </p:nvSpPr>
           <p:spPr>
             <a:xfrm>
-              <a:off x="3885355" y="6215837"/>
-              <a:ext cx="274320" cy="0"/>
+              <a:off x="9478834" y="1596467"/>
+              <a:ext cx="146304" cy="146304"/>
             </a:xfrm>
-            <a:prstGeom prst="line">
+            <a:prstGeom prst="ellipse">
               <a:avLst/>
             </a:prstGeom>
-            <a:ln w="38100">
-              <a:solidFill>
-                <a:srgbClr val="2E86C1"/>
-              </a:solidFill>
+            <a:solidFill>
+              <a:srgbClr val="FF7F36"/>
+            </a:solidFill>
+            <a:ln>
+              <a:noFill/>
             </a:ln>
           </p:spPr>
           <p:style>
-            <a:lnRef idx="1">
-              <a:schemeClr val="accent1"/>
+            <a:lnRef idx="2">
+              <a:schemeClr val="accent1">
+                <a:shade val="50000"/>
+              </a:schemeClr>
             </a:lnRef>
-            <a:fillRef idx="0">
+            <a:fillRef idx="1">
               <a:schemeClr val="accent1"/>
             </a:fillRef>
             <a:effectRef idx="0">
               <a:schemeClr val="accent1"/>
             </a:effectRef>
             <a:fontRef idx="minor">
-              <a:schemeClr val="tx1"/>
+              <a:schemeClr val="lt1"/>
             </a:fontRef>
           </p:style>
-        </p:cxnSp>
-        <p:cxnSp>
-          <p:nvCxnSpPr>
-            <p:cNvPr id="16" name="Straight Connector 15">
+          <p:txBody>
+            <a:bodyPr rot="0" spcFirstLastPara="0" vertOverflow="overflow" horzOverflow="overflow" vert="horz" wrap="square" lIns="91440" tIns="45720" rIns="91440" bIns="45720" numCol="1" spcCol="0" rtlCol="0" fromWordArt="0" anchor="ctr" anchorCtr="0" forceAA="0" compatLnSpc="1">
+              <a:prstTxWarp prst="textNoShape">
+                <a:avLst/>
+              </a:prstTxWarp>
+              <a:noAutofit/>
+            </a:bodyPr>
+            <a:lstStyle/>
+            <a:p>
+              <a:pPr algn="ctr"/>
+              <a:endParaRPr lang="en-US"/>
+            </a:p>
+          </p:txBody>
+        </p:sp>
+      </p:grpSp>
+      <p:grpSp>
+        <p:nvGrpSpPr>
+          <p:cNvPr id="19" name="Group 18">
+            <a:extLst>
+              <a:ext uri="{FF2B5EF4-FFF2-40B4-BE49-F238E27FC236}">
+                <a16:creationId xmlns:a16="http://schemas.microsoft.com/office/drawing/2014/main" id="{13081CF5-0861-0749-8E55-89C7145B32EE}"/>
+              </a:ext>
+            </a:extLst>
+          </p:cNvPr>
+          <p:cNvGrpSpPr/>
+          <p:nvPr/>
+        </p:nvGrpSpPr>
+        <p:grpSpPr>
+          <a:xfrm>
+            <a:off x="6961094" y="3502660"/>
+            <a:ext cx="2281394" cy="1200329"/>
+            <a:chOff x="8879521" y="3999856"/>
+            <a:chExt cx="2281394" cy="1200329"/>
+          </a:xfrm>
+        </p:grpSpPr>
+        <p:grpSp>
+          <p:nvGrpSpPr>
+            <p:cNvPr id="20" name="Group 19">
               <a:extLst>
                 <a:ext uri="{FF2B5EF4-FFF2-40B4-BE49-F238E27FC236}">
-                  <a16:creationId xmlns:a16="http://schemas.microsoft.com/office/drawing/2014/main" id="{D71CDAB2-0A42-EB44-A09E-349628E0EF1B}"/>
+                  <a16:creationId xmlns:a16="http://schemas.microsoft.com/office/drawing/2014/main" id="{0E8A7EDA-0BB1-EB46-BBA4-F967ED918B16}"/>
                 </a:ext>
               </a:extLst>
             </p:cNvPr>
-            <p:cNvCxnSpPr/>
+            <p:cNvGrpSpPr/>
             <p:nvPr/>
-          </p:nvCxnSpPr>
+          </p:nvGrpSpPr>
+          <p:grpSpPr>
+            <a:xfrm>
+              <a:off x="8879521" y="3999856"/>
+              <a:ext cx="2281394" cy="1200329"/>
+              <a:chOff x="9375577" y="796000"/>
+              <a:chExt cx="2281394" cy="1200329"/>
+            </a:xfrm>
+          </p:grpSpPr>
+          <p:sp>
+            <p:nvSpPr>
+              <p:cNvPr id="22" name="TextBox 21">
+                <a:extLst>
+                  <a:ext uri="{FF2B5EF4-FFF2-40B4-BE49-F238E27FC236}">
+                    <a16:creationId xmlns:a16="http://schemas.microsoft.com/office/drawing/2014/main" id="{9B73479C-0121-5446-B8BA-2B1FE8B20EE9}"/>
+                  </a:ext>
+                </a:extLst>
+              </p:cNvPr>
+              <p:cNvSpPr txBox="1"/>
+              <p:nvPr/>
+            </p:nvSpPr>
+            <p:spPr>
+              <a:xfrm>
+                <a:off x="9375577" y="796000"/>
+                <a:ext cx="2281394" cy="1200329"/>
+              </a:xfrm>
+              <a:prstGeom prst="rect">
+                <a:avLst/>
+              </a:prstGeom>
+              <a:solidFill>
+                <a:schemeClr val="bg1"/>
+              </a:solidFill>
+              <a:ln w="15875" cap="rnd">
+                <a:solidFill>
+                  <a:srgbClr val="D6D6D6"/>
+                </a:solidFill>
+              </a:ln>
+            </p:spPr>
+            <p:txBody>
+              <a:bodyPr wrap="none" rtlCol="0">
+                <a:spAutoFit/>
+              </a:bodyPr>
+              <a:lstStyle/>
+              <a:p>
+                <a:r>
+                  <a:rPr lang="en-US" sz="1200" dirty="0">
+                    <a:latin typeface="Arial" panose="020B0604020202020204" pitchFamily="34" charset="0"/>
+                    <a:cs typeface="Arial" panose="020B0604020202020204" pitchFamily="34" charset="0"/>
+                  </a:rPr>
+                  <a:t>     </a:t>
+                </a:r>
+                <a:r>
+                  <a:rPr lang="en-US" sz="1200" b="1" dirty="0">
+                    <a:latin typeface="Arial" panose="020B0604020202020204" pitchFamily="34" charset="0"/>
+                    <a:cs typeface="Arial" panose="020B0604020202020204" pitchFamily="34" charset="0"/>
+                  </a:rPr>
+                  <a:t>OC43 Spike 262 genotype</a:t>
+                </a:r>
+              </a:p>
+              <a:p>
+                <a:r>
+                  <a:rPr lang="en-US" sz="1200" dirty="0">
+                    <a:latin typeface="Arial" panose="020B0604020202020204" pitchFamily="34" charset="0"/>
+                    <a:cs typeface="Arial" panose="020B0604020202020204" pitchFamily="34" charset="0"/>
+                  </a:rPr>
+                  <a:t>     R</a:t>
+                </a:r>
+              </a:p>
+              <a:p>
+                <a:r>
+                  <a:rPr lang="en-US" sz="1200" dirty="0">
+                    <a:latin typeface="Arial" panose="020B0604020202020204" pitchFamily="34" charset="0"/>
+                    <a:cs typeface="Arial" panose="020B0604020202020204" pitchFamily="34" charset="0"/>
+                  </a:rPr>
+                  <a:t>     L</a:t>
+                </a:r>
+              </a:p>
+              <a:p>
+                <a:r>
+                  <a:rPr lang="en-US" sz="1200" dirty="0">
+                    <a:latin typeface="Arial" panose="020B0604020202020204" pitchFamily="34" charset="0"/>
+                    <a:cs typeface="Arial" panose="020B0604020202020204" pitchFamily="34" charset="0"/>
+                  </a:rPr>
+                  <a:t>     P</a:t>
+                </a:r>
+              </a:p>
+              <a:p>
+                <a:r>
+                  <a:rPr lang="en-US" sz="1200" dirty="0">
+                    <a:latin typeface="Arial" panose="020B0604020202020204" pitchFamily="34" charset="0"/>
+                    <a:cs typeface="Arial" panose="020B0604020202020204" pitchFamily="34" charset="0"/>
+                  </a:rPr>
+                  <a:t>     S</a:t>
+                </a:r>
+              </a:p>
+              <a:p>
+                <a:r>
+                  <a:rPr lang="en-US" sz="1200" dirty="0">
+                    <a:latin typeface="Arial" panose="020B0604020202020204" pitchFamily="34" charset="0"/>
+                    <a:cs typeface="Arial" panose="020B0604020202020204" pitchFamily="34" charset="0"/>
+                  </a:rPr>
+                  <a:t>     A</a:t>
+                </a:r>
+              </a:p>
+            </p:txBody>
+          </p:sp>
+          <p:sp>
+            <p:nvSpPr>
+              <p:cNvPr id="23" name="Oval 22">
+                <a:extLst>
+                  <a:ext uri="{FF2B5EF4-FFF2-40B4-BE49-F238E27FC236}">
+                    <a16:creationId xmlns:a16="http://schemas.microsoft.com/office/drawing/2014/main" id="{5E454745-0CD3-8043-8169-D2CEA0425AB2}"/>
+                  </a:ext>
+                </a:extLst>
+              </p:cNvPr>
+              <p:cNvSpPr/>
+              <p:nvPr/>
+            </p:nvSpPr>
+            <p:spPr>
+              <a:xfrm>
+                <a:off x="9478834" y="1022324"/>
+                <a:ext cx="146304" cy="146304"/>
+              </a:xfrm>
+              <a:prstGeom prst="ellipse">
+                <a:avLst/>
+              </a:prstGeom>
+              <a:solidFill>
+                <a:srgbClr val="6DC2B3"/>
+              </a:solidFill>
+              <a:ln>
+                <a:noFill/>
+              </a:ln>
+            </p:spPr>
+            <p:style>
+              <a:lnRef idx="2">
+                <a:schemeClr val="accent1">
+                  <a:shade val="50000"/>
+                </a:schemeClr>
+              </a:lnRef>
+              <a:fillRef idx="1">
+                <a:schemeClr val="accent1"/>
+              </a:fillRef>
+              <a:effectRef idx="0">
+                <a:schemeClr val="accent1"/>
+              </a:effectRef>
+              <a:fontRef idx="minor">
+                <a:schemeClr val="lt1"/>
+              </a:fontRef>
+            </p:style>
+            <p:txBody>
+              <a:bodyPr rot="0" spcFirstLastPara="0" vertOverflow="overflow" horzOverflow="overflow" vert="horz" wrap="square" lIns="91440" tIns="45720" rIns="91440" bIns="45720" numCol="1" spcCol="0" rtlCol="0" fromWordArt="0" anchor="ctr" anchorCtr="0" forceAA="0" compatLnSpc="1">
+                <a:prstTxWarp prst="textNoShape">
+                  <a:avLst/>
+                </a:prstTxWarp>
+                <a:noAutofit/>
+              </a:bodyPr>
+              <a:lstStyle/>
+              <a:p>
+                <a:pPr algn="ctr"/>
+                <a:endParaRPr lang="en-US"/>
+              </a:p>
+            </p:txBody>
+          </p:sp>
+          <p:sp>
+            <p:nvSpPr>
+              <p:cNvPr id="24" name="Oval 23">
+                <a:extLst>
+                  <a:ext uri="{FF2B5EF4-FFF2-40B4-BE49-F238E27FC236}">
+                    <a16:creationId xmlns:a16="http://schemas.microsoft.com/office/drawing/2014/main" id="{C0AD404E-9986-8A40-8603-9ECA6687FCCA}"/>
+                  </a:ext>
+                </a:extLst>
+              </p:cNvPr>
+              <p:cNvSpPr/>
+              <p:nvPr/>
+            </p:nvSpPr>
+            <p:spPr>
+              <a:xfrm>
+                <a:off x="9478834" y="1213705"/>
+                <a:ext cx="146304" cy="146304"/>
+              </a:xfrm>
+              <a:prstGeom prst="ellipse">
+                <a:avLst/>
+              </a:prstGeom>
+              <a:solidFill>
+                <a:srgbClr val="F7C446"/>
+              </a:solidFill>
+              <a:ln>
+                <a:noFill/>
+              </a:ln>
+            </p:spPr>
+            <p:style>
+              <a:lnRef idx="2">
+                <a:schemeClr val="accent1">
+                  <a:shade val="50000"/>
+                </a:schemeClr>
+              </a:lnRef>
+              <a:fillRef idx="1">
+                <a:schemeClr val="accent1"/>
+              </a:fillRef>
+              <a:effectRef idx="0">
+                <a:schemeClr val="accent1"/>
+              </a:effectRef>
+              <a:fontRef idx="minor">
+                <a:schemeClr val="lt1"/>
+              </a:fontRef>
+            </p:style>
+            <p:txBody>
+              <a:bodyPr rot="0" spcFirstLastPara="0" vertOverflow="overflow" horzOverflow="overflow" vert="horz" wrap="square" lIns="91440" tIns="45720" rIns="91440" bIns="45720" numCol="1" spcCol="0" rtlCol="0" fromWordArt="0" anchor="ctr" anchorCtr="0" forceAA="0" compatLnSpc="1">
+                <a:prstTxWarp prst="textNoShape">
+                  <a:avLst/>
+                </a:prstTxWarp>
+                <a:noAutofit/>
+              </a:bodyPr>
+              <a:lstStyle/>
+              <a:p>
+                <a:pPr algn="ctr"/>
+                <a:endParaRPr lang="en-US"/>
+              </a:p>
+            </p:txBody>
+          </p:sp>
+          <p:sp>
+            <p:nvSpPr>
+              <p:cNvPr id="25" name="Oval 24">
+                <a:extLst>
+                  <a:ext uri="{FF2B5EF4-FFF2-40B4-BE49-F238E27FC236}">
+                    <a16:creationId xmlns:a16="http://schemas.microsoft.com/office/drawing/2014/main" id="{ADDFF2FD-0AC5-0041-B4F6-7B9898960B86}"/>
+                  </a:ext>
+                </a:extLst>
+              </p:cNvPr>
+              <p:cNvSpPr/>
+              <p:nvPr/>
+            </p:nvSpPr>
+            <p:spPr>
+              <a:xfrm>
+                <a:off x="9478834" y="1405086"/>
+                <a:ext cx="146304" cy="146304"/>
+              </a:xfrm>
+              <a:prstGeom prst="ellipse">
+                <a:avLst/>
+              </a:prstGeom>
+              <a:solidFill>
+                <a:srgbClr val="5BACD3"/>
+              </a:solidFill>
+              <a:ln>
+                <a:noFill/>
+              </a:ln>
+            </p:spPr>
+            <p:style>
+              <a:lnRef idx="2">
+                <a:schemeClr val="accent1">
+                  <a:shade val="50000"/>
+                </a:schemeClr>
+              </a:lnRef>
+              <a:fillRef idx="1">
+                <a:schemeClr val="accent1"/>
+              </a:fillRef>
+              <a:effectRef idx="0">
+                <a:schemeClr val="accent1"/>
+              </a:effectRef>
+              <a:fontRef idx="minor">
+                <a:schemeClr val="lt1"/>
+              </a:fontRef>
+            </p:style>
+            <p:txBody>
+              <a:bodyPr rot="0" spcFirstLastPara="0" vertOverflow="overflow" horzOverflow="overflow" vert="horz" wrap="square" lIns="91440" tIns="45720" rIns="91440" bIns="45720" numCol="1" spcCol="0" rtlCol="0" fromWordArt="0" anchor="ctr" anchorCtr="0" forceAA="0" compatLnSpc="1">
+                <a:prstTxWarp prst="textNoShape">
+                  <a:avLst/>
+                </a:prstTxWarp>
+                <a:noAutofit/>
+              </a:bodyPr>
+              <a:lstStyle/>
+              <a:p>
+                <a:pPr algn="ctr"/>
+                <a:endParaRPr lang="en-US"/>
+              </a:p>
+            </p:txBody>
+          </p:sp>
+          <p:sp>
+            <p:nvSpPr>
+              <p:cNvPr id="26" name="Oval 25">
+                <a:extLst>
+                  <a:ext uri="{FF2B5EF4-FFF2-40B4-BE49-F238E27FC236}">
+                    <a16:creationId xmlns:a16="http://schemas.microsoft.com/office/drawing/2014/main" id="{AD98A7E2-DB0E-AA46-8461-AB8725D7B53E}"/>
+                  </a:ext>
+                </a:extLst>
+              </p:cNvPr>
+              <p:cNvSpPr/>
+              <p:nvPr/>
+            </p:nvSpPr>
+            <p:spPr>
+              <a:xfrm>
+                <a:off x="9478834" y="1596467"/>
+                <a:ext cx="146304" cy="146304"/>
+              </a:xfrm>
+              <a:prstGeom prst="ellipse">
+                <a:avLst/>
+              </a:prstGeom>
+              <a:solidFill>
+                <a:srgbClr val="FF7F36"/>
+              </a:solidFill>
+              <a:ln>
+                <a:noFill/>
+              </a:ln>
+            </p:spPr>
+            <p:style>
+              <a:lnRef idx="2">
+                <a:schemeClr val="accent1">
+                  <a:shade val="50000"/>
+                </a:schemeClr>
+              </a:lnRef>
+              <a:fillRef idx="1">
+                <a:schemeClr val="accent1"/>
+              </a:fillRef>
+              <a:effectRef idx="0">
+                <a:schemeClr val="accent1"/>
+              </a:effectRef>
+              <a:fontRef idx="minor">
+                <a:schemeClr val="lt1"/>
+              </a:fontRef>
+            </p:style>
+            <p:txBody>
+              <a:bodyPr rot="0" spcFirstLastPara="0" vertOverflow="overflow" horzOverflow="overflow" vert="horz" wrap="square" lIns="91440" tIns="45720" rIns="91440" bIns="45720" numCol="1" spcCol="0" rtlCol="0" fromWordArt="0" anchor="ctr" anchorCtr="0" forceAA="0" compatLnSpc="1">
+                <a:prstTxWarp prst="textNoShape">
+                  <a:avLst/>
+                </a:prstTxWarp>
+                <a:noAutofit/>
+              </a:bodyPr>
+              <a:lstStyle/>
+              <a:p>
+                <a:pPr algn="ctr"/>
+                <a:endParaRPr lang="en-US"/>
+              </a:p>
+            </p:txBody>
+          </p:sp>
+        </p:grpSp>
+        <p:sp>
+          <p:nvSpPr>
+            <p:cNvPr id="21" name="Oval 20">
+              <a:extLst>
+                <a:ext uri="{FF2B5EF4-FFF2-40B4-BE49-F238E27FC236}">
+                  <a16:creationId xmlns:a16="http://schemas.microsoft.com/office/drawing/2014/main" id="{A2653014-5AB1-744F-8F72-47974D014525}"/>
+                </a:ext>
+              </a:extLst>
+            </p:cNvPr>
+            <p:cNvSpPr/>
+            <p:nvPr/>
+          </p:nvSpPr>
           <p:spPr>
             <a:xfrm>
-              <a:off x="5501295" y="5657859"/>
-              <a:ext cx="274320" cy="0"/>
+              <a:off x="8982778" y="4991704"/>
+              <a:ext cx="146304" cy="146304"/>
             </a:xfrm>
-            <a:prstGeom prst="line">
+            <a:prstGeom prst="ellipse">
               <a:avLst/>
             </a:prstGeom>
-            <a:ln w="38100">
-              <a:solidFill>
-                <a:schemeClr val="tx1"/>
-              </a:solidFill>
+            <a:solidFill>
+              <a:srgbClr val="A2D674"/>
+            </a:solidFill>
+            <a:ln>
+              <a:noFill/>
             </a:ln>
           </p:spPr>
           <p:style>
-            <a:lnRef idx="1">
-              <a:schemeClr val="accent1"/>
+            <a:lnRef idx="2">
+              <a:schemeClr val="accent1">
+                <a:shade val="50000"/>
+              </a:schemeClr>
             </a:lnRef>
-            <a:fillRef idx="0">
+            <a:fillRef idx="1">
               <a:schemeClr val="accent1"/>
             </a:fillRef>
             <a:effectRef idx="0">
               <a:schemeClr val="accent1"/>
             </a:effectRef>
             <a:fontRef idx="minor">
-              <a:schemeClr val="tx1"/>
+              <a:schemeClr val="lt1"/>
             </a:fontRef>
           </p:style>
-        </p:cxnSp>
-        <p:cxnSp>
-          <p:nvCxnSpPr>
-            <p:cNvPr id="17" name="Straight Connector 16">
-              <a:extLst>
-                <a:ext uri="{FF2B5EF4-FFF2-40B4-BE49-F238E27FC236}">
-                  <a16:creationId xmlns:a16="http://schemas.microsoft.com/office/drawing/2014/main" id="{2DA64EE0-85EC-0345-844D-FE9A32887DCE}"/>
-                </a:ext>
-              </a:extLst>
-            </p:cNvPr>
-            <p:cNvCxnSpPr/>
-            <p:nvPr/>
-          </p:nvCxnSpPr>
-          <p:spPr>
-            <a:xfrm>
-              <a:off x="5501295" y="5844296"/>
-              <a:ext cx="274320" cy="0"/>
-            </a:xfrm>
-            <a:prstGeom prst="line">
+          <p:txBody>
+            <a:bodyPr rot="0" spcFirstLastPara="0" vertOverflow="overflow" horzOverflow="overflow" vert="horz" wrap="square" lIns="91440" tIns="45720" rIns="91440" bIns="45720" numCol="1" spcCol="0" rtlCol="0" fromWordArt="0" anchor="ctr" anchorCtr="0" forceAA="0" compatLnSpc="1">
+              <a:prstTxWarp prst="textNoShape">
+                <a:avLst/>
+              </a:prstTxWarp>
+              <a:noAutofit/>
+            </a:bodyPr>
+            <a:lstStyle/>
+            <a:p>
+              <a:pPr algn="ctr"/>
+              <a:endParaRPr lang="en-US"/>
+            </a:p>
+          </p:txBody>
+        </p:sp>
+      </p:grpSp>
+      <p:sp>
+        <p:nvSpPr>
+          <p:cNvPr id="27" name="Rectangle 26">
+            <a:extLst>
+              <a:ext uri="{FF2B5EF4-FFF2-40B4-BE49-F238E27FC236}">
+                <a16:creationId xmlns:a16="http://schemas.microsoft.com/office/drawing/2014/main" id="{33B2A77A-F378-DA46-8DBA-4A9B94347BAA}"/>
+              </a:ext>
+            </a:extLst>
+          </p:cNvPr>
+          <p:cNvSpPr/>
+          <p:nvPr/>
+        </p:nvSpPr>
+        <p:spPr>
+          <a:xfrm>
+            <a:off x="7233148" y="6321382"/>
+            <a:ext cx="4733988" cy="246221"/>
+          </a:xfrm>
+          <a:prstGeom prst="rect">
+            <a:avLst/>
+          </a:prstGeom>
+        </p:spPr>
+        <p:txBody>
+          <a:bodyPr wrap="square">
+            <a:spAutoFit/>
+          </a:bodyPr>
+          <a:lstStyle/>
+          <a:p>
+            <a:r>
+              <a:rPr lang="en-US" sz="1000" dirty="0">
+                <a:solidFill>
+                  <a:prstClr val="black"/>
+                </a:solidFill>
+                <a:latin typeface="Arial" panose="020B0604020202020204" pitchFamily="34" charset="0"/>
+                <a:cs typeface="Arial" panose="020B0604020202020204" pitchFamily="34" charset="0"/>
+              </a:rPr>
+              <a:t>1960       1967       1974       1981       1988       1995        2002       2009       2016</a:t>
+            </a:r>
+          </a:p>
+        </p:txBody>
+      </p:sp>
+      <p:sp>
+        <p:nvSpPr>
+          <p:cNvPr id="28" name="Rectangle 27">
+            <a:extLst>
+              <a:ext uri="{FF2B5EF4-FFF2-40B4-BE49-F238E27FC236}">
+                <a16:creationId xmlns:a16="http://schemas.microsoft.com/office/drawing/2014/main" id="{BE424F56-8F25-D443-8D01-E359415CDBA6}"/>
+              </a:ext>
+            </a:extLst>
+          </p:cNvPr>
+          <p:cNvSpPr/>
+          <p:nvPr/>
+        </p:nvSpPr>
+        <p:spPr>
+          <a:xfrm>
+            <a:off x="7233148" y="2948281"/>
+            <a:ext cx="4733988" cy="246221"/>
+          </a:xfrm>
+          <a:prstGeom prst="rect">
+            <a:avLst/>
+          </a:prstGeom>
+        </p:spPr>
+        <p:txBody>
+          <a:bodyPr wrap="square">
+            <a:spAutoFit/>
+          </a:bodyPr>
+          <a:lstStyle/>
+          <a:p>
+            <a:r>
+              <a:rPr lang="en-US" sz="1000" dirty="0">
+                <a:solidFill>
+                  <a:prstClr val="black"/>
+                </a:solidFill>
+                <a:latin typeface="Arial" panose="020B0604020202020204" pitchFamily="34" charset="0"/>
+                <a:cs typeface="Arial" panose="020B0604020202020204" pitchFamily="34" charset="0"/>
+              </a:rPr>
+              <a:t>1960       1967       1974       1981       1988       1995        2002       2009       2016</a:t>
+            </a:r>
+          </a:p>
+        </p:txBody>
+      </p:sp>
+      <p:pic>
+        <p:nvPicPr>
+          <p:cNvPr id="30" name="Picture 29">
+            <a:extLst>
+              <a:ext uri="{FF2B5EF4-FFF2-40B4-BE49-F238E27FC236}">
+                <a16:creationId xmlns:a16="http://schemas.microsoft.com/office/drawing/2014/main" id="{779A965B-89FA-F044-A3AA-A3D5161AC0D7}"/>
+              </a:ext>
+            </a:extLst>
+          </p:cNvPr>
+          <p:cNvPicPr>
+            <a:picLocks noChangeAspect="1"/>
+          </p:cNvPicPr>
+          <p:nvPr/>
+        </p:nvPicPr>
+        <p:blipFill rotWithShape="1">
+          <a:blip r:embed="rId4"/>
+          <a:srcRect l="5140" t="3149" r="9315" b="2708"/>
+          <a:stretch/>
+        </p:blipFill>
+        <p:spPr>
+          <a:xfrm>
+            <a:off x="272956" y="382556"/>
+            <a:ext cx="6370560" cy="5842259"/>
+          </a:xfrm>
+          <a:prstGeom prst="rect">
+            <a:avLst/>
+          </a:prstGeom>
+        </p:spPr>
+      </p:pic>
+      <p:sp>
+        <p:nvSpPr>
+          <p:cNvPr id="31" name="Rectangle 30">
+            <a:extLst>
+              <a:ext uri="{FF2B5EF4-FFF2-40B4-BE49-F238E27FC236}">
+                <a16:creationId xmlns:a16="http://schemas.microsoft.com/office/drawing/2014/main" id="{028B0D8F-17D0-1941-A1E4-09FA37F5215E}"/>
+              </a:ext>
+            </a:extLst>
+          </p:cNvPr>
+          <p:cNvSpPr/>
+          <p:nvPr/>
+        </p:nvSpPr>
+        <p:spPr>
+          <a:xfrm>
+            <a:off x="84139" y="18223"/>
+            <a:ext cx="389850" cy="461665"/>
+          </a:xfrm>
+          <a:prstGeom prst="rect">
+            <a:avLst/>
+          </a:prstGeom>
+        </p:spPr>
+        <p:txBody>
+          <a:bodyPr wrap="none">
+            <a:spAutoFit/>
+          </a:bodyPr>
+          <a:lstStyle/>
+          <a:p>
+            <a:r>
+              <a:rPr lang="en-US" sz="2400" dirty="0">
+                <a:latin typeface="Arial" panose="020B0604020202020204" pitchFamily="34" charset="0"/>
+                <a:cs typeface="Arial" panose="020B0604020202020204" pitchFamily="34" charset="0"/>
+              </a:rPr>
+              <a:t>A</a:t>
+            </a:r>
+          </a:p>
+        </p:txBody>
+      </p:sp>
+      <p:sp>
+        <p:nvSpPr>
+          <p:cNvPr id="32" name="Rectangle 31">
+            <a:extLst>
+              <a:ext uri="{FF2B5EF4-FFF2-40B4-BE49-F238E27FC236}">
+                <a16:creationId xmlns:a16="http://schemas.microsoft.com/office/drawing/2014/main" id="{159AA14E-0BB6-7E4C-9B25-628057BD119B}"/>
+              </a:ext>
+            </a:extLst>
+          </p:cNvPr>
+          <p:cNvSpPr/>
+          <p:nvPr/>
+        </p:nvSpPr>
+        <p:spPr>
+          <a:xfrm>
+            <a:off x="6673795" y="4575"/>
+            <a:ext cx="389850" cy="461665"/>
+          </a:xfrm>
+          <a:prstGeom prst="rect">
+            <a:avLst/>
+          </a:prstGeom>
+        </p:spPr>
+        <p:txBody>
+          <a:bodyPr wrap="none">
+            <a:spAutoFit/>
+          </a:bodyPr>
+          <a:lstStyle/>
+          <a:p>
+            <a:r>
+              <a:rPr lang="en-US" sz="2400" dirty="0">
+                <a:latin typeface="Arial" panose="020B0604020202020204" pitchFamily="34" charset="0"/>
+                <a:cs typeface="Arial" panose="020B0604020202020204" pitchFamily="34" charset="0"/>
+              </a:rPr>
+              <a:t>B</a:t>
+            </a:r>
+          </a:p>
+        </p:txBody>
+      </p:sp>
+      <p:sp>
+        <p:nvSpPr>
+          <p:cNvPr id="33" name="Rectangle 32">
+            <a:extLst>
+              <a:ext uri="{FF2B5EF4-FFF2-40B4-BE49-F238E27FC236}">
+                <a16:creationId xmlns:a16="http://schemas.microsoft.com/office/drawing/2014/main" id="{A57107E1-7C56-8D46-BE77-17C1C260E2F7}"/>
+              </a:ext>
+            </a:extLst>
+          </p:cNvPr>
+          <p:cNvSpPr/>
+          <p:nvPr/>
+        </p:nvSpPr>
+        <p:spPr>
+          <a:xfrm rot="16200000">
+            <a:off x="-1264904" y="2572474"/>
+            <a:ext cx="2752677" cy="307777"/>
+          </a:xfrm>
+          <a:prstGeom prst="rect">
+            <a:avLst/>
+          </a:prstGeom>
+        </p:spPr>
+        <p:txBody>
+          <a:bodyPr wrap="none">
+            <a:spAutoFit/>
+          </a:bodyPr>
+          <a:lstStyle/>
+          <a:p>
+            <a:r>
+              <a:rPr lang="en-US" sz="1400" dirty="0">
+                <a:latin typeface="Arial" panose="020B0604020202020204" pitchFamily="34" charset="0"/>
+                <a:cs typeface="Arial" panose="020B0604020202020204" pitchFamily="34" charset="0"/>
+              </a:rPr>
+              <a:t>Amino acid substitutions per site</a:t>
+            </a:r>
+          </a:p>
+        </p:txBody>
+      </p:sp>
+      <p:sp>
+        <p:nvSpPr>
+          <p:cNvPr id="35" name="TextBox 34">
+            <a:extLst>
+              <a:ext uri="{FF2B5EF4-FFF2-40B4-BE49-F238E27FC236}">
+                <a16:creationId xmlns:a16="http://schemas.microsoft.com/office/drawing/2014/main" id="{196BE6B7-9407-A34E-999E-66723CA8A74A}"/>
+              </a:ext>
+            </a:extLst>
+          </p:cNvPr>
+          <p:cNvSpPr txBox="1"/>
+          <p:nvPr/>
+        </p:nvSpPr>
+        <p:spPr>
+          <a:xfrm>
+            <a:off x="5655020" y="556160"/>
+            <a:ext cx="1030603" cy="646331"/>
+          </a:xfrm>
+          <a:prstGeom prst="rect">
+            <a:avLst/>
+          </a:prstGeom>
+          <a:solidFill>
+            <a:schemeClr val="bg1"/>
+          </a:solidFill>
+          <a:ln w="15875" cap="rnd">
+            <a:solidFill>
+              <a:srgbClr val="D6D6D6"/>
+            </a:solidFill>
+          </a:ln>
+        </p:spPr>
+        <p:txBody>
+          <a:bodyPr wrap="none" rtlCol="0">
+            <a:spAutoFit/>
+          </a:bodyPr>
+          <a:lstStyle/>
+          <a:p>
+            <a:r>
+              <a:rPr lang="en-US" sz="1200" dirty="0">
+                <a:latin typeface="Arial" panose="020B0604020202020204" pitchFamily="34" charset="0"/>
+                <a:cs typeface="Arial" panose="020B0604020202020204" pitchFamily="34" charset="0"/>
+              </a:rPr>
+              <a:t>     </a:t>
+            </a:r>
+            <a:r>
+              <a:rPr lang="en-US" sz="1200" b="1" dirty="0">
+                <a:latin typeface="Arial" panose="020B0604020202020204" pitchFamily="34" charset="0"/>
+                <a:cs typeface="Arial" panose="020B0604020202020204" pitchFamily="34" charset="0"/>
+              </a:rPr>
+              <a:t>OC43</a:t>
+            </a:r>
+          </a:p>
+          <a:p>
+            <a:r>
+              <a:rPr lang="en-US" sz="1200" dirty="0">
+                <a:latin typeface="Arial" panose="020B0604020202020204" pitchFamily="34" charset="0"/>
+                <a:cs typeface="Arial" panose="020B0604020202020204" pitchFamily="34" charset="0"/>
+              </a:rPr>
+              <a:t>     lineage A</a:t>
+            </a:r>
+          </a:p>
+          <a:p>
+            <a:r>
+              <a:rPr lang="en-US" sz="1200" dirty="0">
+                <a:latin typeface="Arial" panose="020B0604020202020204" pitchFamily="34" charset="0"/>
+                <a:cs typeface="Arial" panose="020B0604020202020204" pitchFamily="34" charset="0"/>
+              </a:rPr>
+              <a:t>     lineage B</a:t>
+            </a:r>
+          </a:p>
+        </p:txBody>
+      </p:sp>
+      <p:sp>
+        <p:nvSpPr>
+          <p:cNvPr id="36" name="Oval 35">
+            <a:extLst>
+              <a:ext uri="{FF2B5EF4-FFF2-40B4-BE49-F238E27FC236}">
+                <a16:creationId xmlns:a16="http://schemas.microsoft.com/office/drawing/2014/main" id="{623E61AA-99FC-3040-A9F4-0FF33374D30A}"/>
+              </a:ext>
+            </a:extLst>
+          </p:cNvPr>
+          <p:cNvSpPr/>
+          <p:nvPr/>
+        </p:nvSpPr>
+        <p:spPr>
+          <a:xfrm>
+            <a:off x="5733615" y="794597"/>
+            <a:ext cx="146304" cy="146304"/>
+          </a:xfrm>
+          <a:prstGeom prst="ellipse">
+            <a:avLst/>
+          </a:prstGeom>
+          <a:solidFill>
+            <a:srgbClr val="CB4335"/>
+          </a:solidFill>
+          <a:ln>
+            <a:noFill/>
+          </a:ln>
+        </p:spPr>
+        <p:style>
+          <a:lnRef idx="2">
+            <a:schemeClr val="accent1">
+              <a:shade val="50000"/>
+            </a:schemeClr>
+          </a:lnRef>
+          <a:fillRef idx="1">
+            <a:schemeClr val="accent1"/>
+          </a:fillRef>
+          <a:effectRef idx="0">
+            <a:schemeClr val="accent1"/>
+          </a:effectRef>
+          <a:fontRef idx="minor">
+            <a:schemeClr val="lt1"/>
+          </a:fontRef>
+        </p:style>
+        <p:txBody>
+          <a:bodyPr rot="0" spcFirstLastPara="0" vertOverflow="overflow" horzOverflow="overflow" vert="horz" wrap="square" lIns="91440" tIns="45720" rIns="91440" bIns="45720" numCol="1" spcCol="0" rtlCol="0" fromWordArt="0" anchor="ctr" anchorCtr="0" forceAA="0" compatLnSpc="1">
+            <a:prstTxWarp prst="textNoShape">
               <a:avLst/>
-            </a:prstGeom>
-            <a:ln w="38100">
-              <a:solidFill>
-                <a:schemeClr val="tx1"/>
-              </a:solidFill>
-              <a:prstDash val="sysDash"/>
-            </a:ln>
-          </p:spPr>
-          <p:style>
-            <a:lnRef idx="1">
-              <a:schemeClr val="accent1"/>
-            </a:lnRef>
-            <a:fillRef idx="0">
-              <a:schemeClr val="accent1"/>
-            </a:fillRef>
-            <a:effectRef idx="0">
-              <a:schemeClr val="accent1"/>
-            </a:effectRef>
-            <a:fontRef idx="minor">
-              <a:schemeClr val="tx1"/>
-            </a:fontRef>
-          </p:style>
-        </p:cxnSp>
-      </p:grpSp>
+            </a:prstTxWarp>
+            <a:noAutofit/>
+          </a:bodyPr>
+          <a:lstStyle/>
+          <a:p>
+            <a:pPr algn="ctr"/>
+            <a:endParaRPr lang="en-US"/>
+          </a:p>
+        </p:txBody>
+      </p:sp>
+      <p:sp>
+        <p:nvSpPr>
+          <p:cNvPr id="37" name="Oval 36">
+            <a:extLst>
+              <a:ext uri="{FF2B5EF4-FFF2-40B4-BE49-F238E27FC236}">
+                <a16:creationId xmlns:a16="http://schemas.microsoft.com/office/drawing/2014/main" id="{7A831FDD-5EF6-0A4A-A59D-4BB38979463B}"/>
+              </a:ext>
+            </a:extLst>
+          </p:cNvPr>
+          <p:cNvSpPr/>
+          <p:nvPr/>
+        </p:nvSpPr>
+        <p:spPr>
+          <a:xfrm>
+            <a:off x="5733615" y="985978"/>
+            <a:ext cx="146304" cy="146304"/>
+          </a:xfrm>
+          <a:prstGeom prst="ellipse">
+            <a:avLst/>
+          </a:prstGeom>
+          <a:solidFill>
+            <a:srgbClr val="FF9A00"/>
+          </a:solidFill>
+          <a:ln>
+            <a:noFill/>
+          </a:ln>
+        </p:spPr>
+        <p:style>
+          <a:lnRef idx="2">
+            <a:schemeClr val="accent1">
+              <a:shade val="50000"/>
+            </a:schemeClr>
+          </a:lnRef>
+          <a:fillRef idx="1">
+            <a:schemeClr val="accent1"/>
+          </a:fillRef>
+          <a:effectRef idx="0">
+            <a:schemeClr val="accent1"/>
+          </a:effectRef>
+          <a:fontRef idx="minor">
+            <a:schemeClr val="lt1"/>
+          </a:fontRef>
+        </p:style>
+        <p:txBody>
+          <a:bodyPr rot="0" spcFirstLastPara="0" vertOverflow="overflow" horzOverflow="overflow" vert="horz" wrap="square" lIns="91440" tIns="45720" rIns="91440" bIns="45720" numCol="1" spcCol="0" rtlCol="0" fromWordArt="0" anchor="ctr" anchorCtr="0" forceAA="0" compatLnSpc="1">
+            <a:prstTxWarp prst="textNoShape">
+              <a:avLst/>
+            </a:prstTxWarp>
+            <a:noAutofit/>
+          </a:bodyPr>
+          <a:lstStyle/>
+          <a:p>
+            <a:pPr algn="ctr"/>
+            <a:endParaRPr lang="en-US"/>
+          </a:p>
+        </p:txBody>
+      </p:sp>
+      <p:sp>
+        <p:nvSpPr>
+          <p:cNvPr id="38" name="TextBox 37">
+            <a:extLst>
+              <a:ext uri="{FF2B5EF4-FFF2-40B4-BE49-F238E27FC236}">
+                <a16:creationId xmlns:a16="http://schemas.microsoft.com/office/drawing/2014/main" id="{D1A7CD29-A61D-2E44-BAF7-5522F659EEC9}"/>
+              </a:ext>
+            </a:extLst>
+          </p:cNvPr>
+          <p:cNvSpPr txBox="1"/>
+          <p:nvPr/>
+        </p:nvSpPr>
+        <p:spPr>
+          <a:xfrm>
+            <a:off x="5927082" y="3561169"/>
+            <a:ext cx="758541" cy="276999"/>
+          </a:xfrm>
+          <a:prstGeom prst="rect">
+            <a:avLst/>
+          </a:prstGeom>
+          <a:solidFill>
+            <a:schemeClr val="bg1"/>
+          </a:solidFill>
+          <a:ln w="15875" cap="rnd">
+            <a:solidFill>
+              <a:srgbClr val="D6D6D6"/>
+            </a:solidFill>
+          </a:ln>
+        </p:spPr>
+        <p:txBody>
+          <a:bodyPr wrap="none" rtlCol="0">
+            <a:spAutoFit/>
+          </a:bodyPr>
+          <a:lstStyle/>
+          <a:p>
+            <a:r>
+              <a:rPr lang="en-US" sz="1200" dirty="0">
+                <a:latin typeface="Arial" panose="020B0604020202020204" pitchFamily="34" charset="0"/>
+                <a:cs typeface="Arial" panose="020B0604020202020204" pitchFamily="34" charset="0"/>
+              </a:rPr>
+              <a:t>     </a:t>
+            </a:r>
+            <a:r>
+              <a:rPr lang="en-US" sz="1200" b="1" dirty="0">
+                <a:latin typeface="Arial" panose="020B0604020202020204" pitchFamily="34" charset="0"/>
+                <a:cs typeface="Arial" panose="020B0604020202020204" pitchFamily="34" charset="0"/>
+              </a:rPr>
+              <a:t>229E</a:t>
+            </a:r>
+          </a:p>
+        </p:txBody>
+      </p:sp>
+      <p:sp>
+        <p:nvSpPr>
+          <p:cNvPr id="39" name="Oval 38">
+            <a:extLst>
+              <a:ext uri="{FF2B5EF4-FFF2-40B4-BE49-F238E27FC236}">
+                <a16:creationId xmlns:a16="http://schemas.microsoft.com/office/drawing/2014/main" id="{000563B3-641B-654B-8DB2-1EFF3DAC15DE}"/>
+              </a:ext>
+            </a:extLst>
+          </p:cNvPr>
+          <p:cNvSpPr/>
+          <p:nvPr/>
+        </p:nvSpPr>
+        <p:spPr>
+          <a:xfrm>
+            <a:off x="6005677" y="3627330"/>
+            <a:ext cx="146304" cy="146304"/>
+          </a:xfrm>
+          <a:prstGeom prst="ellipse">
+            <a:avLst/>
+          </a:prstGeom>
+          <a:solidFill>
+            <a:srgbClr val="2E86C1"/>
+          </a:solidFill>
+          <a:ln>
+            <a:noFill/>
+          </a:ln>
+        </p:spPr>
+        <p:style>
+          <a:lnRef idx="2">
+            <a:schemeClr val="accent1">
+              <a:shade val="50000"/>
+            </a:schemeClr>
+          </a:lnRef>
+          <a:fillRef idx="1">
+            <a:schemeClr val="accent1"/>
+          </a:fillRef>
+          <a:effectRef idx="0">
+            <a:schemeClr val="accent1"/>
+          </a:effectRef>
+          <a:fontRef idx="minor">
+            <a:schemeClr val="lt1"/>
+          </a:fontRef>
+        </p:style>
+        <p:txBody>
+          <a:bodyPr rot="0" spcFirstLastPara="0" vertOverflow="overflow" horzOverflow="overflow" vert="horz" wrap="square" lIns="91440" tIns="45720" rIns="91440" bIns="45720" numCol="1" spcCol="0" rtlCol="0" fromWordArt="0" anchor="ctr" anchorCtr="0" forceAA="0" compatLnSpc="1">
+            <a:prstTxWarp prst="textNoShape">
+              <a:avLst/>
+            </a:prstTxWarp>
+            <a:noAutofit/>
+          </a:bodyPr>
+          <a:lstStyle/>
+          <a:p>
+            <a:pPr algn="ctr"/>
+            <a:endParaRPr lang="en-US"/>
+          </a:p>
+        </p:txBody>
+      </p:sp>
+      <p:sp>
+        <p:nvSpPr>
+          <p:cNvPr id="40" name="Rectangle 39">
+            <a:extLst>
+              <a:ext uri="{FF2B5EF4-FFF2-40B4-BE49-F238E27FC236}">
+                <a16:creationId xmlns:a16="http://schemas.microsoft.com/office/drawing/2014/main" id="{D8DB164B-CCCA-C648-90DF-B0BA857DD89B}"/>
+              </a:ext>
+            </a:extLst>
+          </p:cNvPr>
+          <p:cNvSpPr/>
+          <p:nvPr/>
+        </p:nvSpPr>
+        <p:spPr>
+          <a:xfrm>
+            <a:off x="2350401" y="6172186"/>
+            <a:ext cx="2215671" cy="307777"/>
+          </a:xfrm>
+          <a:prstGeom prst="rect">
+            <a:avLst/>
+          </a:prstGeom>
+        </p:spPr>
+        <p:txBody>
+          <a:bodyPr wrap="none">
+            <a:spAutoFit/>
+          </a:bodyPr>
+          <a:lstStyle/>
+          <a:p>
+            <a:r>
+              <a:rPr lang="en-US" sz="1400" dirty="0">
+                <a:latin typeface="Arial" panose="020B0604020202020204" pitchFamily="34" charset="0"/>
+                <a:cs typeface="Arial" panose="020B0604020202020204" pitchFamily="34" charset="0"/>
+              </a:rPr>
+              <a:t>Spike amino acid position</a:t>
+            </a:r>
+          </a:p>
+        </p:txBody>
+      </p:sp>
     </p:spTree>
     <p:extLst>
       <p:ext uri="{BB962C8B-B14F-4D97-AF65-F5344CB8AC3E}">
-        <p14:creationId xmlns:p14="http://schemas.microsoft.com/office/powerpoint/2010/main" val="1438135653"/>
+        <p14:creationId xmlns:p14="http://schemas.microsoft.com/office/powerpoint/2010/main" val="3223370521"/>
       </p:ext>
     </p:extLst>
   </p:cSld>

--- a/figures/figure_components/figure2.pptx
+++ b/figures/figure_components/figure2.pptx
@@ -104,6 +104,11 @@
       </a:defRPr>
     </a:lvl9pPr>
   </p:defaultTextStyle>
+  <p:extLst>
+    <p:ext uri="{EFAFB233-063F-42B5-8137-9DF3F51BA10A}">
+      <p15:sldGuideLst xmlns:p15="http://schemas.microsoft.com/office/powerpoint/2012/main"/>
+    </p:ext>
+  </p:extLst>
 </p:presentation>
 </file>
 
@@ -238,7 +243,7 @@
           <a:p>
             <a:fld id="{58749126-4A29-7841-A2CD-BCBFE668F1B2}" type="datetimeFigureOut">
               <a:rPr lang="en-US" smtClean="0"/>
-              <a:t>9/30/20</a:t>
+              <a:t>10/13/20</a:t>
             </a:fld>
             <a:endParaRPr lang="en-US"/>
           </a:p>
@@ -408,7 +413,7 @@
           <a:p>
             <a:fld id="{58749126-4A29-7841-A2CD-BCBFE668F1B2}" type="datetimeFigureOut">
               <a:rPr lang="en-US" smtClean="0"/>
-              <a:t>9/30/20</a:t>
+              <a:t>10/13/20</a:t>
             </a:fld>
             <a:endParaRPr lang="en-US"/>
           </a:p>
@@ -588,7 +593,7 @@
           <a:p>
             <a:fld id="{58749126-4A29-7841-A2CD-BCBFE668F1B2}" type="datetimeFigureOut">
               <a:rPr lang="en-US" smtClean="0"/>
-              <a:t>9/30/20</a:t>
+              <a:t>10/13/20</a:t>
             </a:fld>
             <a:endParaRPr lang="en-US"/>
           </a:p>
@@ -758,7 +763,7 @@
           <a:p>
             <a:fld id="{58749126-4A29-7841-A2CD-BCBFE668F1B2}" type="datetimeFigureOut">
               <a:rPr lang="en-US" smtClean="0"/>
-              <a:t>9/30/20</a:t>
+              <a:t>10/13/20</a:t>
             </a:fld>
             <a:endParaRPr lang="en-US"/>
           </a:p>
@@ -1004,7 +1009,7 @@
           <a:p>
             <a:fld id="{58749126-4A29-7841-A2CD-BCBFE668F1B2}" type="datetimeFigureOut">
               <a:rPr lang="en-US" smtClean="0"/>
-              <a:t>9/30/20</a:t>
+              <a:t>10/13/20</a:t>
             </a:fld>
             <a:endParaRPr lang="en-US"/>
           </a:p>
@@ -1236,7 +1241,7 @@
           <a:p>
             <a:fld id="{58749126-4A29-7841-A2CD-BCBFE668F1B2}" type="datetimeFigureOut">
               <a:rPr lang="en-US" smtClean="0"/>
-              <a:t>9/30/20</a:t>
+              <a:t>10/13/20</a:t>
             </a:fld>
             <a:endParaRPr lang="en-US"/>
           </a:p>
@@ -1603,7 +1608,7 @@
           <a:p>
             <a:fld id="{58749126-4A29-7841-A2CD-BCBFE668F1B2}" type="datetimeFigureOut">
               <a:rPr lang="en-US" smtClean="0"/>
-              <a:t>9/30/20</a:t>
+              <a:t>10/13/20</a:t>
             </a:fld>
             <a:endParaRPr lang="en-US"/>
           </a:p>
@@ -1721,7 +1726,7 @@
           <a:p>
             <a:fld id="{58749126-4A29-7841-A2CD-BCBFE668F1B2}" type="datetimeFigureOut">
               <a:rPr lang="en-US" smtClean="0"/>
-              <a:t>9/30/20</a:t>
+              <a:t>10/13/20</a:t>
             </a:fld>
             <a:endParaRPr lang="en-US"/>
           </a:p>
@@ -1816,7 +1821,7 @@
           <a:p>
             <a:fld id="{58749126-4A29-7841-A2CD-BCBFE668F1B2}" type="datetimeFigureOut">
               <a:rPr lang="en-US" smtClean="0"/>
-              <a:t>9/30/20</a:t>
+              <a:t>10/13/20</a:t>
             </a:fld>
             <a:endParaRPr lang="en-US"/>
           </a:p>
@@ -2093,7 +2098,7 @@
           <a:p>
             <a:fld id="{58749126-4A29-7841-A2CD-BCBFE668F1B2}" type="datetimeFigureOut">
               <a:rPr lang="en-US" smtClean="0"/>
-              <a:t>9/30/20</a:t>
+              <a:t>10/13/20</a:t>
             </a:fld>
             <a:endParaRPr lang="en-US"/>
           </a:p>
@@ -2350,7 +2355,7 @@
           <a:p>
             <a:fld id="{58749126-4A29-7841-A2CD-BCBFE668F1B2}" type="datetimeFigureOut">
               <a:rPr lang="en-US" smtClean="0"/>
-              <a:t>9/30/20</a:t>
+              <a:t>10/13/20</a:t>
             </a:fld>
             <a:endParaRPr lang="en-US"/>
           </a:p>
@@ -2563,7 +2568,7 @@
           <a:p>
             <a:fld id="{58749126-4A29-7841-A2CD-BCBFE668F1B2}" type="datetimeFigureOut">
               <a:rPr lang="en-US" smtClean="0"/>
-              <a:t>9/30/20</a:t>
+              <a:t>10/13/20</a:t>
             </a:fld>
             <a:endParaRPr lang="en-US"/>
           </a:p>
@@ -2970,10 +2975,10 @@
       </p:grpSpPr>
       <p:pic>
         <p:nvPicPr>
-          <p:cNvPr id="6" name="Picture 5">
+          <p:cNvPr id="5" name="Picture 4">
             <a:extLst>
               <a:ext uri="{FF2B5EF4-FFF2-40B4-BE49-F238E27FC236}">
-                <a16:creationId xmlns:a16="http://schemas.microsoft.com/office/drawing/2014/main" id="{D7EF5387-F249-454F-878E-F91582F9D1AF}"/>
+                <a16:creationId xmlns:a16="http://schemas.microsoft.com/office/drawing/2014/main" id="{39C2D490-7210-5445-A0F7-5EF1E281C921}"/>
               </a:ext>
             </a:extLst>
           </p:cNvPr>
@@ -2984,25 +2989,105 @@
         </p:nvPicPr>
         <p:blipFill rotWithShape="1">
           <a:blip r:embed="rId2"/>
-          <a:srcRect t="929" b="4152"/>
+          <a:srcRect t="3761" b="3752"/>
           <a:stretch/>
         </p:blipFill>
         <p:spPr>
           <a:xfrm>
-            <a:off x="6993861" y="234168"/>
-            <a:ext cx="5050994" cy="2757539"/>
+            <a:off x="7067267" y="3401769"/>
+            <a:ext cx="5020278" cy="3120241"/>
           </a:xfrm>
           <a:prstGeom prst="rect">
             <a:avLst/>
           </a:prstGeom>
         </p:spPr>
       </p:pic>
+      <p:sp>
+        <p:nvSpPr>
+          <p:cNvPr id="10" name="Rectangle 9">
+            <a:extLst>
+              <a:ext uri="{FF2B5EF4-FFF2-40B4-BE49-F238E27FC236}">
+                <a16:creationId xmlns:a16="http://schemas.microsoft.com/office/drawing/2014/main" id="{1D7F6A59-3F7B-D047-83CF-9942B1B545C2}"/>
+              </a:ext>
+            </a:extLst>
+          </p:cNvPr>
+          <p:cNvSpPr/>
+          <p:nvPr/>
+        </p:nvSpPr>
+        <p:spPr>
+          <a:xfrm>
+            <a:off x="7306384" y="5191082"/>
+            <a:ext cx="981102" cy="307777"/>
+          </a:xfrm>
+          <a:prstGeom prst="rect">
+            <a:avLst/>
+          </a:prstGeom>
+        </p:spPr>
+        <p:txBody>
+          <a:bodyPr wrap="square">
+            <a:spAutoFit/>
+          </a:bodyPr>
+          <a:lstStyle/>
+          <a:p>
+            <a:r>
+              <a:rPr lang="en-US" sz="1400" dirty="0">
+                <a:solidFill>
+                  <a:srgbClr val="CB4335"/>
+                </a:solidFill>
+                <a:latin typeface="Arial" panose="020B0604020202020204" pitchFamily="34" charset="0"/>
+                <a:cs typeface="Arial" panose="020B0604020202020204" pitchFamily="34" charset="0"/>
+              </a:rPr>
+              <a:t>Lineage A</a:t>
+            </a:r>
+          </a:p>
+        </p:txBody>
+      </p:sp>
+      <p:sp>
+        <p:nvSpPr>
+          <p:cNvPr id="11" name="Rectangle 10">
+            <a:extLst>
+              <a:ext uri="{FF2B5EF4-FFF2-40B4-BE49-F238E27FC236}">
+                <a16:creationId xmlns:a16="http://schemas.microsoft.com/office/drawing/2014/main" id="{830E70EE-368D-F443-9176-E4CCC4F26915}"/>
+              </a:ext>
+            </a:extLst>
+          </p:cNvPr>
+          <p:cNvSpPr/>
+          <p:nvPr/>
+        </p:nvSpPr>
+        <p:spPr>
+          <a:xfrm>
+            <a:off x="7365503" y="5983701"/>
+            <a:ext cx="990977" cy="307777"/>
+          </a:xfrm>
+          <a:prstGeom prst="rect">
+            <a:avLst/>
+          </a:prstGeom>
+        </p:spPr>
+        <p:txBody>
+          <a:bodyPr wrap="square">
+            <a:spAutoFit/>
+          </a:bodyPr>
+          <a:lstStyle/>
+          <a:p>
+            <a:r>
+              <a:rPr lang="en-US" sz="1400" dirty="0">
+                <a:solidFill>
+                  <a:srgbClr val="FF9A00"/>
+                </a:solidFill>
+                <a:latin typeface="Arial" panose="020B0604020202020204" pitchFamily="34" charset="0"/>
+                <a:cs typeface="Arial" panose="020B0604020202020204" pitchFamily="34" charset="0"/>
+              </a:rPr>
+              <a:t>Lineage B</a:t>
+            </a:r>
+          </a:p>
+        </p:txBody>
+      </p:sp>
       <p:pic>
         <p:nvPicPr>
-          <p:cNvPr id="7" name="Picture 6">
+          <p:cNvPr id="30" name="Picture 29">
             <a:extLst>
               <a:ext uri="{FF2B5EF4-FFF2-40B4-BE49-F238E27FC236}">
-                <a16:creationId xmlns:a16="http://schemas.microsoft.com/office/drawing/2014/main" id="{E4485EF7-98B7-2649-BFDD-D3ACBB17BBA7}"/>
+                <a16:creationId xmlns:a16="http://schemas.microsoft.com/office/drawing/2014/main" id="{779A965B-89FA-F044-A3AA-A3D5161AC0D7}"/>
               </a:ext>
             </a:extLst>
           </p:cNvPr>
@@ -3013,13 +3098,1033 @@
         </p:nvPicPr>
         <p:blipFill rotWithShape="1">
           <a:blip r:embed="rId3"/>
-          <a:srcRect t="1236" b="3421"/>
+          <a:srcRect l="5140" t="3149" r="9315" b="2708"/>
           <a:stretch/>
         </p:blipFill>
         <p:spPr>
           <a:xfrm>
-            <a:off x="6993861" y="3575260"/>
-            <a:ext cx="5101838" cy="2769888"/>
+            <a:off x="272956" y="382556"/>
+            <a:ext cx="6370560" cy="5842259"/>
+          </a:xfrm>
+          <a:prstGeom prst="rect">
+            <a:avLst/>
+          </a:prstGeom>
+        </p:spPr>
+      </p:pic>
+      <p:sp>
+        <p:nvSpPr>
+          <p:cNvPr id="31" name="Rectangle 30">
+            <a:extLst>
+              <a:ext uri="{FF2B5EF4-FFF2-40B4-BE49-F238E27FC236}">
+                <a16:creationId xmlns:a16="http://schemas.microsoft.com/office/drawing/2014/main" id="{028B0D8F-17D0-1941-A1E4-09FA37F5215E}"/>
+              </a:ext>
+            </a:extLst>
+          </p:cNvPr>
+          <p:cNvSpPr/>
+          <p:nvPr/>
+        </p:nvSpPr>
+        <p:spPr>
+          <a:xfrm>
+            <a:off x="84139" y="18223"/>
+            <a:ext cx="389850" cy="461665"/>
+          </a:xfrm>
+          <a:prstGeom prst="rect">
+            <a:avLst/>
+          </a:prstGeom>
+        </p:spPr>
+        <p:txBody>
+          <a:bodyPr wrap="none">
+            <a:spAutoFit/>
+          </a:bodyPr>
+          <a:lstStyle/>
+          <a:p>
+            <a:r>
+              <a:rPr lang="en-US" sz="2400" dirty="0">
+                <a:latin typeface="Arial" panose="020B0604020202020204" pitchFamily="34" charset="0"/>
+                <a:cs typeface="Arial" panose="020B0604020202020204" pitchFamily="34" charset="0"/>
+              </a:rPr>
+              <a:t>A</a:t>
+            </a:r>
+          </a:p>
+        </p:txBody>
+      </p:sp>
+      <p:sp>
+        <p:nvSpPr>
+          <p:cNvPr id="33" name="Rectangle 32">
+            <a:extLst>
+              <a:ext uri="{FF2B5EF4-FFF2-40B4-BE49-F238E27FC236}">
+                <a16:creationId xmlns:a16="http://schemas.microsoft.com/office/drawing/2014/main" id="{A57107E1-7C56-8D46-BE77-17C1C260E2F7}"/>
+              </a:ext>
+            </a:extLst>
+          </p:cNvPr>
+          <p:cNvSpPr/>
+          <p:nvPr/>
+        </p:nvSpPr>
+        <p:spPr>
+          <a:xfrm rot="16200000">
+            <a:off x="-1264904" y="2572474"/>
+            <a:ext cx="2752677" cy="307777"/>
+          </a:xfrm>
+          <a:prstGeom prst="rect">
+            <a:avLst/>
+          </a:prstGeom>
+        </p:spPr>
+        <p:txBody>
+          <a:bodyPr wrap="none">
+            <a:spAutoFit/>
+          </a:bodyPr>
+          <a:lstStyle/>
+          <a:p>
+            <a:r>
+              <a:rPr lang="en-US" sz="1400" dirty="0">
+                <a:latin typeface="Arial" panose="020B0604020202020204" pitchFamily="34" charset="0"/>
+                <a:cs typeface="Arial" panose="020B0604020202020204" pitchFamily="34" charset="0"/>
+              </a:rPr>
+              <a:t>Amino acid substitutions per site</a:t>
+            </a:r>
+          </a:p>
+        </p:txBody>
+      </p:sp>
+      <p:sp>
+        <p:nvSpPr>
+          <p:cNvPr id="35" name="TextBox 34">
+            <a:extLst>
+              <a:ext uri="{FF2B5EF4-FFF2-40B4-BE49-F238E27FC236}">
+                <a16:creationId xmlns:a16="http://schemas.microsoft.com/office/drawing/2014/main" id="{196BE6B7-9407-A34E-999E-66723CA8A74A}"/>
+              </a:ext>
+            </a:extLst>
+          </p:cNvPr>
+          <p:cNvSpPr txBox="1"/>
+          <p:nvPr/>
+        </p:nvSpPr>
+        <p:spPr>
+          <a:xfrm>
+            <a:off x="5655020" y="556160"/>
+            <a:ext cx="1030603" cy="646331"/>
+          </a:xfrm>
+          <a:prstGeom prst="rect">
+            <a:avLst/>
+          </a:prstGeom>
+          <a:solidFill>
+            <a:schemeClr val="bg1"/>
+          </a:solidFill>
+          <a:ln w="15875" cap="rnd">
+            <a:solidFill>
+              <a:srgbClr val="D6D6D6"/>
+            </a:solidFill>
+          </a:ln>
+        </p:spPr>
+        <p:txBody>
+          <a:bodyPr wrap="none" rtlCol="0">
+            <a:spAutoFit/>
+          </a:bodyPr>
+          <a:lstStyle/>
+          <a:p>
+            <a:r>
+              <a:rPr lang="en-US" sz="1200" dirty="0">
+                <a:latin typeface="Arial" panose="020B0604020202020204" pitchFamily="34" charset="0"/>
+                <a:cs typeface="Arial" panose="020B0604020202020204" pitchFamily="34" charset="0"/>
+              </a:rPr>
+              <a:t>     </a:t>
+            </a:r>
+            <a:r>
+              <a:rPr lang="en-US" sz="1200" b="1" dirty="0">
+                <a:latin typeface="Arial" panose="020B0604020202020204" pitchFamily="34" charset="0"/>
+                <a:cs typeface="Arial" panose="020B0604020202020204" pitchFamily="34" charset="0"/>
+              </a:rPr>
+              <a:t>OC43</a:t>
+            </a:r>
+          </a:p>
+          <a:p>
+            <a:r>
+              <a:rPr lang="en-US" sz="1200" dirty="0">
+                <a:latin typeface="Arial" panose="020B0604020202020204" pitchFamily="34" charset="0"/>
+                <a:cs typeface="Arial" panose="020B0604020202020204" pitchFamily="34" charset="0"/>
+              </a:rPr>
+              <a:t>     lineage A</a:t>
+            </a:r>
+          </a:p>
+          <a:p>
+            <a:r>
+              <a:rPr lang="en-US" sz="1200" dirty="0">
+                <a:latin typeface="Arial" panose="020B0604020202020204" pitchFamily="34" charset="0"/>
+                <a:cs typeface="Arial" panose="020B0604020202020204" pitchFamily="34" charset="0"/>
+              </a:rPr>
+              <a:t>     lineage B</a:t>
+            </a:r>
+          </a:p>
+        </p:txBody>
+      </p:sp>
+      <p:sp>
+        <p:nvSpPr>
+          <p:cNvPr id="36" name="Oval 35">
+            <a:extLst>
+              <a:ext uri="{FF2B5EF4-FFF2-40B4-BE49-F238E27FC236}">
+                <a16:creationId xmlns:a16="http://schemas.microsoft.com/office/drawing/2014/main" id="{623E61AA-99FC-3040-A9F4-0FF33374D30A}"/>
+              </a:ext>
+            </a:extLst>
+          </p:cNvPr>
+          <p:cNvSpPr/>
+          <p:nvPr/>
+        </p:nvSpPr>
+        <p:spPr>
+          <a:xfrm>
+            <a:off x="5733615" y="794597"/>
+            <a:ext cx="146304" cy="146304"/>
+          </a:xfrm>
+          <a:prstGeom prst="ellipse">
+            <a:avLst/>
+          </a:prstGeom>
+          <a:solidFill>
+            <a:srgbClr val="CB4335"/>
+          </a:solidFill>
+          <a:ln>
+            <a:noFill/>
+          </a:ln>
+        </p:spPr>
+        <p:style>
+          <a:lnRef idx="2">
+            <a:schemeClr val="accent1">
+              <a:shade val="50000"/>
+            </a:schemeClr>
+          </a:lnRef>
+          <a:fillRef idx="1">
+            <a:schemeClr val="accent1"/>
+          </a:fillRef>
+          <a:effectRef idx="0">
+            <a:schemeClr val="accent1"/>
+          </a:effectRef>
+          <a:fontRef idx="minor">
+            <a:schemeClr val="lt1"/>
+          </a:fontRef>
+        </p:style>
+        <p:txBody>
+          <a:bodyPr rot="0" spcFirstLastPara="0" vertOverflow="overflow" horzOverflow="overflow" vert="horz" wrap="square" lIns="91440" tIns="45720" rIns="91440" bIns="45720" numCol="1" spcCol="0" rtlCol="0" fromWordArt="0" anchor="ctr" anchorCtr="0" forceAA="0" compatLnSpc="1">
+            <a:prstTxWarp prst="textNoShape">
+              <a:avLst/>
+            </a:prstTxWarp>
+            <a:noAutofit/>
+          </a:bodyPr>
+          <a:lstStyle/>
+          <a:p>
+            <a:pPr algn="ctr"/>
+            <a:endParaRPr lang="en-US"/>
+          </a:p>
+        </p:txBody>
+      </p:sp>
+      <p:sp>
+        <p:nvSpPr>
+          <p:cNvPr id="37" name="Oval 36">
+            <a:extLst>
+              <a:ext uri="{FF2B5EF4-FFF2-40B4-BE49-F238E27FC236}">
+                <a16:creationId xmlns:a16="http://schemas.microsoft.com/office/drawing/2014/main" id="{7A831FDD-5EF6-0A4A-A59D-4BB38979463B}"/>
+              </a:ext>
+            </a:extLst>
+          </p:cNvPr>
+          <p:cNvSpPr/>
+          <p:nvPr/>
+        </p:nvSpPr>
+        <p:spPr>
+          <a:xfrm>
+            <a:off x="5733615" y="985978"/>
+            <a:ext cx="146304" cy="146304"/>
+          </a:xfrm>
+          <a:prstGeom prst="ellipse">
+            <a:avLst/>
+          </a:prstGeom>
+          <a:solidFill>
+            <a:srgbClr val="FF9A00"/>
+          </a:solidFill>
+          <a:ln>
+            <a:noFill/>
+          </a:ln>
+        </p:spPr>
+        <p:style>
+          <a:lnRef idx="2">
+            <a:schemeClr val="accent1">
+              <a:shade val="50000"/>
+            </a:schemeClr>
+          </a:lnRef>
+          <a:fillRef idx="1">
+            <a:schemeClr val="accent1"/>
+          </a:fillRef>
+          <a:effectRef idx="0">
+            <a:schemeClr val="accent1"/>
+          </a:effectRef>
+          <a:fontRef idx="minor">
+            <a:schemeClr val="lt1"/>
+          </a:fontRef>
+        </p:style>
+        <p:txBody>
+          <a:bodyPr rot="0" spcFirstLastPara="0" vertOverflow="overflow" horzOverflow="overflow" vert="horz" wrap="square" lIns="91440" tIns="45720" rIns="91440" bIns="45720" numCol="1" spcCol="0" rtlCol="0" fromWordArt="0" anchor="ctr" anchorCtr="0" forceAA="0" compatLnSpc="1">
+            <a:prstTxWarp prst="textNoShape">
+              <a:avLst/>
+            </a:prstTxWarp>
+            <a:noAutofit/>
+          </a:bodyPr>
+          <a:lstStyle/>
+          <a:p>
+            <a:pPr algn="ctr"/>
+            <a:endParaRPr lang="en-US"/>
+          </a:p>
+        </p:txBody>
+      </p:sp>
+      <p:sp>
+        <p:nvSpPr>
+          <p:cNvPr id="38" name="TextBox 37">
+            <a:extLst>
+              <a:ext uri="{FF2B5EF4-FFF2-40B4-BE49-F238E27FC236}">
+                <a16:creationId xmlns:a16="http://schemas.microsoft.com/office/drawing/2014/main" id="{D1A7CD29-A61D-2E44-BAF7-5522F659EEC9}"/>
+              </a:ext>
+            </a:extLst>
+          </p:cNvPr>
+          <p:cNvSpPr txBox="1"/>
+          <p:nvPr/>
+        </p:nvSpPr>
+        <p:spPr>
+          <a:xfrm>
+            <a:off x="5927082" y="3561169"/>
+            <a:ext cx="758541" cy="276999"/>
+          </a:xfrm>
+          <a:prstGeom prst="rect">
+            <a:avLst/>
+          </a:prstGeom>
+          <a:solidFill>
+            <a:schemeClr val="bg1"/>
+          </a:solidFill>
+          <a:ln w="15875" cap="rnd">
+            <a:solidFill>
+              <a:srgbClr val="D6D6D6"/>
+            </a:solidFill>
+          </a:ln>
+        </p:spPr>
+        <p:txBody>
+          <a:bodyPr wrap="none" rtlCol="0">
+            <a:spAutoFit/>
+          </a:bodyPr>
+          <a:lstStyle/>
+          <a:p>
+            <a:r>
+              <a:rPr lang="en-US" sz="1200" dirty="0">
+                <a:latin typeface="Arial" panose="020B0604020202020204" pitchFamily="34" charset="0"/>
+                <a:cs typeface="Arial" panose="020B0604020202020204" pitchFamily="34" charset="0"/>
+              </a:rPr>
+              <a:t>     </a:t>
+            </a:r>
+            <a:r>
+              <a:rPr lang="en-US" sz="1200" b="1" dirty="0">
+                <a:latin typeface="Arial" panose="020B0604020202020204" pitchFamily="34" charset="0"/>
+                <a:cs typeface="Arial" panose="020B0604020202020204" pitchFamily="34" charset="0"/>
+              </a:rPr>
+              <a:t>229E</a:t>
+            </a:r>
+          </a:p>
+        </p:txBody>
+      </p:sp>
+      <p:sp>
+        <p:nvSpPr>
+          <p:cNvPr id="39" name="Oval 38">
+            <a:extLst>
+              <a:ext uri="{FF2B5EF4-FFF2-40B4-BE49-F238E27FC236}">
+                <a16:creationId xmlns:a16="http://schemas.microsoft.com/office/drawing/2014/main" id="{000563B3-641B-654B-8DB2-1EFF3DAC15DE}"/>
+              </a:ext>
+            </a:extLst>
+          </p:cNvPr>
+          <p:cNvSpPr/>
+          <p:nvPr/>
+        </p:nvSpPr>
+        <p:spPr>
+          <a:xfrm>
+            <a:off x="6005677" y="3627330"/>
+            <a:ext cx="146304" cy="146304"/>
+          </a:xfrm>
+          <a:prstGeom prst="ellipse">
+            <a:avLst/>
+          </a:prstGeom>
+          <a:solidFill>
+            <a:srgbClr val="2E86C1"/>
+          </a:solidFill>
+          <a:ln>
+            <a:noFill/>
+          </a:ln>
+        </p:spPr>
+        <p:style>
+          <a:lnRef idx="2">
+            <a:schemeClr val="accent1">
+              <a:shade val="50000"/>
+            </a:schemeClr>
+          </a:lnRef>
+          <a:fillRef idx="1">
+            <a:schemeClr val="accent1"/>
+          </a:fillRef>
+          <a:effectRef idx="0">
+            <a:schemeClr val="accent1"/>
+          </a:effectRef>
+          <a:fontRef idx="minor">
+            <a:schemeClr val="lt1"/>
+          </a:fontRef>
+        </p:style>
+        <p:txBody>
+          <a:bodyPr rot="0" spcFirstLastPara="0" vertOverflow="overflow" horzOverflow="overflow" vert="horz" wrap="square" lIns="91440" tIns="45720" rIns="91440" bIns="45720" numCol="1" spcCol="0" rtlCol="0" fromWordArt="0" anchor="ctr" anchorCtr="0" forceAA="0" compatLnSpc="1">
+            <a:prstTxWarp prst="textNoShape">
+              <a:avLst/>
+            </a:prstTxWarp>
+            <a:noAutofit/>
+          </a:bodyPr>
+          <a:lstStyle/>
+          <a:p>
+            <a:pPr algn="ctr"/>
+            <a:endParaRPr lang="en-US"/>
+          </a:p>
+        </p:txBody>
+      </p:sp>
+      <p:sp>
+        <p:nvSpPr>
+          <p:cNvPr id="40" name="Rectangle 39">
+            <a:extLst>
+              <a:ext uri="{FF2B5EF4-FFF2-40B4-BE49-F238E27FC236}">
+                <a16:creationId xmlns:a16="http://schemas.microsoft.com/office/drawing/2014/main" id="{D8DB164B-CCCA-C648-90DF-B0BA857DD89B}"/>
+              </a:ext>
+            </a:extLst>
+          </p:cNvPr>
+          <p:cNvSpPr/>
+          <p:nvPr/>
+        </p:nvSpPr>
+        <p:spPr>
+          <a:xfrm>
+            <a:off x="2350401" y="6172186"/>
+            <a:ext cx="2215671" cy="307777"/>
+          </a:xfrm>
+          <a:prstGeom prst="rect">
+            <a:avLst/>
+          </a:prstGeom>
+        </p:spPr>
+        <p:txBody>
+          <a:bodyPr wrap="none">
+            <a:spAutoFit/>
+          </a:bodyPr>
+          <a:lstStyle/>
+          <a:p>
+            <a:r>
+              <a:rPr lang="en-US" sz="1400" dirty="0">
+                <a:latin typeface="Arial" panose="020B0604020202020204" pitchFamily="34" charset="0"/>
+                <a:cs typeface="Arial" panose="020B0604020202020204" pitchFamily="34" charset="0"/>
+              </a:rPr>
+              <a:t>Spike amino acid position</a:t>
+            </a:r>
+          </a:p>
+        </p:txBody>
+      </p:sp>
+      <p:sp>
+        <p:nvSpPr>
+          <p:cNvPr id="41" name="Rectangle 40">
+            <a:extLst>
+              <a:ext uri="{FF2B5EF4-FFF2-40B4-BE49-F238E27FC236}">
+                <a16:creationId xmlns:a16="http://schemas.microsoft.com/office/drawing/2014/main" id="{F16AFD2D-0579-0449-93FA-04802FA4F3D2}"/>
+              </a:ext>
+            </a:extLst>
+          </p:cNvPr>
+          <p:cNvSpPr/>
+          <p:nvPr/>
+        </p:nvSpPr>
+        <p:spPr>
+          <a:xfrm>
+            <a:off x="1744705" y="646162"/>
+            <a:ext cx="304892" cy="461665"/>
+          </a:xfrm>
+          <a:prstGeom prst="rect">
+            <a:avLst/>
+          </a:prstGeom>
+        </p:spPr>
+        <p:txBody>
+          <a:bodyPr wrap="none">
+            <a:spAutoFit/>
+          </a:bodyPr>
+          <a:lstStyle/>
+          <a:p>
+            <a:r>
+              <a:rPr lang="en-US" sz="2400" dirty="0">
+                <a:latin typeface="Arial" panose="020B0604020202020204" pitchFamily="34" charset="0"/>
+                <a:cs typeface="Arial" panose="020B0604020202020204" pitchFamily="34" charset="0"/>
+              </a:rPr>
+              <a:t>*</a:t>
+            </a:r>
+          </a:p>
+        </p:txBody>
+      </p:sp>
+      <p:sp>
+        <p:nvSpPr>
+          <p:cNvPr id="42" name="Rectangle 41">
+            <a:extLst>
+              <a:ext uri="{FF2B5EF4-FFF2-40B4-BE49-F238E27FC236}">
+                <a16:creationId xmlns:a16="http://schemas.microsoft.com/office/drawing/2014/main" id="{02373868-73A8-7D49-89FF-EB81C380515C}"/>
+              </a:ext>
+            </a:extLst>
+          </p:cNvPr>
+          <p:cNvSpPr/>
+          <p:nvPr/>
+        </p:nvSpPr>
+        <p:spPr>
+          <a:xfrm>
+            <a:off x="1450119" y="1577522"/>
+            <a:ext cx="304892" cy="461665"/>
+          </a:xfrm>
+          <a:prstGeom prst="rect">
+            <a:avLst/>
+          </a:prstGeom>
+        </p:spPr>
+        <p:txBody>
+          <a:bodyPr wrap="none">
+            <a:spAutoFit/>
+          </a:bodyPr>
+          <a:lstStyle/>
+          <a:p>
+            <a:r>
+              <a:rPr lang="en-US" sz="2400" dirty="0">
+                <a:latin typeface="Arial" panose="020B0604020202020204" pitchFamily="34" charset="0"/>
+                <a:cs typeface="Arial" panose="020B0604020202020204" pitchFamily="34" charset="0"/>
+              </a:rPr>
+              <a:t>*</a:t>
+            </a:r>
+          </a:p>
+        </p:txBody>
+      </p:sp>
+      <p:sp>
+        <p:nvSpPr>
+          <p:cNvPr id="29" name="Rectangle 28">
+            <a:extLst>
+              <a:ext uri="{FF2B5EF4-FFF2-40B4-BE49-F238E27FC236}">
+                <a16:creationId xmlns:a16="http://schemas.microsoft.com/office/drawing/2014/main" id="{8B4353B0-E574-444B-B057-24BE74267DC0}"/>
+              </a:ext>
+            </a:extLst>
+          </p:cNvPr>
+          <p:cNvSpPr/>
+          <p:nvPr/>
+        </p:nvSpPr>
+        <p:spPr>
+          <a:xfrm>
+            <a:off x="7109374" y="3333983"/>
+            <a:ext cx="721596" cy="380145"/>
+          </a:xfrm>
+          <a:prstGeom prst="rect">
+            <a:avLst/>
+          </a:prstGeom>
+          <a:solidFill>
+            <a:schemeClr val="bg1"/>
+          </a:solidFill>
+          <a:ln>
+            <a:noFill/>
+          </a:ln>
+        </p:spPr>
+        <p:style>
+          <a:lnRef idx="2">
+            <a:schemeClr val="accent1">
+              <a:shade val="50000"/>
+            </a:schemeClr>
+          </a:lnRef>
+          <a:fillRef idx="1">
+            <a:schemeClr val="accent1"/>
+          </a:fillRef>
+          <a:effectRef idx="0">
+            <a:schemeClr val="accent1"/>
+          </a:effectRef>
+          <a:fontRef idx="minor">
+            <a:schemeClr val="lt1"/>
+          </a:fontRef>
+        </p:style>
+        <p:txBody>
+          <a:bodyPr rtlCol="0" anchor="ctr"/>
+          <a:lstStyle/>
+          <a:p>
+            <a:pPr algn="ctr"/>
+            <a:endParaRPr lang="en-US"/>
+          </a:p>
+        </p:txBody>
+      </p:sp>
+      <p:sp>
+        <p:nvSpPr>
+          <p:cNvPr id="12" name="Rectangle 11">
+            <a:extLst>
+              <a:ext uri="{FF2B5EF4-FFF2-40B4-BE49-F238E27FC236}">
+                <a16:creationId xmlns:a16="http://schemas.microsoft.com/office/drawing/2014/main" id="{F617CFDF-2B24-3143-AB23-25F38E82EA5D}"/>
+              </a:ext>
+            </a:extLst>
+          </p:cNvPr>
+          <p:cNvSpPr/>
+          <p:nvPr/>
+        </p:nvSpPr>
+        <p:spPr>
+          <a:xfrm>
+            <a:off x="6756916" y="3420488"/>
+            <a:ext cx="407484" cy="461665"/>
+          </a:xfrm>
+          <a:prstGeom prst="rect">
+            <a:avLst/>
+          </a:prstGeom>
+        </p:spPr>
+        <p:txBody>
+          <a:bodyPr wrap="square">
+            <a:spAutoFit/>
+          </a:bodyPr>
+          <a:lstStyle/>
+          <a:p>
+            <a:r>
+              <a:rPr lang="en-US" sz="2400" dirty="0">
+                <a:latin typeface="Arial" panose="020B0604020202020204" pitchFamily="34" charset="0"/>
+                <a:cs typeface="Arial" panose="020B0604020202020204" pitchFamily="34" charset="0"/>
+              </a:rPr>
+              <a:t>C</a:t>
+            </a:r>
+          </a:p>
+        </p:txBody>
+      </p:sp>
+      <p:grpSp>
+        <p:nvGrpSpPr>
+          <p:cNvPr id="19" name="Group 18">
+            <a:extLst>
+              <a:ext uri="{FF2B5EF4-FFF2-40B4-BE49-F238E27FC236}">
+                <a16:creationId xmlns:a16="http://schemas.microsoft.com/office/drawing/2014/main" id="{13081CF5-0861-0749-8E55-89C7145B32EE}"/>
+              </a:ext>
+            </a:extLst>
+          </p:cNvPr>
+          <p:cNvGrpSpPr/>
+          <p:nvPr/>
+        </p:nvGrpSpPr>
+        <p:grpSpPr>
+          <a:xfrm>
+            <a:off x="7162571" y="3688636"/>
+            <a:ext cx="2281394" cy="1200329"/>
+            <a:chOff x="8879521" y="3999856"/>
+            <a:chExt cx="2281394" cy="1200329"/>
+          </a:xfrm>
+        </p:grpSpPr>
+        <p:grpSp>
+          <p:nvGrpSpPr>
+            <p:cNvPr id="20" name="Group 19">
+              <a:extLst>
+                <a:ext uri="{FF2B5EF4-FFF2-40B4-BE49-F238E27FC236}">
+                  <a16:creationId xmlns:a16="http://schemas.microsoft.com/office/drawing/2014/main" id="{0E8A7EDA-0BB1-EB46-BBA4-F967ED918B16}"/>
+                </a:ext>
+              </a:extLst>
+            </p:cNvPr>
+            <p:cNvGrpSpPr/>
+            <p:nvPr/>
+          </p:nvGrpSpPr>
+          <p:grpSpPr>
+            <a:xfrm>
+              <a:off x="8879521" y="3999856"/>
+              <a:ext cx="2281394" cy="1200329"/>
+              <a:chOff x="9375577" y="796000"/>
+              <a:chExt cx="2281394" cy="1200329"/>
+            </a:xfrm>
+          </p:grpSpPr>
+          <p:sp>
+            <p:nvSpPr>
+              <p:cNvPr id="22" name="TextBox 21">
+                <a:extLst>
+                  <a:ext uri="{FF2B5EF4-FFF2-40B4-BE49-F238E27FC236}">
+                    <a16:creationId xmlns:a16="http://schemas.microsoft.com/office/drawing/2014/main" id="{9B73479C-0121-5446-B8BA-2B1FE8B20EE9}"/>
+                  </a:ext>
+                </a:extLst>
+              </p:cNvPr>
+              <p:cNvSpPr txBox="1"/>
+              <p:nvPr/>
+            </p:nvSpPr>
+            <p:spPr>
+              <a:xfrm>
+                <a:off x="9375577" y="796000"/>
+                <a:ext cx="2281394" cy="1200329"/>
+              </a:xfrm>
+              <a:prstGeom prst="rect">
+                <a:avLst/>
+              </a:prstGeom>
+              <a:solidFill>
+                <a:schemeClr val="bg1"/>
+              </a:solidFill>
+              <a:ln w="15875" cap="rnd">
+                <a:solidFill>
+                  <a:srgbClr val="D6D6D6"/>
+                </a:solidFill>
+              </a:ln>
+            </p:spPr>
+            <p:txBody>
+              <a:bodyPr wrap="none" rtlCol="0">
+                <a:spAutoFit/>
+              </a:bodyPr>
+              <a:lstStyle/>
+              <a:p>
+                <a:r>
+                  <a:rPr lang="en-US" sz="1200" dirty="0">
+                    <a:latin typeface="Arial" panose="020B0604020202020204" pitchFamily="34" charset="0"/>
+                    <a:cs typeface="Arial" panose="020B0604020202020204" pitchFamily="34" charset="0"/>
+                  </a:rPr>
+                  <a:t>     </a:t>
+                </a:r>
+                <a:r>
+                  <a:rPr lang="en-US" sz="1200" b="1" dirty="0">
+                    <a:latin typeface="Arial" panose="020B0604020202020204" pitchFamily="34" charset="0"/>
+                    <a:cs typeface="Arial" panose="020B0604020202020204" pitchFamily="34" charset="0"/>
+                  </a:rPr>
+                  <a:t>OC43 Spike 262 genotype</a:t>
+                </a:r>
+              </a:p>
+              <a:p>
+                <a:r>
+                  <a:rPr lang="en-US" sz="1200" dirty="0">
+                    <a:latin typeface="Arial" panose="020B0604020202020204" pitchFamily="34" charset="0"/>
+                    <a:cs typeface="Arial" panose="020B0604020202020204" pitchFamily="34" charset="0"/>
+                  </a:rPr>
+                  <a:t>     R</a:t>
+                </a:r>
+              </a:p>
+              <a:p>
+                <a:r>
+                  <a:rPr lang="en-US" sz="1200" dirty="0">
+                    <a:latin typeface="Arial" panose="020B0604020202020204" pitchFamily="34" charset="0"/>
+                    <a:cs typeface="Arial" panose="020B0604020202020204" pitchFamily="34" charset="0"/>
+                  </a:rPr>
+                  <a:t>     L</a:t>
+                </a:r>
+              </a:p>
+              <a:p>
+                <a:r>
+                  <a:rPr lang="en-US" sz="1200" dirty="0">
+                    <a:latin typeface="Arial" panose="020B0604020202020204" pitchFamily="34" charset="0"/>
+                    <a:cs typeface="Arial" panose="020B0604020202020204" pitchFamily="34" charset="0"/>
+                  </a:rPr>
+                  <a:t>     P</a:t>
+                </a:r>
+              </a:p>
+              <a:p>
+                <a:r>
+                  <a:rPr lang="en-US" sz="1200" dirty="0">
+                    <a:latin typeface="Arial" panose="020B0604020202020204" pitchFamily="34" charset="0"/>
+                    <a:cs typeface="Arial" panose="020B0604020202020204" pitchFamily="34" charset="0"/>
+                  </a:rPr>
+                  <a:t>     A</a:t>
+                </a:r>
+              </a:p>
+              <a:p>
+                <a:r>
+                  <a:rPr lang="en-US" sz="1200" dirty="0">
+                    <a:latin typeface="Arial" panose="020B0604020202020204" pitchFamily="34" charset="0"/>
+                    <a:cs typeface="Arial" panose="020B0604020202020204" pitchFamily="34" charset="0"/>
+                  </a:rPr>
+                  <a:t>     S</a:t>
+                </a:r>
+              </a:p>
+            </p:txBody>
+          </p:sp>
+          <p:sp>
+            <p:nvSpPr>
+              <p:cNvPr id="23" name="Oval 22">
+                <a:extLst>
+                  <a:ext uri="{FF2B5EF4-FFF2-40B4-BE49-F238E27FC236}">
+                    <a16:creationId xmlns:a16="http://schemas.microsoft.com/office/drawing/2014/main" id="{5E454745-0CD3-8043-8169-D2CEA0425AB2}"/>
+                  </a:ext>
+                </a:extLst>
+              </p:cNvPr>
+              <p:cNvSpPr/>
+              <p:nvPr/>
+            </p:nvSpPr>
+            <p:spPr>
+              <a:xfrm>
+                <a:off x="9478834" y="1022324"/>
+                <a:ext cx="146304" cy="146304"/>
+              </a:xfrm>
+              <a:prstGeom prst="ellipse">
+                <a:avLst/>
+              </a:prstGeom>
+              <a:solidFill>
+                <a:srgbClr val="6DC2B3"/>
+              </a:solidFill>
+              <a:ln>
+                <a:noFill/>
+              </a:ln>
+            </p:spPr>
+            <p:style>
+              <a:lnRef idx="2">
+                <a:schemeClr val="accent1">
+                  <a:shade val="50000"/>
+                </a:schemeClr>
+              </a:lnRef>
+              <a:fillRef idx="1">
+                <a:schemeClr val="accent1"/>
+              </a:fillRef>
+              <a:effectRef idx="0">
+                <a:schemeClr val="accent1"/>
+              </a:effectRef>
+              <a:fontRef idx="minor">
+                <a:schemeClr val="lt1"/>
+              </a:fontRef>
+            </p:style>
+            <p:txBody>
+              <a:bodyPr rot="0" spcFirstLastPara="0" vertOverflow="overflow" horzOverflow="overflow" vert="horz" wrap="square" lIns="91440" tIns="45720" rIns="91440" bIns="45720" numCol="1" spcCol="0" rtlCol="0" fromWordArt="0" anchor="ctr" anchorCtr="0" forceAA="0" compatLnSpc="1">
+                <a:prstTxWarp prst="textNoShape">
+                  <a:avLst/>
+                </a:prstTxWarp>
+                <a:noAutofit/>
+              </a:bodyPr>
+              <a:lstStyle/>
+              <a:p>
+                <a:pPr algn="ctr"/>
+                <a:endParaRPr lang="en-US"/>
+              </a:p>
+            </p:txBody>
+          </p:sp>
+          <p:sp>
+            <p:nvSpPr>
+              <p:cNvPr id="24" name="Oval 23">
+                <a:extLst>
+                  <a:ext uri="{FF2B5EF4-FFF2-40B4-BE49-F238E27FC236}">
+                    <a16:creationId xmlns:a16="http://schemas.microsoft.com/office/drawing/2014/main" id="{C0AD404E-9986-8A40-8603-9ECA6687FCCA}"/>
+                  </a:ext>
+                </a:extLst>
+              </p:cNvPr>
+              <p:cNvSpPr/>
+              <p:nvPr/>
+            </p:nvSpPr>
+            <p:spPr>
+              <a:xfrm>
+                <a:off x="9478834" y="1213705"/>
+                <a:ext cx="146304" cy="146304"/>
+              </a:xfrm>
+              <a:prstGeom prst="ellipse">
+                <a:avLst/>
+              </a:prstGeom>
+              <a:solidFill>
+                <a:srgbClr val="F7C446"/>
+              </a:solidFill>
+              <a:ln>
+                <a:noFill/>
+              </a:ln>
+            </p:spPr>
+            <p:style>
+              <a:lnRef idx="2">
+                <a:schemeClr val="accent1">
+                  <a:shade val="50000"/>
+                </a:schemeClr>
+              </a:lnRef>
+              <a:fillRef idx="1">
+                <a:schemeClr val="accent1"/>
+              </a:fillRef>
+              <a:effectRef idx="0">
+                <a:schemeClr val="accent1"/>
+              </a:effectRef>
+              <a:fontRef idx="minor">
+                <a:schemeClr val="lt1"/>
+              </a:fontRef>
+            </p:style>
+            <p:txBody>
+              <a:bodyPr rot="0" spcFirstLastPara="0" vertOverflow="overflow" horzOverflow="overflow" vert="horz" wrap="square" lIns="91440" tIns="45720" rIns="91440" bIns="45720" numCol="1" spcCol="0" rtlCol="0" fromWordArt="0" anchor="ctr" anchorCtr="0" forceAA="0" compatLnSpc="1">
+                <a:prstTxWarp prst="textNoShape">
+                  <a:avLst/>
+                </a:prstTxWarp>
+                <a:noAutofit/>
+              </a:bodyPr>
+              <a:lstStyle/>
+              <a:p>
+                <a:pPr algn="ctr"/>
+                <a:endParaRPr lang="en-US"/>
+              </a:p>
+            </p:txBody>
+          </p:sp>
+          <p:sp>
+            <p:nvSpPr>
+              <p:cNvPr id="25" name="Oval 24">
+                <a:extLst>
+                  <a:ext uri="{FF2B5EF4-FFF2-40B4-BE49-F238E27FC236}">
+                    <a16:creationId xmlns:a16="http://schemas.microsoft.com/office/drawing/2014/main" id="{ADDFF2FD-0AC5-0041-B4F6-7B9898960B86}"/>
+                  </a:ext>
+                </a:extLst>
+              </p:cNvPr>
+              <p:cNvSpPr/>
+              <p:nvPr/>
+            </p:nvSpPr>
+            <p:spPr>
+              <a:xfrm>
+                <a:off x="9478834" y="1405086"/>
+                <a:ext cx="146304" cy="146304"/>
+              </a:xfrm>
+              <a:prstGeom prst="ellipse">
+                <a:avLst/>
+              </a:prstGeom>
+              <a:solidFill>
+                <a:srgbClr val="5BACD3"/>
+              </a:solidFill>
+              <a:ln>
+                <a:noFill/>
+              </a:ln>
+            </p:spPr>
+            <p:style>
+              <a:lnRef idx="2">
+                <a:schemeClr val="accent1">
+                  <a:shade val="50000"/>
+                </a:schemeClr>
+              </a:lnRef>
+              <a:fillRef idx="1">
+                <a:schemeClr val="accent1"/>
+              </a:fillRef>
+              <a:effectRef idx="0">
+                <a:schemeClr val="accent1"/>
+              </a:effectRef>
+              <a:fontRef idx="minor">
+                <a:schemeClr val="lt1"/>
+              </a:fontRef>
+            </p:style>
+            <p:txBody>
+              <a:bodyPr rot="0" spcFirstLastPara="0" vertOverflow="overflow" horzOverflow="overflow" vert="horz" wrap="square" lIns="91440" tIns="45720" rIns="91440" bIns="45720" numCol="1" spcCol="0" rtlCol="0" fromWordArt="0" anchor="ctr" anchorCtr="0" forceAA="0" compatLnSpc="1">
+                <a:prstTxWarp prst="textNoShape">
+                  <a:avLst/>
+                </a:prstTxWarp>
+                <a:noAutofit/>
+              </a:bodyPr>
+              <a:lstStyle/>
+              <a:p>
+                <a:pPr algn="ctr"/>
+                <a:endParaRPr lang="en-US"/>
+              </a:p>
+            </p:txBody>
+          </p:sp>
+          <p:sp>
+            <p:nvSpPr>
+              <p:cNvPr id="26" name="Oval 25">
+                <a:extLst>
+                  <a:ext uri="{FF2B5EF4-FFF2-40B4-BE49-F238E27FC236}">
+                    <a16:creationId xmlns:a16="http://schemas.microsoft.com/office/drawing/2014/main" id="{AD98A7E2-DB0E-AA46-8461-AB8725D7B53E}"/>
+                  </a:ext>
+                </a:extLst>
+              </p:cNvPr>
+              <p:cNvSpPr/>
+              <p:nvPr/>
+            </p:nvSpPr>
+            <p:spPr>
+              <a:xfrm>
+                <a:off x="9478834" y="1596467"/>
+                <a:ext cx="146304" cy="146304"/>
+              </a:xfrm>
+              <a:prstGeom prst="ellipse">
+                <a:avLst/>
+              </a:prstGeom>
+              <a:solidFill>
+                <a:srgbClr val="FF7F36"/>
+              </a:solidFill>
+              <a:ln>
+                <a:noFill/>
+              </a:ln>
+            </p:spPr>
+            <p:style>
+              <a:lnRef idx="2">
+                <a:schemeClr val="accent1">
+                  <a:shade val="50000"/>
+                </a:schemeClr>
+              </a:lnRef>
+              <a:fillRef idx="1">
+                <a:schemeClr val="accent1"/>
+              </a:fillRef>
+              <a:effectRef idx="0">
+                <a:schemeClr val="accent1"/>
+              </a:effectRef>
+              <a:fontRef idx="minor">
+                <a:schemeClr val="lt1"/>
+              </a:fontRef>
+            </p:style>
+            <p:txBody>
+              <a:bodyPr rot="0" spcFirstLastPara="0" vertOverflow="overflow" horzOverflow="overflow" vert="horz" wrap="square" lIns="91440" tIns="45720" rIns="91440" bIns="45720" numCol="1" spcCol="0" rtlCol="0" fromWordArt="0" anchor="ctr" anchorCtr="0" forceAA="0" compatLnSpc="1">
+                <a:prstTxWarp prst="textNoShape">
+                  <a:avLst/>
+                </a:prstTxWarp>
+                <a:noAutofit/>
+              </a:bodyPr>
+              <a:lstStyle/>
+              <a:p>
+                <a:pPr algn="ctr"/>
+                <a:endParaRPr lang="en-US"/>
+              </a:p>
+            </p:txBody>
+          </p:sp>
+        </p:grpSp>
+        <p:sp>
+          <p:nvSpPr>
+            <p:cNvPr id="21" name="Oval 20">
+              <a:extLst>
+                <a:ext uri="{FF2B5EF4-FFF2-40B4-BE49-F238E27FC236}">
+                  <a16:creationId xmlns:a16="http://schemas.microsoft.com/office/drawing/2014/main" id="{A2653014-5AB1-744F-8F72-47974D014525}"/>
+                </a:ext>
+              </a:extLst>
+            </p:cNvPr>
+            <p:cNvSpPr/>
+            <p:nvPr/>
+          </p:nvSpPr>
+          <p:spPr>
+            <a:xfrm>
+              <a:off x="8982778" y="4991704"/>
+              <a:ext cx="146304" cy="146304"/>
+            </a:xfrm>
+            <a:prstGeom prst="ellipse">
+              <a:avLst/>
+            </a:prstGeom>
+            <a:solidFill>
+              <a:srgbClr val="A2D674"/>
+            </a:solidFill>
+            <a:ln>
+              <a:noFill/>
+            </a:ln>
+          </p:spPr>
+          <p:style>
+            <a:lnRef idx="2">
+              <a:schemeClr val="accent1">
+                <a:shade val="50000"/>
+              </a:schemeClr>
+            </a:lnRef>
+            <a:fillRef idx="1">
+              <a:schemeClr val="accent1"/>
+            </a:fillRef>
+            <a:effectRef idx="0">
+              <a:schemeClr val="accent1"/>
+            </a:effectRef>
+            <a:fontRef idx="minor">
+              <a:schemeClr val="lt1"/>
+            </a:fontRef>
+          </p:style>
+          <p:txBody>
+            <a:bodyPr rot="0" spcFirstLastPara="0" vertOverflow="overflow" horzOverflow="overflow" vert="horz" wrap="square" lIns="91440" tIns="45720" rIns="91440" bIns="45720" numCol="1" spcCol="0" rtlCol="0" fromWordArt="0" anchor="ctr" anchorCtr="0" forceAA="0" compatLnSpc="1">
+              <a:prstTxWarp prst="textNoShape">
+                <a:avLst/>
+              </a:prstTxWarp>
+              <a:noAutofit/>
+            </a:bodyPr>
+            <a:lstStyle/>
+            <a:p>
+              <a:pPr algn="ctr"/>
+              <a:endParaRPr lang="en-US"/>
+            </a:p>
+          </p:txBody>
+        </p:sp>
+      </p:grpSp>
+      <p:pic>
+        <p:nvPicPr>
+          <p:cNvPr id="43" name="Picture 42">
+            <a:extLst>
+              <a:ext uri="{FF2B5EF4-FFF2-40B4-BE49-F238E27FC236}">
+                <a16:creationId xmlns:a16="http://schemas.microsoft.com/office/drawing/2014/main" id="{32B80365-9C68-6844-B291-D5465FA1C556}"/>
+              </a:ext>
+            </a:extLst>
+          </p:cNvPr>
+          <p:cNvPicPr>
+            <a:picLocks noChangeAspect="1"/>
+          </p:cNvPicPr>
+          <p:nvPr/>
+        </p:nvPicPr>
+        <p:blipFill rotWithShape="1">
+          <a:blip r:embed="rId4"/>
+          <a:srcRect t="3832" b="3448"/>
+          <a:stretch/>
+        </p:blipFill>
+        <p:spPr>
+          <a:xfrm>
+            <a:off x="7033810" y="18223"/>
+            <a:ext cx="5053735" cy="3142328"/>
           </a:xfrm>
           <a:prstGeom prst="rect">
             <a:avLst/>
@@ -3040,7 +4145,7 @@
         </p:nvSpPr>
         <p:spPr>
           <a:xfrm>
-            <a:off x="7051696" y="1808355"/>
+            <a:off x="7268669" y="1885845"/>
             <a:ext cx="981102" cy="307777"/>
           </a:xfrm>
           <a:prstGeom prst="rect">
@@ -3080,7 +4185,7 @@
         </p:nvSpPr>
         <p:spPr>
           <a:xfrm>
-            <a:off x="7110815" y="2512074"/>
+            <a:off x="7281296" y="2636058"/>
             <a:ext cx="990977" cy="307777"/>
           </a:xfrm>
           <a:prstGeom prst="rect">
@@ -3108,10 +4213,10 @@
       </p:sp>
       <p:sp>
         <p:nvSpPr>
-          <p:cNvPr id="10" name="Rectangle 9">
+          <p:cNvPr id="44" name="Rectangle 43">
             <a:extLst>
               <a:ext uri="{FF2B5EF4-FFF2-40B4-BE49-F238E27FC236}">
-                <a16:creationId xmlns:a16="http://schemas.microsoft.com/office/drawing/2014/main" id="{1D7F6A59-3F7B-D047-83CF-9942B1B545C2}"/>
+                <a16:creationId xmlns:a16="http://schemas.microsoft.com/office/drawing/2014/main" id="{DBE344AB-31AB-2748-BE6C-49227A57ACD3}"/>
               </a:ext>
             </a:extLst>
           </p:cNvPr>
@@ -3120,106 +4225,41 @@
         </p:nvSpPr>
         <p:spPr>
           <a:xfrm>
-            <a:off x="7104907" y="5140500"/>
-            <a:ext cx="981102" cy="307777"/>
+            <a:off x="6956750" y="1"/>
+            <a:ext cx="874220" cy="406772"/>
           </a:xfrm>
           <a:prstGeom prst="rect">
             <a:avLst/>
           </a:prstGeom>
+          <a:solidFill>
+            <a:schemeClr val="bg1"/>
+          </a:solidFill>
+          <a:ln>
+            <a:noFill/>
+          </a:ln>
         </p:spPr>
-        <p:txBody>
-          <a:bodyPr wrap="square">
-            <a:spAutoFit/>
-          </a:bodyPr>
-          <a:lstStyle/>
-          <a:p>
-            <a:r>
-              <a:rPr lang="en-US" sz="1400" dirty="0">
-                <a:solidFill>
-                  <a:srgbClr val="CB4335"/>
-                </a:solidFill>
-                <a:latin typeface="Arial" panose="020B0604020202020204" pitchFamily="34" charset="0"/>
-                <a:cs typeface="Arial" panose="020B0604020202020204" pitchFamily="34" charset="0"/>
-              </a:rPr>
-              <a:t>Lineage A</a:t>
-            </a:r>
-          </a:p>
-        </p:txBody>
-      </p:sp>
-      <p:sp>
-        <p:nvSpPr>
-          <p:cNvPr id="11" name="Rectangle 10">
-            <a:extLst>
-              <a:ext uri="{FF2B5EF4-FFF2-40B4-BE49-F238E27FC236}">
-                <a16:creationId xmlns:a16="http://schemas.microsoft.com/office/drawing/2014/main" id="{830E70EE-368D-F443-9176-E4CCC4F26915}"/>
-              </a:ext>
-            </a:extLst>
-          </p:cNvPr>
-          <p:cNvSpPr/>
-          <p:nvPr/>
-        </p:nvSpPr>
-        <p:spPr>
-          <a:xfrm>
-            <a:off x="7164026" y="5844219"/>
-            <a:ext cx="990977" cy="307777"/>
-          </a:xfrm>
-          <a:prstGeom prst="rect">
-            <a:avLst/>
-          </a:prstGeom>
-        </p:spPr>
-        <p:txBody>
-          <a:bodyPr wrap="square">
-            <a:spAutoFit/>
-          </a:bodyPr>
-          <a:lstStyle/>
-          <a:p>
-            <a:r>
-              <a:rPr lang="en-US" sz="1400" dirty="0">
-                <a:solidFill>
-                  <a:srgbClr val="FF9A00"/>
-                </a:solidFill>
-                <a:latin typeface="Arial" panose="020B0604020202020204" pitchFamily="34" charset="0"/>
-                <a:cs typeface="Arial" panose="020B0604020202020204" pitchFamily="34" charset="0"/>
-              </a:rPr>
-              <a:t>Lineage B</a:t>
-            </a:r>
-          </a:p>
-        </p:txBody>
-      </p:sp>
-      <p:sp>
-        <p:nvSpPr>
-          <p:cNvPr id="12" name="Rectangle 11">
-            <a:extLst>
-              <a:ext uri="{FF2B5EF4-FFF2-40B4-BE49-F238E27FC236}">
-                <a16:creationId xmlns:a16="http://schemas.microsoft.com/office/drawing/2014/main" id="{F617CFDF-2B24-3143-AB23-25F38E82EA5D}"/>
-              </a:ext>
-            </a:extLst>
-          </p:cNvPr>
-          <p:cNvSpPr/>
-          <p:nvPr/>
-        </p:nvSpPr>
-        <p:spPr>
-          <a:xfrm>
-            <a:off x="6663925" y="3064033"/>
-            <a:ext cx="407484" cy="461665"/>
-          </a:xfrm>
-          <a:prstGeom prst="rect">
-            <a:avLst/>
-          </a:prstGeom>
-        </p:spPr>
-        <p:txBody>
-          <a:bodyPr wrap="square">
-            <a:spAutoFit/>
-          </a:bodyPr>
-          <a:lstStyle/>
-          <a:p>
-            <a:r>
-              <a:rPr lang="en-US" sz="2400" dirty="0">
-                <a:latin typeface="Arial" panose="020B0604020202020204" pitchFamily="34" charset="0"/>
-                <a:cs typeface="Arial" panose="020B0604020202020204" pitchFamily="34" charset="0"/>
-              </a:rPr>
-              <a:t>C</a:t>
-            </a:r>
+        <p:style>
+          <a:lnRef idx="2">
+            <a:schemeClr val="accent1">
+              <a:shade val="50000"/>
+            </a:schemeClr>
+          </a:lnRef>
+          <a:fillRef idx="1">
+            <a:schemeClr val="accent1"/>
+          </a:fillRef>
+          <a:effectRef idx="0">
+            <a:schemeClr val="accent1"/>
+          </a:effectRef>
+          <a:fontRef idx="minor">
+            <a:schemeClr val="lt1"/>
+          </a:fontRef>
+        </p:style>
+        <p:txBody>
+          <a:bodyPr rtlCol="0" anchor="ctr"/>
+          <a:lstStyle/>
+          <a:p>
+            <a:pPr algn="ctr"/>
+            <a:endParaRPr lang="en-US"/>
           </a:p>
         </p:txBody>
       </p:sp>
@@ -3237,7 +4277,7 @@
         </p:nvGrpSpPr>
         <p:grpSpPr>
           <a:xfrm>
-            <a:off x="7021157" y="161056"/>
+            <a:off x="7222634" y="161056"/>
             <a:ext cx="2281394" cy="1015663"/>
             <a:chOff x="9375577" y="796000"/>
             <a:chExt cx="2281394" cy="1015663"/>
@@ -3560,576 +4600,6 @@
           </p:txBody>
         </p:sp>
       </p:grpSp>
-      <p:grpSp>
-        <p:nvGrpSpPr>
-          <p:cNvPr id="19" name="Group 18">
-            <a:extLst>
-              <a:ext uri="{FF2B5EF4-FFF2-40B4-BE49-F238E27FC236}">
-                <a16:creationId xmlns:a16="http://schemas.microsoft.com/office/drawing/2014/main" id="{13081CF5-0861-0749-8E55-89C7145B32EE}"/>
-              </a:ext>
-            </a:extLst>
-          </p:cNvPr>
-          <p:cNvGrpSpPr/>
-          <p:nvPr/>
-        </p:nvGrpSpPr>
-        <p:grpSpPr>
-          <a:xfrm>
-            <a:off x="6961094" y="3502660"/>
-            <a:ext cx="2281394" cy="1200329"/>
-            <a:chOff x="8879521" y="3999856"/>
-            <a:chExt cx="2281394" cy="1200329"/>
-          </a:xfrm>
-        </p:grpSpPr>
-        <p:grpSp>
-          <p:nvGrpSpPr>
-            <p:cNvPr id="20" name="Group 19">
-              <a:extLst>
-                <a:ext uri="{FF2B5EF4-FFF2-40B4-BE49-F238E27FC236}">
-                  <a16:creationId xmlns:a16="http://schemas.microsoft.com/office/drawing/2014/main" id="{0E8A7EDA-0BB1-EB46-BBA4-F967ED918B16}"/>
-                </a:ext>
-              </a:extLst>
-            </p:cNvPr>
-            <p:cNvGrpSpPr/>
-            <p:nvPr/>
-          </p:nvGrpSpPr>
-          <p:grpSpPr>
-            <a:xfrm>
-              <a:off x="8879521" y="3999856"/>
-              <a:ext cx="2281394" cy="1200329"/>
-              <a:chOff x="9375577" y="796000"/>
-              <a:chExt cx="2281394" cy="1200329"/>
-            </a:xfrm>
-          </p:grpSpPr>
-          <p:sp>
-            <p:nvSpPr>
-              <p:cNvPr id="22" name="TextBox 21">
-                <a:extLst>
-                  <a:ext uri="{FF2B5EF4-FFF2-40B4-BE49-F238E27FC236}">
-                    <a16:creationId xmlns:a16="http://schemas.microsoft.com/office/drawing/2014/main" id="{9B73479C-0121-5446-B8BA-2B1FE8B20EE9}"/>
-                  </a:ext>
-                </a:extLst>
-              </p:cNvPr>
-              <p:cNvSpPr txBox="1"/>
-              <p:nvPr/>
-            </p:nvSpPr>
-            <p:spPr>
-              <a:xfrm>
-                <a:off x="9375577" y="796000"/>
-                <a:ext cx="2281394" cy="1200329"/>
-              </a:xfrm>
-              <a:prstGeom prst="rect">
-                <a:avLst/>
-              </a:prstGeom>
-              <a:solidFill>
-                <a:schemeClr val="bg1"/>
-              </a:solidFill>
-              <a:ln w="15875" cap="rnd">
-                <a:solidFill>
-                  <a:srgbClr val="D6D6D6"/>
-                </a:solidFill>
-              </a:ln>
-            </p:spPr>
-            <p:txBody>
-              <a:bodyPr wrap="none" rtlCol="0">
-                <a:spAutoFit/>
-              </a:bodyPr>
-              <a:lstStyle/>
-              <a:p>
-                <a:r>
-                  <a:rPr lang="en-US" sz="1200" dirty="0">
-                    <a:latin typeface="Arial" panose="020B0604020202020204" pitchFamily="34" charset="0"/>
-                    <a:cs typeface="Arial" panose="020B0604020202020204" pitchFamily="34" charset="0"/>
-                  </a:rPr>
-                  <a:t>     </a:t>
-                </a:r>
-                <a:r>
-                  <a:rPr lang="en-US" sz="1200" b="1" dirty="0">
-                    <a:latin typeface="Arial" panose="020B0604020202020204" pitchFamily="34" charset="0"/>
-                    <a:cs typeface="Arial" panose="020B0604020202020204" pitchFamily="34" charset="0"/>
-                  </a:rPr>
-                  <a:t>OC43 Spike 262 genotype</a:t>
-                </a:r>
-              </a:p>
-              <a:p>
-                <a:r>
-                  <a:rPr lang="en-US" sz="1200" dirty="0">
-                    <a:latin typeface="Arial" panose="020B0604020202020204" pitchFamily="34" charset="0"/>
-                    <a:cs typeface="Arial" panose="020B0604020202020204" pitchFamily="34" charset="0"/>
-                  </a:rPr>
-                  <a:t>     R</a:t>
-                </a:r>
-              </a:p>
-              <a:p>
-                <a:r>
-                  <a:rPr lang="en-US" sz="1200" dirty="0">
-                    <a:latin typeface="Arial" panose="020B0604020202020204" pitchFamily="34" charset="0"/>
-                    <a:cs typeface="Arial" panose="020B0604020202020204" pitchFamily="34" charset="0"/>
-                  </a:rPr>
-                  <a:t>     L</a:t>
-                </a:r>
-              </a:p>
-              <a:p>
-                <a:r>
-                  <a:rPr lang="en-US" sz="1200" dirty="0">
-                    <a:latin typeface="Arial" panose="020B0604020202020204" pitchFamily="34" charset="0"/>
-                    <a:cs typeface="Arial" panose="020B0604020202020204" pitchFamily="34" charset="0"/>
-                  </a:rPr>
-                  <a:t>     P</a:t>
-                </a:r>
-              </a:p>
-              <a:p>
-                <a:r>
-                  <a:rPr lang="en-US" sz="1200" dirty="0">
-                    <a:latin typeface="Arial" panose="020B0604020202020204" pitchFamily="34" charset="0"/>
-                    <a:cs typeface="Arial" panose="020B0604020202020204" pitchFamily="34" charset="0"/>
-                  </a:rPr>
-                  <a:t>     S</a:t>
-                </a:r>
-              </a:p>
-              <a:p>
-                <a:r>
-                  <a:rPr lang="en-US" sz="1200" dirty="0">
-                    <a:latin typeface="Arial" panose="020B0604020202020204" pitchFamily="34" charset="0"/>
-                    <a:cs typeface="Arial" panose="020B0604020202020204" pitchFamily="34" charset="0"/>
-                  </a:rPr>
-                  <a:t>     A</a:t>
-                </a:r>
-              </a:p>
-            </p:txBody>
-          </p:sp>
-          <p:sp>
-            <p:nvSpPr>
-              <p:cNvPr id="23" name="Oval 22">
-                <a:extLst>
-                  <a:ext uri="{FF2B5EF4-FFF2-40B4-BE49-F238E27FC236}">
-                    <a16:creationId xmlns:a16="http://schemas.microsoft.com/office/drawing/2014/main" id="{5E454745-0CD3-8043-8169-D2CEA0425AB2}"/>
-                  </a:ext>
-                </a:extLst>
-              </p:cNvPr>
-              <p:cNvSpPr/>
-              <p:nvPr/>
-            </p:nvSpPr>
-            <p:spPr>
-              <a:xfrm>
-                <a:off x="9478834" y="1022324"/>
-                <a:ext cx="146304" cy="146304"/>
-              </a:xfrm>
-              <a:prstGeom prst="ellipse">
-                <a:avLst/>
-              </a:prstGeom>
-              <a:solidFill>
-                <a:srgbClr val="6DC2B3"/>
-              </a:solidFill>
-              <a:ln>
-                <a:noFill/>
-              </a:ln>
-            </p:spPr>
-            <p:style>
-              <a:lnRef idx="2">
-                <a:schemeClr val="accent1">
-                  <a:shade val="50000"/>
-                </a:schemeClr>
-              </a:lnRef>
-              <a:fillRef idx="1">
-                <a:schemeClr val="accent1"/>
-              </a:fillRef>
-              <a:effectRef idx="0">
-                <a:schemeClr val="accent1"/>
-              </a:effectRef>
-              <a:fontRef idx="minor">
-                <a:schemeClr val="lt1"/>
-              </a:fontRef>
-            </p:style>
-            <p:txBody>
-              <a:bodyPr rot="0" spcFirstLastPara="0" vertOverflow="overflow" horzOverflow="overflow" vert="horz" wrap="square" lIns="91440" tIns="45720" rIns="91440" bIns="45720" numCol="1" spcCol="0" rtlCol="0" fromWordArt="0" anchor="ctr" anchorCtr="0" forceAA="0" compatLnSpc="1">
-                <a:prstTxWarp prst="textNoShape">
-                  <a:avLst/>
-                </a:prstTxWarp>
-                <a:noAutofit/>
-              </a:bodyPr>
-              <a:lstStyle/>
-              <a:p>
-                <a:pPr algn="ctr"/>
-                <a:endParaRPr lang="en-US"/>
-              </a:p>
-            </p:txBody>
-          </p:sp>
-          <p:sp>
-            <p:nvSpPr>
-              <p:cNvPr id="24" name="Oval 23">
-                <a:extLst>
-                  <a:ext uri="{FF2B5EF4-FFF2-40B4-BE49-F238E27FC236}">
-                    <a16:creationId xmlns:a16="http://schemas.microsoft.com/office/drawing/2014/main" id="{C0AD404E-9986-8A40-8603-9ECA6687FCCA}"/>
-                  </a:ext>
-                </a:extLst>
-              </p:cNvPr>
-              <p:cNvSpPr/>
-              <p:nvPr/>
-            </p:nvSpPr>
-            <p:spPr>
-              <a:xfrm>
-                <a:off x="9478834" y="1213705"/>
-                <a:ext cx="146304" cy="146304"/>
-              </a:xfrm>
-              <a:prstGeom prst="ellipse">
-                <a:avLst/>
-              </a:prstGeom>
-              <a:solidFill>
-                <a:srgbClr val="F7C446"/>
-              </a:solidFill>
-              <a:ln>
-                <a:noFill/>
-              </a:ln>
-            </p:spPr>
-            <p:style>
-              <a:lnRef idx="2">
-                <a:schemeClr val="accent1">
-                  <a:shade val="50000"/>
-                </a:schemeClr>
-              </a:lnRef>
-              <a:fillRef idx="1">
-                <a:schemeClr val="accent1"/>
-              </a:fillRef>
-              <a:effectRef idx="0">
-                <a:schemeClr val="accent1"/>
-              </a:effectRef>
-              <a:fontRef idx="minor">
-                <a:schemeClr val="lt1"/>
-              </a:fontRef>
-            </p:style>
-            <p:txBody>
-              <a:bodyPr rot="0" spcFirstLastPara="0" vertOverflow="overflow" horzOverflow="overflow" vert="horz" wrap="square" lIns="91440" tIns="45720" rIns="91440" bIns="45720" numCol="1" spcCol="0" rtlCol="0" fromWordArt="0" anchor="ctr" anchorCtr="0" forceAA="0" compatLnSpc="1">
-                <a:prstTxWarp prst="textNoShape">
-                  <a:avLst/>
-                </a:prstTxWarp>
-                <a:noAutofit/>
-              </a:bodyPr>
-              <a:lstStyle/>
-              <a:p>
-                <a:pPr algn="ctr"/>
-                <a:endParaRPr lang="en-US"/>
-              </a:p>
-            </p:txBody>
-          </p:sp>
-          <p:sp>
-            <p:nvSpPr>
-              <p:cNvPr id="25" name="Oval 24">
-                <a:extLst>
-                  <a:ext uri="{FF2B5EF4-FFF2-40B4-BE49-F238E27FC236}">
-                    <a16:creationId xmlns:a16="http://schemas.microsoft.com/office/drawing/2014/main" id="{ADDFF2FD-0AC5-0041-B4F6-7B9898960B86}"/>
-                  </a:ext>
-                </a:extLst>
-              </p:cNvPr>
-              <p:cNvSpPr/>
-              <p:nvPr/>
-            </p:nvSpPr>
-            <p:spPr>
-              <a:xfrm>
-                <a:off x="9478834" y="1405086"/>
-                <a:ext cx="146304" cy="146304"/>
-              </a:xfrm>
-              <a:prstGeom prst="ellipse">
-                <a:avLst/>
-              </a:prstGeom>
-              <a:solidFill>
-                <a:srgbClr val="5BACD3"/>
-              </a:solidFill>
-              <a:ln>
-                <a:noFill/>
-              </a:ln>
-            </p:spPr>
-            <p:style>
-              <a:lnRef idx="2">
-                <a:schemeClr val="accent1">
-                  <a:shade val="50000"/>
-                </a:schemeClr>
-              </a:lnRef>
-              <a:fillRef idx="1">
-                <a:schemeClr val="accent1"/>
-              </a:fillRef>
-              <a:effectRef idx="0">
-                <a:schemeClr val="accent1"/>
-              </a:effectRef>
-              <a:fontRef idx="minor">
-                <a:schemeClr val="lt1"/>
-              </a:fontRef>
-            </p:style>
-            <p:txBody>
-              <a:bodyPr rot="0" spcFirstLastPara="0" vertOverflow="overflow" horzOverflow="overflow" vert="horz" wrap="square" lIns="91440" tIns="45720" rIns="91440" bIns="45720" numCol="1" spcCol="0" rtlCol="0" fromWordArt="0" anchor="ctr" anchorCtr="0" forceAA="0" compatLnSpc="1">
-                <a:prstTxWarp prst="textNoShape">
-                  <a:avLst/>
-                </a:prstTxWarp>
-                <a:noAutofit/>
-              </a:bodyPr>
-              <a:lstStyle/>
-              <a:p>
-                <a:pPr algn="ctr"/>
-                <a:endParaRPr lang="en-US"/>
-              </a:p>
-            </p:txBody>
-          </p:sp>
-          <p:sp>
-            <p:nvSpPr>
-              <p:cNvPr id="26" name="Oval 25">
-                <a:extLst>
-                  <a:ext uri="{FF2B5EF4-FFF2-40B4-BE49-F238E27FC236}">
-                    <a16:creationId xmlns:a16="http://schemas.microsoft.com/office/drawing/2014/main" id="{AD98A7E2-DB0E-AA46-8461-AB8725D7B53E}"/>
-                  </a:ext>
-                </a:extLst>
-              </p:cNvPr>
-              <p:cNvSpPr/>
-              <p:nvPr/>
-            </p:nvSpPr>
-            <p:spPr>
-              <a:xfrm>
-                <a:off x="9478834" y="1596467"/>
-                <a:ext cx="146304" cy="146304"/>
-              </a:xfrm>
-              <a:prstGeom prst="ellipse">
-                <a:avLst/>
-              </a:prstGeom>
-              <a:solidFill>
-                <a:srgbClr val="FF7F36"/>
-              </a:solidFill>
-              <a:ln>
-                <a:noFill/>
-              </a:ln>
-            </p:spPr>
-            <p:style>
-              <a:lnRef idx="2">
-                <a:schemeClr val="accent1">
-                  <a:shade val="50000"/>
-                </a:schemeClr>
-              </a:lnRef>
-              <a:fillRef idx="1">
-                <a:schemeClr val="accent1"/>
-              </a:fillRef>
-              <a:effectRef idx="0">
-                <a:schemeClr val="accent1"/>
-              </a:effectRef>
-              <a:fontRef idx="minor">
-                <a:schemeClr val="lt1"/>
-              </a:fontRef>
-            </p:style>
-            <p:txBody>
-              <a:bodyPr rot="0" spcFirstLastPara="0" vertOverflow="overflow" horzOverflow="overflow" vert="horz" wrap="square" lIns="91440" tIns="45720" rIns="91440" bIns="45720" numCol="1" spcCol="0" rtlCol="0" fromWordArt="0" anchor="ctr" anchorCtr="0" forceAA="0" compatLnSpc="1">
-                <a:prstTxWarp prst="textNoShape">
-                  <a:avLst/>
-                </a:prstTxWarp>
-                <a:noAutofit/>
-              </a:bodyPr>
-              <a:lstStyle/>
-              <a:p>
-                <a:pPr algn="ctr"/>
-                <a:endParaRPr lang="en-US"/>
-              </a:p>
-            </p:txBody>
-          </p:sp>
-        </p:grpSp>
-        <p:sp>
-          <p:nvSpPr>
-            <p:cNvPr id="21" name="Oval 20">
-              <a:extLst>
-                <a:ext uri="{FF2B5EF4-FFF2-40B4-BE49-F238E27FC236}">
-                  <a16:creationId xmlns:a16="http://schemas.microsoft.com/office/drawing/2014/main" id="{A2653014-5AB1-744F-8F72-47974D014525}"/>
-                </a:ext>
-              </a:extLst>
-            </p:cNvPr>
-            <p:cNvSpPr/>
-            <p:nvPr/>
-          </p:nvSpPr>
-          <p:spPr>
-            <a:xfrm>
-              <a:off x="8982778" y="4991704"/>
-              <a:ext cx="146304" cy="146304"/>
-            </a:xfrm>
-            <a:prstGeom prst="ellipse">
-              <a:avLst/>
-            </a:prstGeom>
-            <a:solidFill>
-              <a:srgbClr val="A2D674"/>
-            </a:solidFill>
-            <a:ln>
-              <a:noFill/>
-            </a:ln>
-          </p:spPr>
-          <p:style>
-            <a:lnRef idx="2">
-              <a:schemeClr val="accent1">
-                <a:shade val="50000"/>
-              </a:schemeClr>
-            </a:lnRef>
-            <a:fillRef idx="1">
-              <a:schemeClr val="accent1"/>
-            </a:fillRef>
-            <a:effectRef idx="0">
-              <a:schemeClr val="accent1"/>
-            </a:effectRef>
-            <a:fontRef idx="minor">
-              <a:schemeClr val="lt1"/>
-            </a:fontRef>
-          </p:style>
-          <p:txBody>
-            <a:bodyPr rot="0" spcFirstLastPara="0" vertOverflow="overflow" horzOverflow="overflow" vert="horz" wrap="square" lIns="91440" tIns="45720" rIns="91440" bIns="45720" numCol="1" spcCol="0" rtlCol="0" fromWordArt="0" anchor="ctr" anchorCtr="0" forceAA="0" compatLnSpc="1">
-              <a:prstTxWarp prst="textNoShape">
-                <a:avLst/>
-              </a:prstTxWarp>
-              <a:noAutofit/>
-            </a:bodyPr>
-            <a:lstStyle/>
-            <a:p>
-              <a:pPr algn="ctr"/>
-              <a:endParaRPr lang="en-US"/>
-            </a:p>
-          </p:txBody>
-        </p:sp>
-      </p:grpSp>
-      <p:sp>
-        <p:nvSpPr>
-          <p:cNvPr id="27" name="Rectangle 26">
-            <a:extLst>
-              <a:ext uri="{FF2B5EF4-FFF2-40B4-BE49-F238E27FC236}">
-                <a16:creationId xmlns:a16="http://schemas.microsoft.com/office/drawing/2014/main" id="{33B2A77A-F378-DA46-8DBA-4A9B94347BAA}"/>
-              </a:ext>
-            </a:extLst>
-          </p:cNvPr>
-          <p:cNvSpPr/>
-          <p:nvPr/>
-        </p:nvSpPr>
-        <p:spPr>
-          <a:xfrm>
-            <a:off x="7233148" y="6321382"/>
-            <a:ext cx="4733988" cy="246221"/>
-          </a:xfrm>
-          <a:prstGeom prst="rect">
-            <a:avLst/>
-          </a:prstGeom>
-        </p:spPr>
-        <p:txBody>
-          <a:bodyPr wrap="square">
-            <a:spAutoFit/>
-          </a:bodyPr>
-          <a:lstStyle/>
-          <a:p>
-            <a:r>
-              <a:rPr lang="en-US" sz="1000" dirty="0">
-                <a:solidFill>
-                  <a:prstClr val="black"/>
-                </a:solidFill>
-                <a:latin typeface="Arial" panose="020B0604020202020204" pitchFamily="34" charset="0"/>
-                <a:cs typeface="Arial" panose="020B0604020202020204" pitchFamily="34" charset="0"/>
-              </a:rPr>
-              <a:t>1960       1967       1974       1981       1988       1995        2002       2009       2016</a:t>
-            </a:r>
-          </a:p>
-        </p:txBody>
-      </p:sp>
-      <p:sp>
-        <p:nvSpPr>
-          <p:cNvPr id="28" name="Rectangle 27">
-            <a:extLst>
-              <a:ext uri="{FF2B5EF4-FFF2-40B4-BE49-F238E27FC236}">
-                <a16:creationId xmlns:a16="http://schemas.microsoft.com/office/drawing/2014/main" id="{BE424F56-8F25-D443-8D01-E359415CDBA6}"/>
-              </a:ext>
-            </a:extLst>
-          </p:cNvPr>
-          <p:cNvSpPr/>
-          <p:nvPr/>
-        </p:nvSpPr>
-        <p:spPr>
-          <a:xfrm>
-            <a:off x="7233148" y="2948281"/>
-            <a:ext cx="4733988" cy="246221"/>
-          </a:xfrm>
-          <a:prstGeom prst="rect">
-            <a:avLst/>
-          </a:prstGeom>
-        </p:spPr>
-        <p:txBody>
-          <a:bodyPr wrap="square">
-            <a:spAutoFit/>
-          </a:bodyPr>
-          <a:lstStyle/>
-          <a:p>
-            <a:r>
-              <a:rPr lang="en-US" sz="1000" dirty="0">
-                <a:solidFill>
-                  <a:prstClr val="black"/>
-                </a:solidFill>
-                <a:latin typeface="Arial" panose="020B0604020202020204" pitchFamily="34" charset="0"/>
-                <a:cs typeface="Arial" panose="020B0604020202020204" pitchFamily="34" charset="0"/>
-              </a:rPr>
-              <a:t>1960       1967       1974       1981       1988       1995        2002       2009       2016</a:t>
-            </a:r>
-          </a:p>
-        </p:txBody>
-      </p:sp>
-      <p:pic>
-        <p:nvPicPr>
-          <p:cNvPr id="30" name="Picture 29">
-            <a:extLst>
-              <a:ext uri="{FF2B5EF4-FFF2-40B4-BE49-F238E27FC236}">
-                <a16:creationId xmlns:a16="http://schemas.microsoft.com/office/drawing/2014/main" id="{779A965B-89FA-F044-A3AA-A3D5161AC0D7}"/>
-              </a:ext>
-            </a:extLst>
-          </p:cNvPr>
-          <p:cNvPicPr>
-            <a:picLocks noChangeAspect="1"/>
-          </p:cNvPicPr>
-          <p:nvPr/>
-        </p:nvPicPr>
-        <p:blipFill rotWithShape="1">
-          <a:blip r:embed="rId4"/>
-          <a:srcRect l="5140" t="3149" r="9315" b="2708"/>
-          <a:stretch/>
-        </p:blipFill>
-        <p:spPr>
-          <a:xfrm>
-            <a:off x="272956" y="382556"/>
-            <a:ext cx="6370560" cy="5842259"/>
-          </a:xfrm>
-          <a:prstGeom prst="rect">
-            <a:avLst/>
-          </a:prstGeom>
-        </p:spPr>
-      </p:pic>
-      <p:sp>
-        <p:nvSpPr>
-          <p:cNvPr id="31" name="Rectangle 30">
-            <a:extLst>
-              <a:ext uri="{FF2B5EF4-FFF2-40B4-BE49-F238E27FC236}">
-                <a16:creationId xmlns:a16="http://schemas.microsoft.com/office/drawing/2014/main" id="{028B0D8F-17D0-1941-A1E4-09FA37F5215E}"/>
-              </a:ext>
-            </a:extLst>
-          </p:cNvPr>
-          <p:cNvSpPr/>
-          <p:nvPr/>
-        </p:nvSpPr>
-        <p:spPr>
-          <a:xfrm>
-            <a:off x="84139" y="18223"/>
-            <a:ext cx="389850" cy="461665"/>
-          </a:xfrm>
-          <a:prstGeom prst="rect">
-            <a:avLst/>
-          </a:prstGeom>
-        </p:spPr>
-        <p:txBody>
-          <a:bodyPr wrap="none">
-            <a:spAutoFit/>
-          </a:bodyPr>
-          <a:lstStyle/>
-          <a:p>
-            <a:r>
-              <a:rPr lang="en-US" sz="2400" dirty="0">
-                <a:latin typeface="Arial" panose="020B0604020202020204" pitchFamily="34" charset="0"/>
-                <a:cs typeface="Arial" panose="020B0604020202020204" pitchFamily="34" charset="0"/>
-              </a:rPr>
-              <a:t>A</a:t>
-            </a:r>
-          </a:p>
-        </p:txBody>
-      </p:sp>
       <p:sp>
         <p:nvSpPr>
           <p:cNvPr id="32" name="Rectangle 31">
@@ -4144,7 +4614,7 @@
         </p:nvSpPr>
         <p:spPr>
           <a:xfrm>
-            <a:off x="6673795" y="4575"/>
+            <a:off x="6766786" y="4575"/>
             <a:ext cx="389850" cy="461665"/>
           </a:xfrm>
           <a:prstGeom prst="rect">
@@ -4169,10 +4639,10 @@
       </p:sp>
       <p:sp>
         <p:nvSpPr>
-          <p:cNvPr id="33" name="Rectangle 32">
+          <p:cNvPr id="45" name="Rectangle 44">
             <a:extLst>
               <a:ext uri="{FF2B5EF4-FFF2-40B4-BE49-F238E27FC236}">
-                <a16:creationId xmlns:a16="http://schemas.microsoft.com/office/drawing/2014/main" id="{A57107E1-7C56-8D46-BE77-17C1C260E2F7}"/>
+                <a16:creationId xmlns:a16="http://schemas.microsoft.com/office/drawing/2014/main" id="{53F55B8A-8A9E-BB47-974A-6A6A309E52BF}"/>
               </a:ext>
             </a:extLst>
           </p:cNvPr>
@@ -4180,356 +4650,29 @@
           <p:nvPr/>
         </p:nvSpPr>
         <p:spPr>
-          <a:xfrm rot="16200000">
-            <a:off x="-1264904" y="2572474"/>
-            <a:ext cx="2752677" cy="307777"/>
+          <a:xfrm>
+            <a:off x="6945440" y="3149923"/>
+            <a:ext cx="5051254" cy="246221"/>
           </a:xfrm>
           <a:prstGeom prst="rect">
             <a:avLst/>
           </a:prstGeom>
         </p:spPr>
         <p:txBody>
-          <a:bodyPr wrap="none">
+          <a:bodyPr wrap="square">
             <a:spAutoFit/>
           </a:bodyPr>
           <a:lstStyle/>
           <a:p>
             <a:r>
-              <a:rPr lang="en-US" sz="1400" dirty="0">
+              <a:rPr lang="en-US" sz="1000" dirty="0">
+                <a:solidFill>
+                  <a:prstClr val="black"/>
+                </a:solidFill>
                 <a:latin typeface="Arial" panose="020B0604020202020204" pitchFamily="34" charset="0"/>
                 <a:cs typeface="Arial" panose="020B0604020202020204" pitchFamily="34" charset="0"/>
               </a:rPr>
-              <a:t>Amino acid substitutions per site</a:t>
-            </a:r>
-          </a:p>
-        </p:txBody>
-      </p:sp>
-      <p:sp>
-        <p:nvSpPr>
-          <p:cNvPr id="35" name="TextBox 34">
-            <a:extLst>
-              <a:ext uri="{FF2B5EF4-FFF2-40B4-BE49-F238E27FC236}">
-                <a16:creationId xmlns:a16="http://schemas.microsoft.com/office/drawing/2014/main" id="{196BE6B7-9407-A34E-999E-66723CA8A74A}"/>
-              </a:ext>
-            </a:extLst>
-          </p:cNvPr>
-          <p:cNvSpPr txBox="1"/>
-          <p:nvPr/>
-        </p:nvSpPr>
-        <p:spPr>
-          <a:xfrm>
-            <a:off x="5655020" y="556160"/>
-            <a:ext cx="1030603" cy="646331"/>
-          </a:xfrm>
-          <a:prstGeom prst="rect">
-            <a:avLst/>
-          </a:prstGeom>
-          <a:solidFill>
-            <a:schemeClr val="bg1"/>
-          </a:solidFill>
-          <a:ln w="15875" cap="rnd">
-            <a:solidFill>
-              <a:srgbClr val="D6D6D6"/>
-            </a:solidFill>
-          </a:ln>
-        </p:spPr>
-        <p:txBody>
-          <a:bodyPr wrap="none" rtlCol="0">
-            <a:spAutoFit/>
-          </a:bodyPr>
-          <a:lstStyle/>
-          <a:p>
-            <a:r>
-              <a:rPr lang="en-US" sz="1200" dirty="0">
-                <a:latin typeface="Arial" panose="020B0604020202020204" pitchFamily="34" charset="0"/>
-                <a:cs typeface="Arial" panose="020B0604020202020204" pitchFamily="34" charset="0"/>
-              </a:rPr>
-              <a:t>     </a:t>
-            </a:r>
-            <a:r>
-              <a:rPr lang="en-US" sz="1200" b="1" dirty="0">
-                <a:latin typeface="Arial" panose="020B0604020202020204" pitchFamily="34" charset="0"/>
-                <a:cs typeface="Arial" panose="020B0604020202020204" pitchFamily="34" charset="0"/>
-              </a:rPr>
-              <a:t>OC43</a:t>
-            </a:r>
-          </a:p>
-          <a:p>
-            <a:r>
-              <a:rPr lang="en-US" sz="1200" dirty="0">
-                <a:latin typeface="Arial" panose="020B0604020202020204" pitchFamily="34" charset="0"/>
-                <a:cs typeface="Arial" panose="020B0604020202020204" pitchFamily="34" charset="0"/>
-              </a:rPr>
-              <a:t>     lineage A</a:t>
-            </a:r>
-          </a:p>
-          <a:p>
-            <a:r>
-              <a:rPr lang="en-US" sz="1200" dirty="0">
-                <a:latin typeface="Arial" panose="020B0604020202020204" pitchFamily="34" charset="0"/>
-                <a:cs typeface="Arial" panose="020B0604020202020204" pitchFamily="34" charset="0"/>
-              </a:rPr>
-              <a:t>     lineage B</a:t>
-            </a:r>
-          </a:p>
-        </p:txBody>
-      </p:sp>
-      <p:sp>
-        <p:nvSpPr>
-          <p:cNvPr id="36" name="Oval 35">
-            <a:extLst>
-              <a:ext uri="{FF2B5EF4-FFF2-40B4-BE49-F238E27FC236}">
-                <a16:creationId xmlns:a16="http://schemas.microsoft.com/office/drawing/2014/main" id="{623E61AA-99FC-3040-A9F4-0FF33374D30A}"/>
-              </a:ext>
-            </a:extLst>
-          </p:cNvPr>
-          <p:cNvSpPr/>
-          <p:nvPr/>
-        </p:nvSpPr>
-        <p:spPr>
-          <a:xfrm>
-            <a:off x="5733615" y="794597"/>
-            <a:ext cx="146304" cy="146304"/>
-          </a:xfrm>
-          <a:prstGeom prst="ellipse">
-            <a:avLst/>
-          </a:prstGeom>
-          <a:solidFill>
-            <a:srgbClr val="CB4335"/>
-          </a:solidFill>
-          <a:ln>
-            <a:noFill/>
-          </a:ln>
-        </p:spPr>
-        <p:style>
-          <a:lnRef idx="2">
-            <a:schemeClr val="accent1">
-              <a:shade val="50000"/>
-            </a:schemeClr>
-          </a:lnRef>
-          <a:fillRef idx="1">
-            <a:schemeClr val="accent1"/>
-          </a:fillRef>
-          <a:effectRef idx="0">
-            <a:schemeClr val="accent1"/>
-          </a:effectRef>
-          <a:fontRef idx="minor">
-            <a:schemeClr val="lt1"/>
-          </a:fontRef>
-        </p:style>
-        <p:txBody>
-          <a:bodyPr rot="0" spcFirstLastPara="0" vertOverflow="overflow" horzOverflow="overflow" vert="horz" wrap="square" lIns="91440" tIns="45720" rIns="91440" bIns="45720" numCol="1" spcCol="0" rtlCol="0" fromWordArt="0" anchor="ctr" anchorCtr="0" forceAA="0" compatLnSpc="1">
-            <a:prstTxWarp prst="textNoShape">
-              <a:avLst/>
-            </a:prstTxWarp>
-            <a:noAutofit/>
-          </a:bodyPr>
-          <a:lstStyle/>
-          <a:p>
-            <a:pPr algn="ctr"/>
-            <a:endParaRPr lang="en-US"/>
-          </a:p>
-        </p:txBody>
-      </p:sp>
-      <p:sp>
-        <p:nvSpPr>
-          <p:cNvPr id="37" name="Oval 36">
-            <a:extLst>
-              <a:ext uri="{FF2B5EF4-FFF2-40B4-BE49-F238E27FC236}">
-                <a16:creationId xmlns:a16="http://schemas.microsoft.com/office/drawing/2014/main" id="{7A831FDD-5EF6-0A4A-A59D-4BB38979463B}"/>
-              </a:ext>
-            </a:extLst>
-          </p:cNvPr>
-          <p:cNvSpPr/>
-          <p:nvPr/>
-        </p:nvSpPr>
-        <p:spPr>
-          <a:xfrm>
-            <a:off x="5733615" y="985978"/>
-            <a:ext cx="146304" cy="146304"/>
-          </a:xfrm>
-          <a:prstGeom prst="ellipse">
-            <a:avLst/>
-          </a:prstGeom>
-          <a:solidFill>
-            <a:srgbClr val="FF9A00"/>
-          </a:solidFill>
-          <a:ln>
-            <a:noFill/>
-          </a:ln>
-        </p:spPr>
-        <p:style>
-          <a:lnRef idx="2">
-            <a:schemeClr val="accent1">
-              <a:shade val="50000"/>
-            </a:schemeClr>
-          </a:lnRef>
-          <a:fillRef idx="1">
-            <a:schemeClr val="accent1"/>
-          </a:fillRef>
-          <a:effectRef idx="0">
-            <a:schemeClr val="accent1"/>
-          </a:effectRef>
-          <a:fontRef idx="minor">
-            <a:schemeClr val="lt1"/>
-          </a:fontRef>
-        </p:style>
-        <p:txBody>
-          <a:bodyPr rot="0" spcFirstLastPara="0" vertOverflow="overflow" horzOverflow="overflow" vert="horz" wrap="square" lIns="91440" tIns="45720" rIns="91440" bIns="45720" numCol="1" spcCol="0" rtlCol="0" fromWordArt="0" anchor="ctr" anchorCtr="0" forceAA="0" compatLnSpc="1">
-            <a:prstTxWarp prst="textNoShape">
-              <a:avLst/>
-            </a:prstTxWarp>
-            <a:noAutofit/>
-          </a:bodyPr>
-          <a:lstStyle/>
-          <a:p>
-            <a:pPr algn="ctr"/>
-            <a:endParaRPr lang="en-US"/>
-          </a:p>
-        </p:txBody>
-      </p:sp>
-      <p:sp>
-        <p:nvSpPr>
-          <p:cNvPr id="38" name="TextBox 37">
-            <a:extLst>
-              <a:ext uri="{FF2B5EF4-FFF2-40B4-BE49-F238E27FC236}">
-                <a16:creationId xmlns:a16="http://schemas.microsoft.com/office/drawing/2014/main" id="{D1A7CD29-A61D-2E44-BAF7-5522F659EEC9}"/>
-              </a:ext>
-            </a:extLst>
-          </p:cNvPr>
-          <p:cNvSpPr txBox="1"/>
-          <p:nvPr/>
-        </p:nvSpPr>
-        <p:spPr>
-          <a:xfrm>
-            <a:off x="5927082" y="3561169"/>
-            <a:ext cx="758541" cy="276999"/>
-          </a:xfrm>
-          <a:prstGeom prst="rect">
-            <a:avLst/>
-          </a:prstGeom>
-          <a:solidFill>
-            <a:schemeClr val="bg1"/>
-          </a:solidFill>
-          <a:ln w="15875" cap="rnd">
-            <a:solidFill>
-              <a:srgbClr val="D6D6D6"/>
-            </a:solidFill>
-          </a:ln>
-        </p:spPr>
-        <p:txBody>
-          <a:bodyPr wrap="none" rtlCol="0">
-            <a:spAutoFit/>
-          </a:bodyPr>
-          <a:lstStyle/>
-          <a:p>
-            <a:r>
-              <a:rPr lang="en-US" sz="1200" dirty="0">
-                <a:latin typeface="Arial" panose="020B0604020202020204" pitchFamily="34" charset="0"/>
-                <a:cs typeface="Arial" panose="020B0604020202020204" pitchFamily="34" charset="0"/>
-              </a:rPr>
-              <a:t>     </a:t>
-            </a:r>
-            <a:r>
-              <a:rPr lang="en-US" sz="1200" b="1" dirty="0">
-                <a:latin typeface="Arial" panose="020B0604020202020204" pitchFamily="34" charset="0"/>
-                <a:cs typeface="Arial" panose="020B0604020202020204" pitchFamily="34" charset="0"/>
-              </a:rPr>
-              <a:t>229E</a:t>
-            </a:r>
-          </a:p>
-        </p:txBody>
-      </p:sp>
-      <p:sp>
-        <p:nvSpPr>
-          <p:cNvPr id="39" name="Oval 38">
-            <a:extLst>
-              <a:ext uri="{FF2B5EF4-FFF2-40B4-BE49-F238E27FC236}">
-                <a16:creationId xmlns:a16="http://schemas.microsoft.com/office/drawing/2014/main" id="{000563B3-641B-654B-8DB2-1EFF3DAC15DE}"/>
-              </a:ext>
-            </a:extLst>
-          </p:cNvPr>
-          <p:cNvSpPr/>
-          <p:nvPr/>
-        </p:nvSpPr>
-        <p:spPr>
-          <a:xfrm>
-            <a:off x="6005677" y="3627330"/>
-            <a:ext cx="146304" cy="146304"/>
-          </a:xfrm>
-          <a:prstGeom prst="ellipse">
-            <a:avLst/>
-          </a:prstGeom>
-          <a:solidFill>
-            <a:srgbClr val="2E86C1"/>
-          </a:solidFill>
-          <a:ln>
-            <a:noFill/>
-          </a:ln>
-        </p:spPr>
-        <p:style>
-          <a:lnRef idx="2">
-            <a:schemeClr val="accent1">
-              <a:shade val="50000"/>
-            </a:schemeClr>
-          </a:lnRef>
-          <a:fillRef idx="1">
-            <a:schemeClr val="accent1"/>
-          </a:fillRef>
-          <a:effectRef idx="0">
-            <a:schemeClr val="accent1"/>
-          </a:effectRef>
-          <a:fontRef idx="minor">
-            <a:schemeClr val="lt1"/>
-          </a:fontRef>
-        </p:style>
-        <p:txBody>
-          <a:bodyPr rot="0" spcFirstLastPara="0" vertOverflow="overflow" horzOverflow="overflow" vert="horz" wrap="square" lIns="91440" tIns="45720" rIns="91440" bIns="45720" numCol="1" spcCol="0" rtlCol="0" fromWordArt="0" anchor="ctr" anchorCtr="0" forceAA="0" compatLnSpc="1">
-            <a:prstTxWarp prst="textNoShape">
-              <a:avLst/>
-            </a:prstTxWarp>
-            <a:noAutofit/>
-          </a:bodyPr>
-          <a:lstStyle/>
-          <a:p>
-            <a:pPr algn="ctr"/>
-            <a:endParaRPr lang="en-US"/>
-          </a:p>
-        </p:txBody>
-      </p:sp>
-      <p:sp>
-        <p:nvSpPr>
-          <p:cNvPr id="40" name="Rectangle 39">
-            <a:extLst>
-              <a:ext uri="{FF2B5EF4-FFF2-40B4-BE49-F238E27FC236}">
-                <a16:creationId xmlns:a16="http://schemas.microsoft.com/office/drawing/2014/main" id="{D8DB164B-CCCA-C648-90DF-B0BA857DD89B}"/>
-              </a:ext>
-            </a:extLst>
-          </p:cNvPr>
-          <p:cNvSpPr/>
-          <p:nvPr/>
-        </p:nvSpPr>
-        <p:spPr>
-          <a:xfrm>
-            <a:off x="2350401" y="6172186"/>
-            <a:ext cx="2215671" cy="307777"/>
-          </a:xfrm>
-          <a:prstGeom prst="rect">
-            <a:avLst/>
-          </a:prstGeom>
-        </p:spPr>
-        <p:txBody>
-          <a:bodyPr wrap="none">
-            <a:spAutoFit/>
-          </a:bodyPr>
-          <a:lstStyle/>
-          <a:p>
-            <a:r>
-              <a:rPr lang="en-US" sz="1400" dirty="0">
-                <a:latin typeface="Arial" panose="020B0604020202020204" pitchFamily="34" charset="0"/>
-                <a:cs typeface="Arial" panose="020B0604020202020204" pitchFamily="34" charset="0"/>
-              </a:rPr>
-              <a:t>Spike amino acid position</a:t>
+              <a:t>1960          1968           1976          1984           1992          2000          2008           2016</a:t>
             </a:r>
           </a:p>
         </p:txBody>
